--- a/PKCE - Singapore Identity & Security.pptx
+++ b/PKCE - Singapore Identity & Security.pptx
@@ -1,57 +1,64 @@
 
 <file path=ppt/presentation.xml><?xml version="1.0" encoding="utf-8"?>
-<p:presentation xmlns:a="http://schemas.openxmlformats.org/drawingml/2006/main" xmlns:r="http://schemas.openxmlformats.org/officeDocument/2006/relationships" xmlns:mc="http://schemas.openxmlformats.org/markup-compatibility/2006" xmlns:mv="urn:schemas-microsoft-com:mac:vml" xmlns:p="http://schemas.openxmlformats.org/presentationml/2006/main" xmlns:c="http://schemas.openxmlformats.org/drawingml/2006/chart" xmlns:dgm="http://schemas.openxmlformats.org/drawingml/2006/diagram" xmlns:o="urn:schemas-microsoft-com:office:office" xmlns:v="urn:schemas-microsoft-com:vml" xmlns:pvml="urn:schemas-microsoft-com:office:powerpoint" xmlns:com="http://schemas.openxmlformats.org/drawingml/2006/compatibility" xmlns:p14="http://schemas.microsoft.com/office/powerpoint/2010/main" xmlns:p15="http://schemas.microsoft.com/office/powerpoint/2012/main" xmlns:ahyp="http://schemas.microsoft.com/office/drawing/2018/hyperlinkcolor" autoCompressPictures="0" embedTrueTypeFonts="1" strictFirstAndLastChars="0" saveSubsetFonts="1">
+<p:presentation xmlns:a="http://schemas.openxmlformats.org/drawingml/2006/main" xmlns:r="http://schemas.openxmlformats.org/officeDocument/2006/relationships" xmlns:p="http://schemas.openxmlformats.org/presentationml/2006/main" strictFirstAndLastChars="0" embedTrueTypeFonts="1" saveSubsetFonts="1" autoCompressPictures="0">
   <p:sldMasterIdLst>
-    <p:sldMasterId id="2147483659" r:id="rId4"/>
+    <p:sldMasterId id="2147483659" r:id="rId1"/>
   </p:sldMasterIdLst>
   <p:notesMasterIdLst>
-    <p:notesMasterId r:id="rId5"/>
+    <p:notesMasterId r:id="rId20"/>
   </p:notesMasterIdLst>
   <p:sldIdLst>
-    <p:sldId id="256" r:id="rId6"/>
-    <p:sldId id="257" r:id="rId7"/>
-    <p:sldId id="258" r:id="rId8"/>
-    <p:sldId id="259" r:id="rId9"/>
-    <p:sldId id="260" r:id="rId10"/>
-    <p:sldId id="261" r:id="rId11"/>
-    <p:sldId id="262" r:id="rId12"/>
-    <p:sldId id="263" r:id="rId13"/>
-    <p:sldId id="264" r:id="rId14"/>
-    <p:sldId id="265" r:id="rId15"/>
-    <p:sldId id="266" r:id="rId16"/>
-    <p:sldId id="267" r:id="rId17"/>
-    <p:sldId id="268" r:id="rId18"/>
-    <p:sldId id="269" r:id="rId19"/>
-    <p:sldId id="270" r:id="rId20"/>
-    <p:sldId id="271" r:id="rId21"/>
-    <p:sldId id="272" r:id="rId22"/>
-    <p:sldId id="273" r:id="rId23"/>
+    <p:sldId id="256" r:id="rId2"/>
+    <p:sldId id="257" r:id="rId3"/>
+    <p:sldId id="258" r:id="rId4"/>
+    <p:sldId id="259" r:id="rId5"/>
+    <p:sldId id="260" r:id="rId6"/>
+    <p:sldId id="261" r:id="rId7"/>
+    <p:sldId id="262" r:id="rId8"/>
+    <p:sldId id="263" r:id="rId9"/>
+    <p:sldId id="264" r:id="rId10"/>
+    <p:sldId id="265" r:id="rId11"/>
+    <p:sldId id="266" r:id="rId12"/>
+    <p:sldId id="267" r:id="rId13"/>
+    <p:sldId id="268" r:id="rId14"/>
+    <p:sldId id="269" r:id="rId15"/>
+    <p:sldId id="270" r:id="rId16"/>
+    <p:sldId id="271" r:id="rId17"/>
+    <p:sldId id="272" r:id="rId18"/>
+    <p:sldId id="273" r:id="rId19"/>
   </p:sldIdLst>
-  <p:sldSz cy="5143500" cx="9144000"/>
+  <p:sldSz cx="9144000" cy="5143500" type="screen16x9"/>
   <p:notesSz cx="6858000" cy="9144000"/>
   <p:embeddedFontLst>
     <p:embeddedFont>
-      <p:font typeface="Source Code Pro"/>
-      <p:regular r:id="rId24"/>
-      <p:bold r:id="rId25"/>
-      <p:italic r:id="rId26"/>
-      <p:boldItalic r:id="rId27"/>
+      <p:font typeface="Georgia" panose="02040502050405020303" pitchFamily="18" charset="0"/>
+      <p:regular r:id="rId21"/>
+      <p:bold r:id="rId22"/>
+      <p:italic r:id="rId23"/>
+      <p:boldItalic r:id="rId24"/>
     </p:embeddedFont>
     <p:embeddedFont>
-      <p:font typeface="Oswald"/>
-      <p:regular r:id="rId28"/>
-      <p:bold r:id="rId29"/>
+      <p:font typeface="Oswald" pitchFamily="2" charset="77"/>
+      <p:regular r:id="rId25"/>
+      <p:bold r:id="rId26"/>
     </p:embeddedFont>
     <p:embeddedFont>
-      <p:font typeface="Roboto Mono"/>
-      <p:regular r:id="rId30"/>
-      <p:bold r:id="rId31"/>
-      <p:italic r:id="rId32"/>
-      <p:boldItalic r:id="rId33"/>
+      <p:font typeface="Roboto Mono" pitchFamily="49" charset="0"/>
+      <p:regular r:id="rId27"/>
+      <p:bold r:id="rId28"/>
+      <p:italic r:id="rId29"/>
+      <p:boldItalic r:id="rId30"/>
+    </p:embeddedFont>
+    <p:embeddedFont>
+      <p:font typeface="Source Code Pro" panose="020B0509030403020204" pitchFamily="49" charset="0"/>
+      <p:regular r:id="rId31"/>
+      <p:bold r:id="rId32"/>
+      <p:italic r:id="rId33"/>
+      <p:boldItalic r:id="rId34"/>
     </p:embeddedFont>
   </p:embeddedFontLst>
   <p:defaultTextStyle>
-    <a:defPPr lvl="0" marR="0" rtl="0" algn="l">
+    <a:defPPr marR="0" lvl="0" algn="l" rtl="0">
       <a:lnSpc>
         <a:spcPct val="100000"/>
       </a:lnSpc>
@@ -62,7 +69,7 @@
         <a:spcPts val="0"/>
       </a:spcAft>
     </a:defPPr>
-    <a:lvl1pPr lvl="0" marR="0" rtl="0" algn="l">
+    <a:lvl1pPr marR="0" lvl="0" algn="l" rtl="0">
       <a:lnSpc>
         <a:spcPct val="100000"/>
       </a:lnSpc>
@@ -76,7 +83,7 @@
         <a:srgbClr val="000000"/>
       </a:buClr>
       <a:buFont typeface="Arial"/>
-      <a:defRPr b="0" i="0" sz="1400" u="none" cap="none" strike="noStrike">
+      <a:defRPr sz="1400" b="0" i="0" u="none" strike="noStrike" cap="none">
         <a:solidFill>
           <a:srgbClr val="000000"/>
         </a:solidFill>
@@ -86,7 +93,7 @@
         <a:sym typeface="Arial"/>
       </a:defRPr>
     </a:lvl1pPr>
-    <a:lvl2pPr lvl="1" marR="0" rtl="0" algn="l">
+    <a:lvl2pPr marR="0" lvl="1" algn="l" rtl="0">
       <a:lnSpc>
         <a:spcPct val="100000"/>
       </a:lnSpc>
@@ -100,7 +107,7 @@
         <a:srgbClr val="000000"/>
       </a:buClr>
       <a:buFont typeface="Arial"/>
-      <a:defRPr b="0" i="0" sz="1400" u="none" cap="none" strike="noStrike">
+      <a:defRPr sz="1400" b="0" i="0" u="none" strike="noStrike" cap="none">
         <a:solidFill>
           <a:srgbClr val="000000"/>
         </a:solidFill>
@@ -110,7 +117,7 @@
         <a:sym typeface="Arial"/>
       </a:defRPr>
     </a:lvl2pPr>
-    <a:lvl3pPr lvl="2" marR="0" rtl="0" algn="l">
+    <a:lvl3pPr marR="0" lvl="2" algn="l" rtl="0">
       <a:lnSpc>
         <a:spcPct val="100000"/>
       </a:lnSpc>
@@ -124,7 +131,7 @@
         <a:srgbClr val="000000"/>
       </a:buClr>
       <a:buFont typeface="Arial"/>
-      <a:defRPr b="0" i="0" sz="1400" u="none" cap="none" strike="noStrike">
+      <a:defRPr sz="1400" b="0" i="0" u="none" strike="noStrike" cap="none">
         <a:solidFill>
           <a:srgbClr val="000000"/>
         </a:solidFill>
@@ -134,7 +141,7 @@
         <a:sym typeface="Arial"/>
       </a:defRPr>
     </a:lvl3pPr>
-    <a:lvl4pPr lvl="3" marR="0" rtl="0" algn="l">
+    <a:lvl4pPr marR="0" lvl="3" algn="l" rtl="0">
       <a:lnSpc>
         <a:spcPct val="100000"/>
       </a:lnSpc>
@@ -148,7 +155,7 @@
         <a:srgbClr val="000000"/>
       </a:buClr>
       <a:buFont typeface="Arial"/>
-      <a:defRPr b="0" i="0" sz="1400" u="none" cap="none" strike="noStrike">
+      <a:defRPr sz="1400" b="0" i="0" u="none" strike="noStrike" cap="none">
         <a:solidFill>
           <a:srgbClr val="000000"/>
         </a:solidFill>
@@ -158,7 +165,7 @@
         <a:sym typeface="Arial"/>
       </a:defRPr>
     </a:lvl4pPr>
-    <a:lvl5pPr lvl="4" marR="0" rtl="0" algn="l">
+    <a:lvl5pPr marR="0" lvl="4" algn="l" rtl="0">
       <a:lnSpc>
         <a:spcPct val="100000"/>
       </a:lnSpc>
@@ -172,7 +179,7 @@
         <a:srgbClr val="000000"/>
       </a:buClr>
       <a:buFont typeface="Arial"/>
-      <a:defRPr b="0" i="0" sz="1400" u="none" cap="none" strike="noStrike">
+      <a:defRPr sz="1400" b="0" i="0" u="none" strike="noStrike" cap="none">
         <a:solidFill>
           <a:srgbClr val="000000"/>
         </a:solidFill>
@@ -182,7 +189,7 @@
         <a:sym typeface="Arial"/>
       </a:defRPr>
     </a:lvl5pPr>
-    <a:lvl6pPr lvl="5" marR="0" rtl="0" algn="l">
+    <a:lvl6pPr marR="0" lvl="5" algn="l" rtl="0">
       <a:lnSpc>
         <a:spcPct val="100000"/>
       </a:lnSpc>
@@ -196,7 +203,7 @@
         <a:srgbClr val="000000"/>
       </a:buClr>
       <a:buFont typeface="Arial"/>
-      <a:defRPr b="0" i="0" sz="1400" u="none" cap="none" strike="noStrike">
+      <a:defRPr sz="1400" b="0" i="0" u="none" strike="noStrike" cap="none">
         <a:solidFill>
           <a:srgbClr val="000000"/>
         </a:solidFill>
@@ -206,7 +213,7 @@
         <a:sym typeface="Arial"/>
       </a:defRPr>
     </a:lvl6pPr>
-    <a:lvl7pPr lvl="6" marR="0" rtl="0" algn="l">
+    <a:lvl7pPr marR="0" lvl="6" algn="l" rtl="0">
       <a:lnSpc>
         <a:spcPct val="100000"/>
       </a:lnSpc>
@@ -220,7 +227,7 @@
         <a:srgbClr val="000000"/>
       </a:buClr>
       <a:buFont typeface="Arial"/>
-      <a:defRPr b="0" i="0" sz="1400" u="none" cap="none" strike="noStrike">
+      <a:defRPr sz="1400" b="0" i="0" u="none" strike="noStrike" cap="none">
         <a:solidFill>
           <a:srgbClr val="000000"/>
         </a:solidFill>
@@ -230,7 +237,7 @@
         <a:sym typeface="Arial"/>
       </a:defRPr>
     </a:lvl7pPr>
-    <a:lvl8pPr lvl="7" marR="0" rtl="0" algn="l">
+    <a:lvl8pPr marR="0" lvl="7" algn="l" rtl="0">
       <a:lnSpc>
         <a:spcPct val="100000"/>
       </a:lnSpc>
@@ -244,7 +251,7 @@
         <a:srgbClr val="000000"/>
       </a:buClr>
       <a:buFont typeface="Arial"/>
-      <a:defRPr b="0" i="0" sz="1400" u="none" cap="none" strike="noStrike">
+      <a:defRPr sz="1400" b="0" i="0" u="none" strike="noStrike" cap="none">
         <a:solidFill>
           <a:srgbClr val="000000"/>
         </a:solidFill>
@@ -254,7 +261,7 @@
         <a:sym typeface="Arial"/>
       </a:defRPr>
     </a:lvl8pPr>
-    <a:lvl9pPr lvl="8" marR="0" rtl="0" algn="l">
+    <a:lvl9pPr marR="0" lvl="8" algn="l" rtl="0">
       <a:lnSpc>
         <a:spcPct val="100000"/>
       </a:lnSpc>
@@ -268,7 +275,7 @@
         <a:srgbClr val="000000"/>
       </a:buClr>
       <a:buFont typeface="Arial"/>
-      <a:defRPr b="0" i="0" sz="1400" u="none" cap="none" strike="noStrike">
+      <a:defRPr sz="1400" b="0" i="0" u="none" strike="noStrike" cap="none">
         <a:solidFill>
           <a:srgbClr val="000000"/>
         </a:solidFill>
@@ -281,7 +288,7 @@
   </p:defaultTextStyle>
   <p:extLst>
     <p:ext uri="{EFAFB233-063F-42B5-8137-9DF3F51BA10A}">
-      <p15:sldGuideLst>
+      <p15:sldGuideLst xmlns:p15="http://schemas.microsoft.com/office/powerpoint/2012/main">
         <p15:guide id="1" orient="horz" pos="1620">
           <p15:clr>
             <a:srgbClr val="A4A3A4"/>
@@ -299,11 +306,16 @@
 </file>
 
 <file path=ppt/notesMasters/notesMaster1.xml><?xml version="1.0" encoding="utf-8"?>
-<p:notesMaster xmlns:a="http://schemas.openxmlformats.org/drawingml/2006/main" xmlns:r="http://schemas.openxmlformats.org/officeDocument/2006/relationships" xmlns:mc="http://schemas.openxmlformats.org/markup-compatibility/2006" xmlns:mv="urn:schemas-microsoft-com:mac:vml" xmlns:p="http://schemas.openxmlformats.org/presentationml/2006/main" xmlns:c="http://schemas.openxmlformats.org/drawingml/2006/chart" xmlns:dgm="http://schemas.openxmlformats.org/drawingml/2006/diagram" xmlns:o="urn:schemas-microsoft-com:office:office" xmlns:v="urn:schemas-microsoft-com:vml" xmlns:pvml="urn:schemas-microsoft-com:office:powerpoint" xmlns:com="http://schemas.openxmlformats.org/drawingml/2006/compatibility" xmlns:p14="http://schemas.microsoft.com/office/powerpoint/2010/main" xmlns:p15="http://schemas.microsoft.com/office/powerpoint/2012/main" xmlns:ahyp="http://schemas.microsoft.com/office/drawing/2018/hyperlinkcolor">
+<p:notesMaster xmlns:a="http://schemas.openxmlformats.org/drawingml/2006/main" xmlns:r="http://schemas.openxmlformats.org/officeDocument/2006/relationships" xmlns:p="http://schemas.openxmlformats.org/presentationml/2006/main">
   <p:cSld>
+    <p:bg>
+      <p:bgRef idx="1001">
+        <a:schemeClr val="bg1"/>
+      </p:bgRef>
+    </p:bg>
     <p:spTree>
       <p:nvGrpSpPr>
-        <p:cNvPr id="2" name="Shape 2"/>
+        <p:cNvPr id="1" name="Shape 2"/>
         <p:cNvGrpSpPr/>
         <p:nvPr/>
       </p:nvGrpSpPr>
@@ -318,9 +330,11 @@
       <p:sp>
         <p:nvSpPr>
           <p:cNvPr id="3" name="Google Shape;3;n"/>
-          <p:cNvSpPr/>
+          <p:cNvSpPr>
+            <a:spLocks noGrp="1" noRot="1" noChangeAspect="1"/>
+          </p:cNvSpPr>
           <p:nvPr>
-            <p:ph idx="2" type="sldImg"/>
+            <p:ph type="sldImg" idx="2"/>
           </p:nvPr>
         </p:nvSpPr>
         <p:spPr>
@@ -329,9 +343,13 @@
             <a:ext cx="6096075" cy="3429000"/>
           </a:xfrm>
           <a:custGeom>
-            <a:rect b="b" l="l" r="r" t="t"/>
+            <a:avLst/>
+            <a:gdLst/>
+            <a:ahLst/>
+            <a:cxnLst/>
+            <a:rect l="l" t="t" r="r" b="b"/>
             <a:pathLst>
-              <a:path extrusionOk="0" h="120000" w="120000">
+              <a:path w="120000" h="120000" extrusionOk="0">
                 <a:moveTo>
                   <a:pt x="0" y="0"/>
                 </a:moveTo>
@@ -349,23 +367,25 @@
             </a:pathLst>
           </a:custGeom>
           <a:noFill/>
-          <a:ln cap="flat" cmpd="sng" w="9525">
+          <a:ln w="9525" cap="flat" cmpd="sng">
             <a:solidFill>
               <a:srgbClr val="000000"/>
             </a:solidFill>
             <a:prstDash val="solid"/>
             <a:round/>
-            <a:headEnd len="sm" w="sm" type="none"/>
-            <a:tailEnd len="sm" w="sm" type="none"/>
+            <a:headEnd type="none" w="sm" len="sm"/>
+            <a:tailEnd type="none" w="sm" len="sm"/>
           </a:ln>
         </p:spPr>
       </p:sp>
       <p:sp>
         <p:nvSpPr>
           <p:cNvPr id="4" name="Google Shape;4;n"/>
-          <p:cNvSpPr txBox="1"/>
+          <p:cNvSpPr txBox="1">
+            <a:spLocks noGrp="1"/>
+          </p:cNvSpPr>
           <p:nvPr>
-            <p:ph idx="1" type="body"/>
+            <p:ph type="body" idx="1"/>
           </p:nvPr>
         </p:nvSpPr>
         <p:spPr>
@@ -382,11 +402,11 @@
           </a:ln>
         </p:spPr>
         <p:txBody>
-          <a:bodyPr anchorCtr="0" anchor="t" bIns="91425" lIns="91425" spcFirstLastPara="1" rIns="91425" wrap="square" tIns="91425">
+          <a:bodyPr spcFirstLastPara="1" wrap="square" lIns="91425" tIns="91425" rIns="91425" bIns="91425" anchor="t" anchorCtr="0">
             <a:noAutofit/>
           </a:bodyPr>
           <a:lstStyle>
-            <a:lvl1pPr indent="-298450" lvl="0" marL="457200">
+            <a:lvl1pPr marL="457200" lvl="0" indent="-298450">
               <a:spcBef>
                 <a:spcPts val="0"/>
               </a:spcBef>
@@ -397,7 +417,7 @@
               <a:buChar char="●"/>
               <a:defRPr sz="1100"/>
             </a:lvl1pPr>
-            <a:lvl2pPr indent="-298450" lvl="1" marL="914400">
+            <a:lvl2pPr marL="914400" lvl="1" indent="-298450">
               <a:spcBef>
                 <a:spcPts val="0"/>
               </a:spcBef>
@@ -408,7 +428,7 @@
               <a:buChar char="○"/>
               <a:defRPr sz="1100"/>
             </a:lvl2pPr>
-            <a:lvl3pPr indent="-298450" lvl="2" marL="1371600">
+            <a:lvl3pPr marL="1371600" lvl="2" indent="-298450">
               <a:spcBef>
                 <a:spcPts val="0"/>
               </a:spcBef>
@@ -419,7 +439,7 @@
               <a:buChar char="■"/>
               <a:defRPr sz="1100"/>
             </a:lvl3pPr>
-            <a:lvl4pPr indent="-298450" lvl="3" marL="1828800">
+            <a:lvl4pPr marL="1828800" lvl="3" indent="-298450">
               <a:spcBef>
                 <a:spcPts val="0"/>
               </a:spcBef>
@@ -430,7 +450,7 @@
               <a:buChar char="●"/>
               <a:defRPr sz="1100"/>
             </a:lvl4pPr>
-            <a:lvl5pPr indent="-298450" lvl="4" marL="2286000">
+            <a:lvl5pPr marL="2286000" lvl="4" indent="-298450">
               <a:spcBef>
                 <a:spcPts val="0"/>
               </a:spcBef>
@@ -441,7 +461,7 @@
               <a:buChar char="○"/>
               <a:defRPr sz="1100"/>
             </a:lvl5pPr>
-            <a:lvl6pPr indent="-298450" lvl="5" marL="2743200">
+            <a:lvl6pPr marL="2743200" lvl="5" indent="-298450">
               <a:spcBef>
                 <a:spcPts val="0"/>
               </a:spcBef>
@@ -452,7 +472,7 @@
               <a:buChar char="■"/>
               <a:defRPr sz="1100"/>
             </a:lvl6pPr>
-            <a:lvl7pPr indent="-298450" lvl="6" marL="3200400">
+            <a:lvl7pPr marL="3200400" lvl="6" indent="-298450">
               <a:spcBef>
                 <a:spcPts val="0"/>
               </a:spcBef>
@@ -463,7 +483,7 @@
               <a:buChar char="●"/>
               <a:defRPr sz="1100"/>
             </a:lvl7pPr>
-            <a:lvl8pPr indent="-298450" lvl="7" marL="3657600">
+            <a:lvl8pPr marL="3657600" lvl="7" indent="-298450">
               <a:spcBef>
                 <a:spcPts val="0"/>
               </a:spcBef>
@@ -474,7 +494,7 @@
               <a:buChar char="○"/>
               <a:defRPr sz="1100"/>
             </a:lvl8pPr>
-            <a:lvl9pPr indent="-298450" lvl="8" marL="4114800">
+            <a:lvl9pPr marL="4114800" lvl="8" indent="-298450">
               <a:spcBef>
                 <a:spcPts val="0"/>
               </a:spcBef>
@@ -486,14 +506,16 @@
               <a:defRPr sz="1100"/>
             </a:lvl9pPr>
           </a:lstStyle>
-          <a:p/>
+          <a:p>
+            <a:endParaRPr/>
+          </a:p>
         </p:txBody>
       </p:sp>
     </p:spTree>
   </p:cSld>
-  <p:clrMap accent1="accent1" accent2="accent2" accent3="accent3" accent4="accent4" accent5="accent5" accent6="accent6" bg1="lt1" bg2="dk2" tx1="dk1" tx2="lt2" folHlink="folHlink" hlink="hlink"/>
+  <p:clrMap bg1="lt1" tx1="dk1" bg2="dk2" tx2="lt2" accent1="accent1" accent2="accent2" accent3="accent3" accent4="accent4" accent5="accent5" accent6="accent6" hlink="hlink" folHlink="folHlink"/>
   <p:notesStyle>
-    <a:defPPr lvl="0" marR="0" rtl="0" algn="l">
+    <a:defPPr marR="0" lvl="0" algn="l" rtl="0">
       <a:lnSpc>
         <a:spcPct val="100000"/>
       </a:lnSpc>
@@ -504,7 +526,7 @@
         <a:spcPts val="0"/>
       </a:spcAft>
     </a:defPPr>
-    <a:lvl1pPr lvl="0" marR="0" rtl="0" algn="l">
+    <a:lvl1pPr marR="0" lvl="0" algn="l" rtl="0">
       <a:lnSpc>
         <a:spcPct val="100000"/>
       </a:lnSpc>
@@ -518,7 +540,7 @@
         <a:srgbClr val="000000"/>
       </a:buClr>
       <a:buFont typeface="Arial"/>
-      <a:defRPr b="0" i="0" sz="1400" u="none" cap="none" strike="noStrike">
+      <a:defRPr sz="1400" b="0" i="0" u="none" strike="noStrike" cap="none">
         <a:solidFill>
           <a:srgbClr val="000000"/>
         </a:solidFill>
@@ -528,7 +550,7 @@
         <a:sym typeface="Arial"/>
       </a:defRPr>
     </a:lvl1pPr>
-    <a:lvl2pPr lvl="1" marR="0" rtl="0" algn="l">
+    <a:lvl2pPr marR="0" lvl="1" algn="l" rtl="0">
       <a:lnSpc>
         <a:spcPct val="100000"/>
       </a:lnSpc>
@@ -542,7 +564,7 @@
         <a:srgbClr val="000000"/>
       </a:buClr>
       <a:buFont typeface="Arial"/>
-      <a:defRPr b="0" i="0" sz="1400" u="none" cap="none" strike="noStrike">
+      <a:defRPr sz="1400" b="0" i="0" u="none" strike="noStrike" cap="none">
         <a:solidFill>
           <a:srgbClr val="000000"/>
         </a:solidFill>
@@ -552,7 +574,7 @@
         <a:sym typeface="Arial"/>
       </a:defRPr>
     </a:lvl2pPr>
-    <a:lvl3pPr lvl="2" marR="0" rtl="0" algn="l">
+    <a:lvl3pPr marR="0" lvl="2" algn="l" rtl="0">
       <a:lnSpc>
         <a:spcPct val="100000"/>
       </a:lnSpc>
@@ -566,7 +588,7 @@
         <a:srgbClr val="000000"/>
       </a:buClr>
       <a:buFont typeface="Arial"/>
-      <a:defRPr b="0" i="0" sz="1400" u="none" cap="none" strike="noStrike">
+      <a:defRPr sz="1400" b="0" i="0" u="none" strike="noStrike" cap="none">
         <a:solidFill>
           <a:srgbClr val="000000"/>
         </a:solidFill>
@@ -576,7 +598,7 @@
         <a:sym typeface="Arial"/>
       </a:defRPr>
     </a:lvl3pPr>
-    <a:lvl4pPr lvl="3" marR="0" rtl="0" algn="l">
+    <a:lvl4pPr marR="0" lvl="3" algn="l" rtl="0">
       <a:lnSpc>
         <a:spcPct val="100000"/>
       </a:lnSpc>
@@ -590,7 +612,7 @@
         <a:srgbClr val="000000"/>
       </a:buClr>
       <a:buFont typeface="Arial"/>
-      <a:defRPr b="0" i="0" sz="1400" u="none" cap="none" strike="noStrike">
+      <a:defRPr sz="1400" b="0" i="0" u="none" strike="noStrike" cap="none">
         <a:solidFill>
           <a:srgbClr val="000000"/>
         </a:solidFill>
@@ -600,7 +622,7 @@
         <a:sym typeface="Arial"/>
       </a:defRPr>
     </a:lvl4pPr>
-    <a:lvl5pPr lvl="4" marR="0" rtl="0" algn="l">
+    <a:lvl5pPr marR="0" lvl="4" algn="l" rtl="0">
       <a:lnSpc>
         <a:spcPct val="100000"/>
       </a:lnSpc>
@@ -614,7 +636,7 @@
         <a:srgbClr val="000000"/>
       </a:buClr>
       <a:buFont typeface="Arial"/>
-      <a:defRPr b="0" i="0" sz="1400" u="none" cap="none" strike="noStrike">
+      <a:defRPr sz="1400" b="0" i="0" u="none" strike="noStrike" cap="none">
         <a:solidFill>
           <a:srgbClr val="000000"/>
         </a:solidFill>
@@ -624,7 +646,7 @@
         <a:sym typeface="Arial"/>
       </a:defRPr>
     </a:lvl5pPr>
-    <a:lvl6pPr lvl="5" marR="0" rtl="0" algn="l">
+    <a:lvl6pPr marR="0" lvl="5" algn="l" rtl="0">
       <a:lnSpc>
         <a:spcPct val="100000"/>
       </a:lnSpc>
@@ -638,7 +660,7 @@
         <a:srgbClr val="000000"/>
       </a:buClr>
       <a:buFont typeface="Arial"/>
-      <a:defRPr b="0" i="0" sz="1400" u="none" cap="none" strike="noStrike">
+      <a:defRPr sz="1400" b="0" i="0" u="none" strike="noStrike" cap="none">
         <a:solidFill>
           <a:srgbClr val="000000"/>
         </a:solidFill>
@@ -648,7 +670,7 @@
         <a:sym typeface="Arial"/>
       </a:defRPr>
     </a:lvl6pPr>
-    <a:lvl7pPr lvl="6" marR="0" rtl="0" algn="l">
+    <a:lvl7pPr marR="0" lvl="6" algn="l" rtl="0">
       <a:lnSpc>
         <a:spcPct val="100000"/>
       </a:lnSpc>
@@ -662,7 +684,7 @@
         <a:srgbClr val="000000"/>
       </a:buClr>
       <a:buFont typeface="Arial"/>
-      <a:defRPr b="0" i="0" sz="1400" u="none" cap="none" strike="noStrike">
+      <a:defRPr sz="1400" b="0" i="0" u="none" strike="noStrike" cap="none">
         <a:solidFill>
           <a:srgbClr val="000000"/>
         </a:solidFill>
@@ -672,7 +694,7 @@
         <a:sym typeface="Arial"/>
       </a:defRPr>
     </a:lvl7pPr>
-    <a:lvl8pPr lvl="7" marR="0" rtl="0" algn="l">
+    <a:lvl8pPr marR="0" lvl="7" algn="l" rtl="0">
       <a:lnSpc>
         <a:spcPct val="100000"/>
       </a:lnSpc>
@@ -686,7 +708,7 @@
         <a:srgbClr val="000000"/>
       </a:buClr>
       <a:buFont typeface="Arial"/>
-      <a:defRPr b="0" i="0" sz="1400" u="none" cap="none" strike="noStrike">
+      <a:defRPr sz="1400" b="0" i="0" u="none" strike="noStrike" cap="none">
         <a:solidFill>
           <a:srgbClr val="000000"/>
         </a:solidFill>
@@ -696,7 +718,7 @@
         <a:sym typeface="Arial"/>
       </a:defRPr>
     </a:lvl8pPr>
-    <a:lvl9pPr lvl="8" marR="0" rtl="0" algn="l">
+    <a:lvl9pPr marR="0" lvl="8" algn="l" rtl="0">
       <a:lnSpc>
         <a:spcPct val="100000"/>
       </a:lnSpc>
@@ -710,7 +732,7 @@
         <a:srgbClr val="000000"/>
       </a:buClr>
       <a:buFont typeface="Arial"/>
-      <a:defRPr b="0" i="0" sz="1400" u="none" cap="none" strike="noStrike">
+      <a:defRPr sz="1400" b="0" i="0" u="none" strike="noStrike" cap="none">
         <a:solidFill>
           <a:srgbClr val="000000"/>
         </a:solidFill>
@@ -725,11 +747,11 @@
 </file>
 
 <file path=ppt/notesSlides/notesSlide1.xml><?xml version="1.0" encoding="utf-8"?>
-<p:notes xmlns:a="http://schemas.openxmlformats.org/drawingml/2006/main" xmlns:r="http://schemas.openxmlformats.org/officeDocument/2006/relationships" xmlns:mc="http://schemas.openxmlformats.org/markup-compatibility/2006" xmlns:mv="urn:schemas-microsoft-com:mac:vml" xmlns:p="http://schemas.openxmlformats.org/presentationml/2006/main" xmlns:c="http://schemas.openxmlformats.org/drawingml/2006/chart" xmlns:dgm="http://schemas.openxmlformats.org/drawingml/2006/diagram" xmlns:o="urn:schemas-microsoft-com:office:office" xmlns:v="urn:schemas-microsoft-com:vml" xmlns:pvml="urn:schemas-microsoft-com:office:powerpoint" xmlns:com="http://schemas.openxmlformats.org/drawingml/2006/compatibility" xmlns:p14="http://schemas.microsoft.com/office/powerpoint/2010/main" xmlns:p15="http://schemas.microsoft.com/office/powerpoint/2012/main" xmlns:ahyp="http://schemas.microsoft.com/office/drawing/2018/hyperlinkcolor" showMasterPhAnim="0" showMasterSp="0">
+<p:notes xmlns:a="http://schemas.openxmlformats.org/drawingml/2006/main" xmlns:r="http://schemas.openxmlformats.org/officeDocument/2006/relationships" xmlns:p="http://schemas.openxmlformats.org/presentationml/2006/main" showMasterSp="0" showMasterPhAnim="0">
   <p:cSld>
     <p:spTree>
       <p:nvGrpSpPr>
-        <p:cNvPr id="58" name="Shape 58"/>
+        <p:cNvPr id="1" name="Shape 58"/>
         <p:cNvGrpSpPr/>
         <p:nvPr/>
       </p:nvGrpSpPr>
@@ -744,9 +766,11 @@
       <p:sp>
         <p:nvSpPr>
           <p:cNvPr id="59" name="Google Shape;59;p:notes"/>
-          <p:cNvSpPr/>
+          <p:cNvSpPr>
+            <a:spLocks noGrp="1" noRot="1" noChangeAspect="1"/>
+          </p:cNvSpPr>
           <p:nvPr>
-            <p:ph idx="2" type="sldImg"/>
+            <p:ph type="sldImg" idx="2"/>
           </p:nvPr>
         </p:nvSpPr>
         <p:spPr>
@@ -755,9 +779,13 @@
             <a:ext cx="6096075" cy="3429000"/>
           </a:xfrm>
           <a:custGeom>
-            <a:rect b="b" l="l" r="r" t="t"/>
+            <a:avLst/>
+            <a:gdLst/>
+            <a:ahLst/>
+            <a:cxnLst/>
+            <a:rect l="l" t="t" r="r" b="b"/>
             <a:pathLst>
-              <a:path extrusionOk="0" h="120000" w="120000">
+              <a:path w="120000" h="120000" extrusionOk="0">
                 <a:moveTo>
                   <a:pt x="0" y="0"/>
                 </a:moveTo>
@@ -779,9 +807,11 @@
       <p:sp>
         <p:nvSpPr>
           <p:cNvPr id="60" name="Google Shape;60;p:notes"/>
-          <p:cNvSpPr txBox="1"/>
+          <p:cNvSpPr txBox="1">
+            <a:spLocks noGrp="1"/>
+          </p:cNvSpPr>
           <p:nvPr>
-            <p:ph idx="1" type="body"/>
+            <p:ph type="body" idx="1"/>
           </p:nvPr>
         </p:nvSpPr>
         <p:spPr>
@@ -794,23 +824,20 @@
           </a:prstGeom>
         </p:spPr>
         <p:txBody>
-          <a:bodyPr anchorCtr="0" anchor="t" bIns="91425" lIns="91425" spcFirstLastPara="1" rIns="91425" wrap="square" tIns="91425">
+          <a:bodyPr spcFirstLastPara="1" wrap="square" lIns="91425" tIns="91425" rIns="91425" bIns="91425" anchor="t" anchorCtr="0">
             <a:noAutofit/>
           </a:bodyPr>
           <a:lstStyle/>
           <a:p>
-            <a:pPr indent="0" lvl="0" marL="0" rtl="0" algn="l">
-              <a:spcBef>
-                <a:spcPts val="0"/>
-              </a:spcBef>
-              <a:spcAft>
-                <a:spcPts val="0"/>
-              </a:spcAft>
-              <a:buNone/>
-            </a:pPr>
-            <a:r>
-              <a:t/>
-            </a:r>
+            <a:pPr marL="0" lvl="0" indent="0" algn="l" rtl="0">
+              <a:spcBef>
+                <a:spcPts val="0"/>
+              </a:spcBef>
+              <a:spcAft>
+                <a:spcPts val="0"/>
+              </a:spcAft>
+              <a:buNone/>
+            </a:pPr>
             <a:endParaRPr/>
           </a:p>
         </p:txBody>
@@ -824,11 +851,11 @@
 </file>
 
 <file path=ppt/notesSlides/notesSlide10.xml><?xml version="1.0" encoding="utf-8"?>
-<p:notes xmlns:a="http://schemas.openxmlformats.org/drawingml/2006/main" xmlns:r="http://schemas.openxmlformats.org/officeDocument/2006/relationships" xmlns:mc="http://schemas.openxmlformats.org/markup-compatibility/2006" xmlns:mv="urn:schemas-microsoft-com:mac:vml" xmlns:p="http://schemas.openxmlformats.org/presentationml/2006/main" xmlns:c="http://schemas.openxmlformats.org/drawingml/2006/chart" xmlns:dgm="http://schemas.openxmlformats.org/drawingml/2006/diagram" xmlns:o="urn:schemas-microsoft-com:office:office" xmlns:v="urn:schemas-microsoft-com:vml" xmlns:pvml="urn:schemas-microsoft-com:office:powerpoint" xmlns:com="http://schemas.openxmlformats.org/drawingml/2006/compatibility" xmlns:p14="http://schemas.microsoft.com/office/powerpoint/2010/main" xmlns:p15="http://schemas.microsoft.com/office/powerpoint/2012/main" xmlns:ahyp="http://schemas.microsoft.com/office/drawing/2018/hyperlinkcolor" showMasterPhAnim="0" showMasterSp="0">
+<p:notes xmlns:a="http://schemas.openxmlformats.org/drawingml/2006/main" xmlns:r="http://schemas.openxmlformats.org/officeDocument/2006/relationships" xmlns:p="http://schemas.openxmlformats.org/presentationml/2006/main" showMasterSp="0" showMasterPhAnim="0">
   <p:cSld>
     <p:spTree>
       <p:nvGrpSpPr>
-        <p:cNvPr id="119" name="Shape 119"/>
+        <p:cNvPr id="1" name="Shape 119"/>
         <p:cNvGrpSpPr/>
         <p:nvPr/>
       </p:nvGrpSpPr>
@@ -843,9 +870,11 @@
       <p:sp>
         <p:nvSpPr>
           <p:cNvPr id="120" name="Google Shape;120;gb04801aa75_0_435:notes"/>
-          <p:cNvSpPr/>
+          <p:cNvSpPr>
+            <a:spLocks noGrp="1" noRot="1" noChangeAspect="1"/>
+          </p:cNvSpPr>
           <p:nvPr>
-            <p:ph idx="2" type="sldImg"/>
+            <p:ph type="sldImg" idx="2"/>
           </p:nvPr>
         </p:nvSpPr>
         <p:spPr>
@@ -854,9 +883,13 @@
             <a:ext cx="6096000" cy="3429000"/>
           </a:xfrm>
           <a:custGeom>
-            <a:rect b="b" l="l" r="r" t="t"/>
+            <a:avLst/>
+            <a:gdLst/>
+            <a:ahLst/>
+            <a:cxnLst/>
+            <a:rect l="l" t="t" r="r" b="b"/>
             <a:pathLst>
-              <a:path extrusionOk="0" h="120000" w="120000">
+              <a:path w="120000" h="120000" extrusionOk="0">
                 <a:moveTo>
                   <a:pt x="0" y="0"/>
                 </a:moveTo>
@@ -878,9 +911,11 @@
       <p:sp>
         <p:nvSpPr>
           <p:cNvPr id="121" name="Google Shape;121;gb04801aa75_0_435:notes"/>
-          <p:cNvSpPr txBox="1"/>
+          <p:cNvSpPr txBox="1">
+            <a:spLocks noGrp="1"/>
+          </p:cNvSpPr>
           <p:nvPr>
-            <p:ph idx="1" type="body"/>
+            <p:ph type="body" idx="1"/>
           </p:nvPr>
         </p:nvSpPr>
         <p:spPr>
@@ -893,23 +928,20 @@
           </a:prstGeom>
         </p:spPr>
         <p:txBody>
-          <a:bodyPr anchorCtr="0" anchor="t" bIns="91425" lIns="91425" spcFirstLastPara="1" rIns="91425" wrap="square" tIns="91425">
+          <a:bodyPr spcFirstLastPara="1" wrap="square" lIns="91425" tIns="91425" rIns="91425" bIns="91425" anchor="t" anchorCtr="0">
             <a:noAutofit/>
           </a:bodyPr>
           <a:lstStyle/>
           <a:p>
-            <a:pPr indent="0" lvl="0" marL="0" rtl="0" algn="l">
-              <a:spcBef>
-                <a:spcPts val="0"/>
-              </a:spcBef>
-              <a:spcAft>
-                <a:spcPts val="0"/>
-              </a:spcAft>
-              <a:buNone/>
-            </a:pPr>
-            <a:r>
-              <a:t/>
-            </a:r>
+            <a:pPr marL="0" lvl="0" indent="0" algn="l" rtl="0">
+              <a:spcBef>
+                <a:spcPts val="0"/>
+              </a:spcBef>
+              <a:spcAft>
+                <a:spcPts val="0"/>
+              </a:spcAft>
+              <a:buNone/>
+            </a:pPr>
             <a:endParaRPr/>
           </a:p>
         </p:txBody>
@@ -923,11 +955,11 @@
 </file>
 
 <file path=ppt/notesSlides/notesSlide11.xml><?xml version="1.0" encoding="utf-8"?>
-<p:notes xmlns:a="http://schemas.openxmlformats.org/drawingml/2006/main" xmlns:r="http://schemas.openxmlformats.org/officeDocument/2006/relationships" xmlns:mc="http://schemas.openxmlformats.org/markup-compatibility/2006" xmlns:mv="urn:schemas-microsoft-com:mac:vml" xmlns:p="http://schemas.openxmlformats.org/presentationml/2006/main" xmlns:c="http://schemas.openxmlformats.org/drawingml/2006/chart" xmlns:dgm="http://schemas.openxmlformats.org/drawingml/2006/diagram" xmlns:o="urn:schemas-microsoft-com:office:office" xmlns:v="urn:schemas-microsoft-com:vml" xmlns:pvml="urn:schemas-microsoft-com:office:powerpoint" xmlns:com="http://schemas.openxmlformats.org/drawingml/2006/compatibility" xmlns:p14="http://schemas.microsoft.com/office/powerpoint/2010/main" xmlns:p15="http://schemas.microsoft.com/office/powerpoint/2012/main" xmlns:ahyp="http://schemas.microsoft.com/office/drawing/2018/hyperlinkcolor" showMasterPhAnim="0" showMasterSp="0">
+<p:notes xmlns:a="http://schemas.openxmlformats.org/drawingml/2006/main" xmlns:r="http://schemas.openxmlformats.org/officeDocument/2006/relationships" xmlns:p="http://schemas.openxmlformats.org/presentationml/2006/main" showMasterSp="0" showMasterPhAnim="0">
   <p:cSld>
     <p:spTree>
       <p:nvGrpSpPr>
-        <p:cNvPr id="126" name="Shape 126"/>
+        <p:cNvPr id="1" name="Shape 126"/>
         <p:cNvGrpSpPr/>
         <p:nvPr/>
       </p:nvGrpSpPr>
@@ -942,9 +974,11 @@
       <p:sp>
         <p:nvSpPr>
           <p:cNvPr id="127" name="Google Shape;127;gb04801aa75_0_441:notes"/>
-          <p:cNvSpPr/>
+          <p:cNvSpPr>
+            <a:spLocks noGrp="1" noRot="1" noChangeAspect="1"/>
+          </p:cNvSpPr>
           <p:nvPr>
-            <p:ph idx="2" type="sldImg"/>
+            <p:ph type="sldImg" idx="2"/>
           </p:nvPr>
         </p:nvSpPr>
         <p:spPr>
@@ -953,9 +987,13 @@
             <a:ext cx="6096000" cy="3429000"/>
           </a:xfrm>
           <a:custGeom>
-            <a:rect b="b" l="l" r="r" t="t"/>
+            <a:avLst/>
+            <a:gdLst/>
+            <a:ahLst/>
+            <a:cxnLst/>
+            <a:rect l="l" t="t" r="r" b="b"/>
             <a:pathLst>
-              <a:path extrusionOk="0" h="120000" w="120000">
+              <a:path w="120000" h="120000" extrusionOk="0">
                 <a:moveTo>
                   <a:pt x="0" y="0"/>
                 </a:moveTo>
@@ -977,9 +1015,11 @@
       <p:sp>
         <p:nvSpPr>
           <p:cNvPr id="128" name="Google Shape;128;gb04801aa75_0_441:notes"/>
-          <p:cNvSpPr txBox="1"/>
+          <p:cNvSpPr txBox="1">
+            <a:spLocks noGrp="1"/>
+          </p:cNvSpPr>
           <p:nvPr>
-            <p:ph idx="1" type="body"/>
+            <p:ph type="body" idx="1"/>
           </p:nvPr>
         </p:nvSpPr>
         <p:spPr>
@@ -992,23 +1032,20 @@
           </a:prstGeom>
         </p:spPr>
         <p:txBody>
-          <a:bodyPr anchorCtr="0" anchor="t" bIns="91425" lIns="91425" spcFirstLastPara="1" rIns="91425" wrap="square" tIns="91425">
+          <a:bodyPr spcFirstLastPara="1" wrap="square" lIns="91425" tIns="91425" rIns="91425" bIns="91425" anchor="t" anchorCtr="0">
             <a:noAutofit/>
           </a:bodyPr>
           <a:lstStyle/>
           <a:p>
-            <a:pPr indent="0" lvl="0" marL="0" rtl="0" algn="l">
-              <a:spcBef>
-                <a:spcPts val="0"/>
-              </a:spcBef>
-              <a:spcAft>
-                <a:spcPts val="0"/>
-              </a:spcAft>
-              <a:buNone/>
-            </a:pPr>
-            <a:r>
-              <a:t/>
-            </a:r>
+            <a:pPr marL="0" lvl="0" indent="0" algn="l" rtl="0">
+              <a:spcBef>
+                <a:spcPts val="0"/>
+              </a:spcBef>
+              <a:spcAft>
+                <a:spcPts val="0"/>
+              </a:spcAft>
+              <a:buNone/>
+            </a:pPr>
             <a:endParaRPr/>
           </a:p>
         </p:txBody>
@@ -1022,11 +1059,11 @@
 </file>
 
 <file path=ppt/notesSlides/notesSlide12.xml><?xml version="1.0" encoding="utf-8"?>
-<p:notes xmlns:a="http://schemas.openxmlformats.org/drawingml/2006/main" xmlns:r="http://schemas.openxmlformats.org/officeDocument/2006/relationships" xmlns:mc="http://schemas.openxmlformats.org/markup-compatibility/2006" xmlns:mv="urn:schemas-microsoft-com:mac:vml" xmlns:p="http://schemas.openxmlformats.org/presentationml/2006/main" xmlns:c="http://schemas.openxmlformats.org/drawingml/2006/chart" xmlns:dgm="http://schemas.openxmlformats.org/drawingml/2006/diagram" xmlns:o="urn:schemas-microsoft-com:office:office" xmlns:v="urn:schemas-microsoft-com:vml" xmlns:pvml="urn:schemas-microsoft-com:office:powerpoint" xmlns:com="http://schemas.openxmlformats.org/drawingml/2006/compatibility" xmlns:p14="http://schemas.microsoft.com/office/powerpoint/2010/main" xmlns:p15="http://schemas.microsoft.com/office/powerpoint/2012/main" xmlns:ahyp="http://schemas.microsoft.com/office/drawing/2018/hyperlinkcolor" showMasterPhAnim="0" showMasterSp="0">
+<p:notes xmlns:a="http://schemas.openxmlformats.org/drawingml/2006/main" xmlns:r="http://schemas.openxmlformats.org/officeDocument/2006/relationships" xmlns:p="http://schemas.openxmlformats.org/presentationml/2006/main" showMasterSp="0" showMasterPhAnim="0">
   <p:cSld>
     <p:spTree>
       <p:nvGrpSpPr>
-        <p:cNvPr id="134" name="Shape 134"/>
+        <p:cNvPr id="1" name="Shape 134"/>
         <p:cNvGrpSpPr/>
         <p:nvPr/>
       </p:nvGrpSpPr>
@@ -1041,9 +1078,11 @@
       <p:sp>
         <p:nvSpPr>
           <p:cNvPr id="135" name="Google Shape;135;gb04801aa75_0_448:notes"/>
-          <p:cNvSpPr/>
+          <p:cNvSpPr>
+            <a:spLocks noGrp="1" noRot="1" noChangeAspect="1"/>
+          </p:cNvSpPr>
           <p:nvPr>
-            <p:ph idx="2" type="sldImg"/>
+            <p:ph type="sldImg" idx="2"/>
           </p:nvPr>
         </p:nvSpPr>
         <p:spPr>
@@ -1052,9 +1091,13 @@
             <a:ext cx="6096000" cy="3429000"/>
           </a:xfrm>
           <a:custGeom>
-            <a:rect b="b" l="l" r="r" t="t"/>
+            <a:avLst/>
+            <a:gdLst/>
+            <a:ahLst/>
+            <a:cxnLst/>
+            <a:rect l="l" t="t" r="r" b="b"/>
             <a:pathLst>
-              <a:path extrusionOk="0" h="120000" w="120000">
+              <a:path w="120000" h="120000" extrusionOk="0">
                 <a:moveTo>
                   <a:pt x="0" y="0"/>
                 </a:moveTo>
@@ -1076,9 +1119,11 @@
       <p:sp>
         <p:nvSpPr>
           <p:cNvPr id="136" name="Google Shape;136;gb04801aa75_0_448:notes"/>
-          <p:cNvSpPr txBox="1"/>
+          <p:cNvSpPr txBox="1">
+            <a:spLocks noGrp="1"/>
+          </p:cNvSpPr>
           <p:nvPr>
-            <p:ph idx="1" type="body"/>
+            <p:ph type="body" idx="1"/>
           </p:nvPr>
         </p:nvSpPr>
         <p:spPr>
@@ -1091,23 +1136,20 @@
           </a:prstGeom>
         </p:spPr>
         <p:txBody>
-          <a:bodyPr anchorCtr="0" anchor="t" bIns="91425" lIns="91425" spcFirstLastPara="1" rIns="91425" wrap="square" tIns="91425">
+          <a:bodyPr spcFirstLastPara="1" wrap="square" lIns="91425" tIns="91425" rIns="91425" bIns="91425" anchor="t" anchorCtr="0">
             <a:noAutofit/>
           </a:bodyPr>
           <a:lstStyle/>
           <a:p>
-            <a:pPr indent="0" lvl="0" marL="0" rtl="0" algn="l">
-              <a:spcBef>
-                <a:spcPts val="0"/>
-              </a:spcBef>
-              <a:spcAft>
-                <a:spcPts val="0"/>
-              </a:spcAft>
-              <a:buNone/>
-            </a:pPr>
-            <a:r>
-              <a:t/>
-            </a:r>
+            <a:pPr marL="0" lvl="0" indent="0" algn="l" rtl="0">
+              <a:spcBef>
+                <a:spcPts val="0"/>
+              </a:spcBef>
+              <a:spcAft>
+                <a:spcPts val="0"/>
+              </a:spcAft>
+              <a:buNone/>
+            </a:pPr>
             <a:endParaRPr/>
           </a:p>
         </p:txBody>
@@ -1121,11 +1163,11 @@
 </file>
 
 <file path=ppt/notesSlides/notesSlide13.xml><?xml version="1.0" encoding="utf-8"?>
-<p:notes xmlns:a="http://schemas.openxmlformats.org/drawingml/2006/main" xmlns:r="http://schemas.openxmlformats.org/officeDocument/2006/relationships" xmlns:mc="http://schemas.openxmlformats.org/markup-compatibility/2006" xmlns:mv="urn:schemas-microsoft-com:mac:vml" xmlns:p="http://schemas.openxmlformats.org/presentationml/2006/main" xmlns:c="http://schemas.openxmlformats.org/drawingml/2006/chart" xmlns:dgm="http://schemas.openxmlformats.org/drawingml/2006/diagram" xmlns:o="urn:schemas-microsoft-com:office:office" xmlns:v="urn:schemas-microsoft-com:vml" xmlns:pvml="urn:schemas-microsoft-com:office:powerpoint" xmlns:com="http://schemas.openxmlformats.org/drawingml/2006/compatibility" xmlns:p14="http://schemas.microsoft.com/office/powerpoint/2010/main" xmlns:p15="http://schemas.microsoft.com/office/powerpoint/2012/main" xmlns:ahyp="http://schemas.microsoft.com/office/drawing/2018/hyperlinkcolor" showMasterPhAnim="0" showMasterSp="0">
+<p:notes xmlns:a="http://schemas.openxmlformats.org/drawingml/2006/main" xmlns:r="http://schemas.openxmlformats.org/officeDocument/2006/relationships" xmlns:p="http://schemas.openxmlformats.org/presentationml/2006/main" showMasterSp="0" showMasterPhAnim="0">
   <p:cSld>
     <p:spTree>
       <p:nvGrpSpPr>
-        <p:cNvPr id="140" name="Shape 140"/>
+        <p:cNvPr id="1" name="Shape 140"/>
         <p:cNvGrpSpPr/>
         <p:nvPr/>
       </p:nvGrpSpPr>
@@ -1140,9 +1182,11 @@
       <p:sp>
         <p:nvSpPr>
           <p:cNvPr id="141" name="Google Shape;141;gb04801aa75_0_506:notes"/>
-          <p:cNvSpPr/>
+          <p:cNvSpPr>
+            <a:spLocks noGrp="1" noRot="1" noChangeAspect="1"/>
+          </p:cNvSpPr>
           <p:nvPr>
-            <p:ph idx="2" type="sldImg"/>
+            <p:ph type="sldImg" idx="2"/>
           </p:nvPr>
         </p:nvSpPr>
         <p:spPr>
@@ -1151,9 +1195,13 @@
             <a:ext cx="6096000" cy="3429000"/>
           </a:xfrm>
           <a:custGeom>
-            <a:rect b="b" l="l" r="r" t="t"/>
+            <a:avLst/>
+            <a:gdLst/>
+            <a:ahLst/>
+            <a:cxnLst/>
+            <a:rect l="l" t="t" r="r" b="b"/>
             <a:pathLst>
-              <a:path extrusionOk="0" h="120000" w="120000">
+              <a:path w="120000" h="120000" extrusionOk="0">
                 <a:moveTo>
                   <a:pt x="0" y="0"/>
                 </a:moveTo>
@@ -1175,9 +1223,11 @@
       <p:sp>
         <p:nvSpPr>
           <p:cNvPr id="142" name="Google Shape;142;gb04801aa75_0_506:notes"/>
-          <p:cNvSpPr txBox="1"/>
+          <p:cNvSpPr txBox="1">
+            <a:spLocks noGrp="1"/>
+          </p:cNvSpPr>
           <p:nvPr>
-            <p:ph idx="1" type="body"/>
+            <p:ph type="body" idx="1"/>
           </p:nvPr>
         </p:nvSpPr>
         <p:spPr>
@@ -1190,23 +1240,20 @@
           </a:prstGeom>
         </p:spPr>
         <p:txBody>
-          <a:bodyPr anchorCtr="0" anchor="t" bIns="91425" lIns="91425" spcFirstLastPara="1" rIns="91425" wrap="square" tIns="91425">
+          <a:bodyPr spcFirstLastPara="1" wrap="square" lIns="91425" tIns="91425" rIns="91425" bIns="91425" anchor="t" anchorCtr="0">
             <a:noAutofit/>
           </a:bodyPr>
           <a:lstStyle/>
           <a:p>
-            <a:pPr indent="0" lvl="0" marL="0" rtl="0" algn="l">
-              <a:spcBef>
-                <a:spcPts val="0"/>
-              </a:spcBef>
-              <a:spcAft>
-                <a:spcPts val="0"/>
-              </a:spcAft>
-              <a:buNone/>
-            </a:pPr>
-            <a:r>
-              <a:t/>
-            </a:r>
+            <a:pPr marL="0" lvl="0" indent="0" algn="l" rtl="0">
+              <a:spcBef>
+                <a:spcPts val="0"/>
+              </a:spcBef>
+              <a:spcAft>
+                <a:spcPts val="0"/>
+              </a:spcAft>
+              <a:buNone/>
+            </a:pPr>
             <a:endParaRPr/>
           </a:p>
         </p:txBody>
@@ -1220,11 +1267,11 @@
 </file>
 
 <file path=ppt/notesSlides/notesSlide14.xml><?xml version="1.0" encoding="utf-8"?>
-<p:notes xmlns:a="http://schemas.openxmlformats.org/drawingml/2006/main" xmlns:r="http://schemas.openxmlformats.org/officeDocument/2006/relationships" xmlns:mc="http://schemas.openxmlformats.org/markup-compatibility/2006" xmlns:mv="urn:schemas-microsoft-com:mac:vml" xmlns:p="http://schemas.openxmlformats.org/presentationml/2006/main" xmlns:c="http://schemas.openxmlformats.org/drawingml/2006/chart" xmlns:dgm="http://schemas.openxmlformats.org/drawingml/2006/diagram" xmlns:o="urn:schemas-microsoft-com:office:office" xmlns:v="urn:schemas-microsoft-com:vml" xmlns:pvml="urn:schemas-microsoft-com:office:powerpoint" xmlns:com="http://schemas.openxmlformats.org/drawingml/2006/compatibility" xmlns:p14="http://schemas.microsoft.com/office/powerpoint/2010/main" xmlns:p15="http://schemas.microsoft.com/office/powerpoint/2012/main" xmlns:ahyp="http://schemas.microsoft.com/office/drawing/2018/hyperlinkcolor" showMasterPhAnim="0" showMasterSp="0">
+<p:notes xmlns:a="http://schemas.openxmlformats.org/drawingml/2006/main" xmlns:r="http://schemas.openxmlformats.org/officeDocument/2006/relationships" xmlns:p="http://schemas.openxmlformats.org/presentationml/2006/main" showMasterSp="0" showMasterPhAnim="0">
   <p:cSld>
     <p:spTree>
       <p:nvGrpSpPr>
-        <p:cNvPr id="148" name="Shape 148"/>
+        <p:cNvPr id="1" name="Shape 148"/>
         <p:cNvGrpSpPr/>
         <p:nvPr/>
       </p:nvGrpSpPr>
@@ -1239,9 +1286,11 @@
       <p:sp>
         <p:nvSpPr>
           <p:cNvPr id="149" name="Google Shape;149;gb04801aa75_0_513:notes"/>
-          <p:cNvSpPr/>
+          <p:cNvSpPr>
+            <a:spLocks noGrp="1" noRot="1" noChangeAspect="1"/>
+          </p:cNvSpPr>
           <p:nvPr>
-            <p:ph idx="2" type="sldImg"/>
+            <p:ph type="sldImg" idx="2"/>
           </p:nvPr>
         </p:nvSpPr>
         <p:spPr>
@@ -1250,9 +1299,13 @@
             <a:ext cx="6096000" cy="3429000"/>
           </a:xfrm>
           <a:custGeom>
-            <a:rect b="b" l="l" r="r" t="t"/>
+            <a:avLst/>
+            <a:gdLst/>
+            <a:ahLst/>
+            <a:cxnLst/>
+            <a:rect l="l" t="t" r="r" b="b"/>
             <a:pathLst>
-              <a:path extrusionOk="0" h="120000" w="120000">
+              <a:path w="120000" h="120000" extrusionOk="0">
                 <a:moveTo>
                   <a:pt x="0" y="0"/>
                 </a:moveTo>
@@ -1274,9 +1327,11 @@
       <p:sp>
         <p:nvSpPr>
           <p:cNvPr id="150" name="Google Shape;150;gb04801aa75_0_513:notes"/>
-          <p:cNvSpPr txBox="1"/>
+          <p:cNvSpPr txBox="1">
+            <a:spLocks noGrp="1"/>
+          </p:cNvSpPr>
           <p:nvPr>
-            <p:ph idx="1" type="body"/>
+            <p:ph type="body" idx="1"/>
           </p:nvPr>
         </p:nvSpPr>
         <p:spPr>
@@ -1289,23 +1344,20 @@
           </a:prstGeom>
         </p:spPr>
         <p:txBody>
-          <a:bodyPr anchorCtr="0" anchor="t" bIns="91425" lIns="91425" spcFirstLastPara="1" rIns="91425" wrap="square" tIns="91425">
+          <a:bodyPr spcFirstLastPara="1" wrap="square" lIns="91425" tIns="91425" rIns="91425" bIns="91425" anchor="t" anchorCtr="0">
             <a:noAutofit/>
           </a:bodyPr>
           <a:lstStyle/>
           <a:p>
-            <a:pPr indent="0" lvl="0" marL="0" rtl="0" algn="l">
-              <a:spcBef>
-                <a:spcPts val="0"/>
-              </a:spcBef>
-              <a:spcAft>
-                <a:spcPts val="0"/>
-              </a:spcAft>
-              <a:buNone/>
-            </a:pPr>
-            <a:r>
-              <a:t/>
-            </a:r>
+            <a:pPr marL="0" lvl="0" indent="0" algn="l" rtl="0">
+              <a:spcBef>
+                <a:spcPts val="0"/>
+              </a:spcBef>
+              <a:spcAft>
+                <a:spcPts val="0"/>
+              </a:spcAft>
+              <a:buNone/>
+            </a:pPr>
             <a:endParaRPr/>
           </a:p>
         </p:txBody>
@@ -1319,11 +1371,11 @@
 </file>
 
 <file path=ppt/notesSlides/notesSlide15.xml><?xml version="1.0" encoding="utf-8"?>
-<p:notes xmlns:a="http://schemas.openxmlformats.org/drawingml/2006/main" xmlns:r="http://schemas.openxmlformats.org/officeDocument/2006/relationships" xmlns:mc="http://schemas.openxmlformats.org/markup-compatibility/2006" xmlns:mv="urn:schemas-microsoft-com:mac:vml" xmlns:p="http://schemas.openxmlformats.org/presentationml/2006/main" xmlns:c="http://schemas.openxmlformats.org/drawingml/2006/chart" xmlns:dgm="http://schemas.openxmlformats.org/drawingml/2006/diagram" xmlns:o="urn:schemas-microsoft-com:office:office" xmlns:v="urn:schemas-microsoft-com:vml" xmlns:pvml="urn:schemas-microsoft-com:office:powerpoint" xmlns:com="http://schemas.openxmlformats.org/drawingml/2006/compatibility" xmlns:p14="http://schemas.microsoft.com/office/powerpoint/2010/main" xmlns:p15="http://schemas.microsoft.com/office/powerpoint/2012/main" xmlns:ahyp="http://schemas.microsoft.com/office/drawing/2018/hyperlinkcolor" showMasterPhAnim="0" showMasterSp="0">
+<p:notes xmlns:a="http://schemas.openxmlformats.org/drawingml/2006/main" xmlns:r="http://schemas.openxmlformats.org/officeDocument/2006/relationships" xmlns:p="http://schemas.openxmlformats.org/presentationml/2006/main" showMasterSp="0" showMasterPhAnim="0">
   <p:cSld>
     <p:spTree>
       <p:nvGrpSpPr>
-        <p:cNvPr id="156" name="Shape 156"/>
+        <p:cNvPr id="1" name="Shape 156"/>
         <p:cNvGrpSpPr/>
         <p:nvPr/>
       </p:nvGrpSpPr>
@@ -1338,9 +1390,11 @@
       <p:sp>
         <p:nvSpPr>
           <p:cNvPr id="157" name="Google Shape;157;gb04801aa75_0_179:notes"/>
-          <p:cNvSpPr/>
+          <p:cNvSpPr>
+            <a:spLocks noGrp="1" noRot="1" noChangeAspect="1"/>
+          </p:cNvSpPr>
           <p:nvPr>
-            <p:ph idx="2" type="sldImg"/>
+            <p:ph type="sldImg" idx="2"/>
           </p:nvPr>
         </p:nvSpPr>
         <p:spPr>
@@ -1349,9 +1403,13 @@
             <a:ext cx="6096000" cy="3429000"/>
           </a:xfrm>
           <a:custGeom>
-            <a:rect b="b" l="l" r="r" t="t"/>
+            <a:avLst/>
+            <a:gdLst/>
+            <a:ahLst/>
+            <a:cxnLst/>
+            <a:rect l="l" t="t" r="r" b="b"/>
             <a:pathLst>
-              <a:path extrusionOk="0" h="120000" w="120000">
+              <a:path w="120000" h="120000" extrusionOk="0">
                 <a:moveTo>
                   <a:pt x="0" y="0"/>
                 </a:moveTo>
@@ -1373,9 +1431,11 @@
       <p:sp>
         <p:nvSpPr>
           <p:cNvPr id="158" name="Google Shape;158;gb04801aa75_0_179:notes"/>
-          <p:cNvSpPr txBox="1"/>
+          <p:cNvSpPr txBox="1">
+            <a:spLocks noGrp="1"/>
+          </p:cNvSpPr>
           <p:nvPr>
-            <p:ph idx="1" type="body"/>
+            <p:ph type="body" idx="1"/>
           </p:nvPr>
         </p:nvSpPr>
         <p:spPr>
@@ -1388,23 +1448,20 @@
           </a:prstGeom>
         </p:spPr>
         <p:txBody>
-          <a:bodyPr anchorCtr="0" anchor="t" bIns="91425" lIns="91425" spcFirstLastPara="1" rIns="91425" wrap="square" tIns="91425">
+          <a:bodyPr spcFirstLastPara="1" wrap="square" lIns="91425" tIns="91425" rIns="91425" bIns="91425" anchor="t" anchorCtr="0">
             <a:noAutofit/>
           </a:bodyPr>
           <a:lstStyle/>
           <a:p>
-            <a:pPr indent="0" lvl="0" marL="0" rtl="0" algn="l">
-              <a:spcBef>
-                <a:spcPts val="0"/>
-              </a:spcBef>
-              <a:spcAft>
-                <a:spcPts val="0"/>
-              </a:spcAft>
-              <a:buNone/>
-            </a:pPr>
-            <a:r>
-              <a:t/>
-            </a:r>
+            <a:pPr marL="0" lvl="0" indent="0" algn="l" rtl="0">
+              <a:spcBef>
+                <a:spcPts val="0"/>
+              </a:spcBef>
+              <a:spcAft>
+                <a:spcPts val="0"/>
+              </a:spcAft>
+              <a:buNone/>
+            </a:pPr>
             <a:endParaRPr/>
           </a:p>
         </p:txBody>
@@ -1418,11 +1475,11 @@
 </file>
 
 <file path=ppt/notesSlides/notesSlide16.xml><?xml version="1.0" encoding="utf-8"?>
-<p:notes xmlns:a="http://schemas.openxmlformats.org/drawingml/2006/main" xmlns:r="http://schemas.openxmlformats.org/officeDocument/2006/relationships" xmlns:mc="http://schemas.openxmlformats.org/markup-compatibility/2006" xmlns:mv="urn:schemas-microsoft-com:mac:vml" xmlns:p="http://schemas.openxmlformats.org/presentationml/2006/main" xmlns:c="http://schemas.openxmlformats.org/drawingml/2006/chart" xmlns:dgm="http://schemas.openxmlformats.org/drawingml/2006/diagram" xmlns:o="urn:schemas-microsoft-com:office:office" xmlns:v="urn:schemas-microsoft-com:vml" xmlns:pvml="urn:schemas-microsoft-com:office:powerpoint" xmlns:com="http://schemas.openxmlformats.org/drawingml/2006/compatibility" xmlns:p14="http://schemas.microsoft.com/office/powerpoint/2010/main" xmlns:p15="http://schemas.microsoft.com/office/powerpoint/2012/main" xmlns:ahyp="http://schemas.microsoft.com/office/drawing/2018/hyperlinkcolor" showMasterPhAnim="0" showMasterSp="0">
+<p:notes xmlns:a="http://schemas.openxmlformats.org/drawingml/2006/main" xmlns:r="http://schemas.openxmlformats.org/officeDocument/2006/relationships" xmlns:p="http://schemas.openxmlformats.org/presentationml/2006/main" showMasterSp="0" showMasterPhAnim="0">
   <p:cSld>
     <p:spTree>
       <p:nvGrpSpPr>
-        <p:cNvPr id="161" name="Shape 161"/>
+        <p:cNvPr id="1" name="Shape 161"/>
         <p:cNvGrpSpPr/>
         <p:nvPr/>
       </p:nvGrpSpPr>
@@ -1437,9 +1494,11 @@
       <p:sp>
         <p:nvSpPr>
           <p:cNvPr id="162" name="Google Shape;162;gb04801aa75_0_306:notes"/>
-          <p:cNvSpPr/>
+          <p:cNvSpPr>
+            <a:spLocks noGrp="1" noRot="1" noChangeAspect="1"/>
+          </p:cNvSpPr>
           <p:nvPr>
-            <p:ph idx="2" type="sldImg"/>
+            <p:ph type="sldImg" idx="2"/>
           </p:nvPr>
         </p:nvSpPr>
         <p:spPr>
@@ -1448,9 +1507,13 @@
             <a:ext cx="6096000" cy="3429000"/>
           </a:xfrm>
           <a:custGeom>
-            <a:rect b="b" l="l" r="r" t="t"/>
+            <a:avLst/>
+            <a:gdLst/>
+            <a:ahLst/>
+            <a:cxnLst/>
+            <a:rect l="l" t="t" r="r" b="b"/>
             <a:pathLst>
-              <a:path extrusionOk="0" h="120000" w="120000">
+              <a:path w="120000" h="120000" extrusionOk="0">
                 <a:moveTo>
                   <a:pt x="0" y="0"/>
                 </a:moveTo>
@@ -1472,9 +1535,11 @@
       <p:sp>
         <p:nvSpPr>
           <p:cNvPr id="163" name="Google Shape;163;gb04801aa75_0_306:notes"/>
-          <p:cNvSpPr txBox="1"/>
+          <p:cNvSpPr txBox="1">
+            <a:spLocks noGrp="1"/>
+          </p:cNvSpPr>
           <p:nvPr>
-            <p:ph idx="1" type="body"/>
+            <p:ph type="body" idx="1"/>
           </p:nvPr>
         </p:nvSpPr>
         <p:spPr>
@@ -1487,23 +1552,20 @@
           </a:prstGeom>
         </p:spPr>
         <p:txBody>
-          <a:bodyPr anchorCtr="0" anchor="t" bIns="91425" lIns="91425" spcFirstLastPara="1" rIns="91425" wrap="square" tIns="91425">
+          <a:bodyPr spcFirstLastPara="1" wrap="square" lIns="91425" tIns="91425" rIns="91425" bIns="91425" anchor="t" anchorCtr="0">
             <a:noAutofit/>
           </a:bodyPr>
           <a:lstStyle/>
           <a:p>
-            <a:pPr indent="0" lvl="0" marL="0" rtl="0" algn="l">
-              <a:spcBef>
-                <a:spcPts val="0"/>
-              </a:spcBef>
-              <a:spcAft>
-                <a:spcPts val="0"/>
-              </a:spcAft>
-              <a:buNone/>
-            </a:pPr>
-            <a:r>
-              <a:t/>
-            </a:r>
+            <a:pPr marL="0" lvl="0" indent="0" algn="l" rtl="0">
+              <a:spcBef>
+                <a:spcPts val="0"/>
+              </a:spcBef>
+              <a:spcAft>
+                <a:spcPts val="0"/>
+              </a:spcAft>
+              <a:buNone/>
+            </a:pPr>
             <a:endParaRPr/>
           </a:p>
         </p:txBody>
@@ -1517,11 +1579,11 @@
 </file>
 
 <file path=ppt/notesSlides/notesSlide17.xml><?xml version="1.0" encoding="utf-8"?>
-<p:notes xmlns:a="http://schemas.openxmlformats.org/drawingml/2006/main" xmlns:r="http://schemas.openxmlformats.org/officeDocument/2006/relationships" xmlns:mc="http://schemas.openxmlformats.org/markup-compatibility/2006" xmlns:mv="urn:schemas-microsoft-com:mac:vml" xmlns:p="http://schemas.openxmlformats.org/presentationml/2006/main" xmlns:c="http://schemas.openxmlformats.org/drawingml/2006/chart" xmlns:dgm="http://schemas.openxmlformats.org/drawingml/2006/diagram" xmlns:o="urn:schemas-microsoft-com:office:office" xmlns:v="urn:schemas-microsoft-com:vml" xmlns:pvml="urn:schemas-microsoft-com:office:powerpoint" xmlns:com="http://schemas.openxmlformats.org/drawingml/2006/compatibility" xmlns:p14="http://schemas.microsoft.com/office/powerpoint/2010/main" xmlns:p15="http://schemas.microsoft.com/office/powerpoint/2012/main" xmlns:ahyp="http://schemas.microsoft.com/office/drawing/2018/hyperlinkcolor" showMasterPhAnim="0" showMasterSp="0">
+<p:notes xmlns:a="http://schemas.openxmlformats.org/drawingml/2006/main" xmlns:r="http://schemas.openxmlformats.org/officeDocument/2006/relationships" xmlns:p="http://schemas.openxmlformats.org/presentationml/2006/main" showMasterSp="0" showMasterPhAnim="0">
   <p:cSld>
     <p:spTree>
       <p:nvGrpSpPr>
-        <p:cNvPr id="167" name="Shape 167"/>
+        <p:cNvPr id="1" name="Shape 167"/>
         <p:cNvGrpSpPr/>
         <p:nvPr/>
       </p:nvGrpSpPr>
@@ -1536,9 +1598,11 @@
       <p:sp>
         <p:nvSpPr>
           <p:cNvPr id="168" name="Google Shape;168;gb04801aa75_0_302:notes"/>
-          <p:cNvSpPr/>
+          <p:cNvSpPr>
+            <a:spLocks noGrp="1" noRot="1" noChangeAspect="1"/>
+          </p:cNvSpPr>
           <p:nvPr>
-            <p:ph idx="2" type="sldImg"/>
+            <p:ph type="sldImg" idx="2"/>
           </p:nvPr>
         </p:nvSpPr>
         <p:spPr>
@@ -1547,9 +1611,13 @@
             <a:ext cx="6096000" cy="3429000"/>
           </a:xfrm>
           <a:custGeom>
-            <a:rect b="b" l="l" r="r" t="t"/>
+            <a:avLst/>
+            <a:gdLst/>
+            <a:ahLst/>
+            <a:cxnLst/>
+            <a:rect l="l" t="t" r="r" b="b"/>
             <a:pathLst>
-              <a:path extrusionOk="0" h="120000" w="120000">
+              <a:path w="120000" h="120000" extrusionOk="0">
                 <a:moveTo>
                   <a:pt x="0" y="0"/>
                 </a:moveTo>
@@ -1571,9 +1639,11 @@
       <p:sp>
         <p:nvSpPr>
           <p:cNvPr id="169" name="Google Shape;169;gb04801aa75_0_302:notes"/>
-          <p:cNvSpPr txBox="1"/>
+          <p:cNvSpPr txBox="1">
+            <a:spLocks noGrp="1"/>
+          </p:cNvSpPr>
           <p:nvPr>
-            <p:ph idx="1" type="body"/>
+            <p:ph type="body" idx="1"/>
           </p:nvPr>
         </p:nvSpPr>
         <p:spPr>
@@ -1586,23 +1656,20 @@
           </a:prstGeom>
         </p:spPr>
         <p:txBody>
-          <a:bodyPr anchorCtr="0" anchor="t" bIns="91425" lIns="91425" spcFirstLastPara="1" rIns="91425" wrap="square" tIns="91425">
+          <a:bodyPr spcFirstLastPara="1" wrap="square" lIns="91425" tIns="91425" rIns="91425" bIns="91425" anchor="t" anchorCtr="0">
             <a:noAutofit/>
           </a:bodyPr>
           <a:lstStyle/>
           <a:p>
-            <a:pPr indent="0" lvl="0" marL="0" rtl="0" algn="l">
-              <a:spcBef>
-                <a:spcPts val="0"/>
-              </a:spcBef>
-              <a:spcAft>
-                <a:spcPts val="0"/>
-              </a:spcAft>
-              <a:buNone/>
-            </a:pPr>
-            <a:r>
-              <a:t/>
-            </a:r>
+            <a:pPr marL="0" lvl="0" indent="0" algn="l" rtl="0">
+              <a:spcBef>
+                <a:spcPts val="0"/>
+              </a:spcBef>
+              <a:spcAft>
+                <a:spcPts val="0"/>
+              </a:spcAft>
+              <a:buNone/>
+            </a:pPr>
             <a:endParaRPr/>
           </a:p>
         </p:txBody>
@@ -1616,11 +1683,11 @@
 </file>
 
 <file path=ppt/notesSlides/notesSlide18.xml><?xml version="1.0" encoding="utf-8"?>
-<p:notes xmlns:a="http://schemas.openxmlformats.org/drawingml/2006/main" xmlns:r="http://schemas.openxmlformats.org/officeDocument/2006/relationships" xmlns:mc="http://schemas.openxmlformats.org/markup-compatibility/2006" xmlns:mv="urn:schemas-microsoft-com:mac:vml" xmlns:p="http://schemas.openxmlformats.org/presentationml/2006/main" xmlns:c="http://schemas.openxmlformats.org/drawingml/2006/chart" xmlns:dgm="http://schemas.openxmlformats.org/drawingml/2006/diagram" xmlns:o="urn:schemas-microsoft-com:office:office" xmlns:v="urn:schemas-microsoft-com:vml" xmlns:pvml="urn:schemas-microsoft-com:office:powerpoint" xmlns:com="http://schemas.openxmlformats.org/drawingml/2006/compatibility" xmlns:p14="http://schemas.microsoft.com/office/powerpoint/2010/main" xmlns:p15="http://schemas.microsoft.com/office/powerpoint/2012/main" xmlns:ahyp="http://schemas.microsoft.com/office/drawing/2018/hyperlinkcolor" showMasterPhAnim="0" showMasterSp="0">
+<p:notes xmlns:a="http://schemas.openxmlformats.org/drawingml/2006/main" xmlns:r="http://schemas.openxmlformats.org/officeDocument/2006/relationships" xmlns:p="http://schemas.openxmlformats.org/presentationml/2006/main" showMasterSp="0" showMasterPhAnim="0">
   <p:cSld>
     <p:spTree>
       <p:nvGrpSpPr>
-        <p:cNvPr id="172" name="Shape 172"/>
+        <p:cNvPr id="1" name="Shape 172"/>
         <p:cNvGrpSpPr/>
         <p:nvPr/>
       </p:nvGrpSpPr>
@@ -1635,9 +1702,11 @@
       <p:sp>
         <p:nvSpPr>
           <p:cNvPr id="173" name="Google Shape;173;gb04801aa75_0_704:notes"/>
-          <p:cNvSpPr/>
+          <p:cNvSpPr>
+            <a:spLocks noGrp="1" noRot="1" noChangeAspect="1"/>
+          </p:cNvSpPr>
           <p:nvPr>
-            <p:ph idx="2" type="sldImg"/>
+            <p:ph type="sldImg" idx="2"/>
           </p:nvPr>
         </p:nvSpPr>
         <p:spPr>
@@ -1646,9 +1715,13 @@
             <a:ext cx="6096000" cy="3429000"/>
           </a:xfrm>
           <a:custGeom>
-            <a:rect b="b" l="l" r="r" t="t"/>
+            <a:avLst/>
+            <a:gdLst/>
+            <a:ahLst/>
+            <a:cxnLst/>
+            <a:rect l="l" t="t" r="r" b="b"/>
             <a:pathLst>
-              <a:path extrusionOk="0" h="120000" w="120000">
+              <a:path w="120000" h="120000" extrusionOk="0">
                 <a:moveTo>
                   <a:pt x="0" y="0"/>
                 </a:moveTo>
@@ -1670,9 +1743,11 @@
       <p:sp>
         <p:nvSpPr>
           <p:cNvPr id="174" name="Google Shape;174;gb04801aa75_0_704:notes"/>
-          <p:cNvSpPr txBox="1"/>
+          <p:cNvSpPr txBox="1">
+            <a:spLocks noGrp="1"/>
+          </p:cNvSpPr>
           <p:nvPr>
-            <p:ph idx="1" type="body"/>
+            <p:ph type="body" idx="1"/>
           </p:nvPr>
         </p:nvSpPr>
         <p:spPr>
@@ -1685,23 +1760,20 @@
           </a:prstGeom>
         </p:spPr>
         <p:txBody>
-          <a:bodyPr anchorCtr="0" anchor="t" bIns="91425" lIns="91425" spcFirstLastPara="1" rIns="91425" wrap="square" tIns="91425">
+          <a:bodyPr spcFirstLastPara="1" wrap="square" lIns="91425" tIns="91425" rIns="91425" bIns="91425" anchor="t" anchorCtr="0">
             <a:noAutofit/>
           </a:bodyPr>
           <a:lstStyle/>
           <a:p>
-            <a:pPr indent="0" lvl="0" marL="0" rtl="0" algn="l">
-              <a:spcBef>
-                <a:spcPts val="0"/>
-              </a:spcBef>
-              <a:spcAft>
-                <a:spcPts val="0"/>
-              </a:spcAft>
-              <a:buNone/>
-            </a:pPr>
-            <a:r>
-              <a:t/>
-            </a:r>
+            <a:pPr marL="0" lvl="0" indent="0" algn="l" rtl="0">
+              <a:spcBef>
+                <a:spcPts val="0"/>
+              </a:spcBef>
+              <a:spcAft>
+                <a:spcPts val="0"/>
+              </a:spcAft>
+              <a:buNone/>
+            </a:pPr>
             <a:endParaRPr/>
           </a:p>
         </p:txBody>
@@ -1715,11 +1787,11 @@
 </file>
 
 <file path=ppt/notesSlides/notesSlide2.xml><?xml version="1.0" encoding="utf-8"?>
-<p:notes xmlns:a="http://schemas.openxmlformats.org/drawingml/2006/main" xmlns:r="http://schemas.openxmlformats.org/officeDocument/2006/relationships" xmlns:mc="http://schemas.openxmlformats.org/markup-compatibility/2006" xmlns:mv="urn:schemas-microsoft-com:mac:vml" xmlns:p="http://schemas.openxmlformats.org/presentationml/2006/main" xmlns:c="http://schemas.openxmlformats.org/drawingml/2006/chart" xmlns:dgm="http://schemas.openxmlformats.org/drawingml/2006/diagram" xmlns:o="urn:schemas-microsoft-com:office:office" xmlns:v="urn:schemas-microsoft-com:vml" xmlns:pvml="urn:schemas-microsoft-com:office:powerpoint" xmlns:com="http://schemas.openxmlformats.org/drawingml/2006/compatibility" xmlns:p14="http://schemas.microsoft.com/office/powerpoint/2010/main" xmlns:p15="http://schemas.microsoft.com/office/powerpoint/2012/main" xmlns:ahyp="http://schemas.microsoft.com/office/drawing/2018/hyperlinkcolor" showMasterPhAnim="0" showMasterSp="0">
+<p:notes xmlns:a="http://schemas.openxmlformats.org/drawingml/2006/main" xmlns:r="http://schemas.openxmlformats.org/officeDocument/2006/relationships" xmlns:p="http://schemas.openxmlformats.org/presentationml/2006/main" showMasterSp="0" showMasterPhAnim="0">
   <p:cSld>
     <p:spTree>
       <p:nvGrpSpPr>
-        <p:cNvPr id="64" name="Shape 64"/>
+        <p:cNvPr id="1" name="Shape 64"/>
         <p:cNvGrpSpPr/>
         <p:nvPr/>
       </p:nvGrpSpPr>
@@ -1734,9 +1806,11 @@
       <p:sp>
         <p:nvSpPr>
           <p:cNvPr id="65" name="Google Shape;65;gb04801aa75_0_59:notes"/>
-          <p:cNvSpPr/>
+          <p:cNvSpPr>
+            <a:spLocks noGrp="1" noRot="1" noChangeAspect="1"/>
+          </p:cNvSpPr>
           <p:nvPr>
-            <p:ph idx="2" type="sldImg"/>
+            <p:ph type="sldImg" idx="2"/>
           </p:nvPr>
         </p:nvSpPr>
         <p:spPr>
@@ -1745,9 +1819,13 @@
             <a:ext cx="6096000" cy="3429000"/>
           </a:xfrm>
           <a:custGeom>
-            <a:rect b="b" l="l" r="r" t="t"/>
+            <a:avLst/>
+            <a:gdLst/>
+            <a:ahLst/>
+            <a:cxnLst/>
+            <a:rect l="l" t="t" r="r" b="b"/>
             <a:pathLst>
-              <a:path extrusionOk="0" h="120000" w="120000">
+              <a:path w="120000" h="120000" extrusionOk="0">
                 <a:moveTo>
                   <a:pt x="0" y="0"/>
                 </a:moveTo>
@@ -1769,9 +1847,11 @@
       <p:sp>
         <p:nvSpPr>
           <p:cNvPr id="66" name="Google Shape;66;gb04801aa75_0_59:notes"/>
-          <p:cNvSpPr txBox="1"/>
+          <p:cNvSpPr txBox="1">
+            <a:spLocks noGrp="1"/>
+          </p:cNvSpPr>
           <p:nvPr>
-            <p:ph idx="1" type="body"/>
+            <p:ph type="body" idx="1"/>
           </p:nvPr>
         </p:nvSpPr>
         <p:spPr>
@@ -1784,23 +1864,20 @@
           </a:prstGeom>
         </p:spPr>
         <p:txBody>
-          <a:bodyPr anchorCtr="0" anchor="t" bIns="91425" lIns="91425" spcFirstLastPara="1" rIns="91425" wrap="square" tIns="91425">
+          <a:bodyPr spcFirstLastPara="1" wrap="square" lIns="91425" tIns="91425" rIns="91425" bIns="91425" anchor="t" anchorCtr="0">
             <a:noAutofit/>
           </a:bodyPr>
           <a:lstStyle/>
           <a:p>
-            <a:pPr indent="0" lvl="0" marL="0" rtl="0" algn="l">
-              <a:spcBef>
-                <a:spcPts val="0"/>
-              </a:spcBef>
-              <a:spcAft>
-                <a:spcPts val="0"/>
-              </a:spcAft>
-              <a:buNone/>
-            </a:pPr>
-            <a:r>
-              <a:t/>
-            </a:r>
+            <a:pPr marL="0" lvl="0" indent="0" algn="l" rtl="0">
+              <a:spcBef>
+                <a:spcPts val="0"/>
+              </a:spcBef>
+              <a:spcAft>
+                <a:spcPts val="0"/>
+              </a:spcAft>
+              <a:buNone/>
+            </a:pPr>
             <a:endParaRPr/>
           </a:p>
         </p:txBody>
@@ -1814,11 +1891,11 @@
 </file>
 
 <file path=ppt/notesSlides/notesSlide3.xml><?xml version="1.0" encoding="utf-8"?>
-<p:notes xmlns:a="http://schemas.openxmlformats.org/drawingml/2006/main" xmlns:r="http://schemas.openxmlformats.org/officeDocument/2006/relationships" xmlns:mc="http://schemas.openxmlformats.org/markup-compatibility/2006" xmlns:mv="urn:schemas-microsoft-com:mac:vml" xmlns:p="http://schemas.openxmlformats.org/presentationml/2006/main" xmlns:c="http://schemas.openxmlformats.org/drawingml/2006/chart" xmlns:dgm="http://schemas.openxmlformats.org/drawingml/2006/diagram" xmlns:o="urn:schemas-microsoft-com:office:office" xmlns:v="urn:schemas-microsoft-com:vml" xmlns:pvml="urn:schemas-microsoft-com:office:powerpoint" xmlns:com="http://schemas.openxmlformats.org/drawingml/2006/compatibility" xmlns:p14="http://schemas.microsoft.com/office/powerpoint/2010/main" xmlns:p15="http://schemas.microsoft.com/office/powerpoint/2012/main" xmlns:ahyp="http://schemas.microsoft.com/office/drawing/2018/hyperlinkcolor" showMasterPhAnim="0" showMasterSp="0">
+<p:notes xmlns:a="http://schemas.openxmlformats.org/drawingml/2006/main" xmlns:r="http://schemas.openxmlformats.org/officeDocument/2006/relationships" xmlns:p="http://schemas.openxmlformats.org/presentationml/2006/main" showMasterSp="0" showMasterPhAnim="0">
   <p:cSld>
     <p:spTree>
       <p:nvGrpSpPr>
-        <p:cNvPr id="70" name="Shape 70"/>
+        <p:cNvPr id="1" name="Shape 70"/>
         <p:cNvGrpSpPr/>
         <p:nvPr/>
       </p:nvGrpSpPr>
@@ -1833,20 +1910,26 @@
       <p:sp>
         <p:nvSpPr>
           <p:cNvPr id="71" name="Google Shape;71;gb04801aa75_0_54:notes"/>
-          <p:cNvSpPr/>
+          <p:cNvSpPr>
+            <a:spLocks noGrp="1" noRot="1" noChangeAspect="1"/>
+          </p:cNvSpPr>
           <p:nvPr>
-            <p:ph idx="2" type="sldImg"/>
+            <p:ph type="sldImg" idx="2"/>
           </p:nvPr>
         </p:nvSpPr>
         <p:spPr>
           <a:xfrm>
-            <a:off x="381300" y="685800"/>
+            <a:off x="381000" y="685800"/>
             <a:ext cx="6096000" cy="3429000"/>
           </a:xfrm>
           <a:custGeom>
-            <a:rect b="b" l="l" r="r" t="t"/>
+            <a:avLst/>
+            <a:gdLst/>
+            <a:ahLst/>
+            <a:cxnLst/>
+            <a:rect l="l" t="t" r="r" b="b"/>
             <a:pathLst>
-              <a:path extrusionOk="0" h="120000" w="120000">
+              <a:path w="120000" h="120000" extrusionOk="0">
                 <a:moveTo>
                   <a:pt x="0" y="0"/>
                 </a:moveTo>
@@ -1868,9 +1951,11 @@
       <p:sp>
         <p:nvSpPr>
           <p:cNvPr id="72" name="Google Shape;72;gb04801aa75_0_54:notes"/>
-          <p:cNvSpPr txBox="1"/>
+          <p:cNvSpPr txBox="1">
+            <a:spLocks noGrp="1"/>
+          </p:cNvSpPr>
           <p:nvPr>
-            <p:ph idx="1" type="body"/>
+            <p:ph type="body" idx="1"/>
           </p:nvPr>
         </p:nvSpPr>
         <p:spPr>
@@ -1883,23 +1968,20 @@
           </a:prstGeom>
         </p:spPr>
         <p:txBody>
-          <a:bodyPr anchorCtr="0" anchor="t" bIns="91425" lIns="91425" spcFirstLastPara="1" rIns="91425" wrap="square" tIns="91425">
+          <a:bodyPr spcFirstLastPara="1" wrap="square" lIns="91425" tIns="91425" rIns="91425" bIns="91425" anchor="t" anchorCtr="0">
             <a:noAutofit/>
           </a:bodyPr>
           <a:lstStyle/>
           <a:p>
-            <a:pPr indent="0" lvl="0" marL="0" rtl="0" algn="l">
-              <a:spcBef>
-                <a:spcPts val="0"/>
-              </a:spcBef>
-              <a:spcAft>
-                <a:spcPts val="0"/>
-              </a:spcAft>
-              <a:buNone/>
-            </a:pPr>
-            <a:r>
-              <a:t/>
-            </a:r>
+            <a:pPr marL="0" lvl="0" indent="0" algn="l" rtl="0">
+              <a:spcBef>
+                <a:spcPts val="0"/>
+              </a:spcBef>
+              <a:spcAft>
+                <a:spcPts val="0"/>
+              </a:spcAft>
+              <a:buNone/>
+            </a:pPr>
             <a:endParaRPr/>
           </a:p>
         </p:txBody>
@@ -1913,11 +1995,11 @@
 </file>
 
 <file path=ppt/notesSlides/notesSlide4.xml><?xml version="1.0" encoding="utf-8"?>
-<p:notes xmlns:a="http://schemas.openxmlformats.org/drawingml/2006/main" xmlns:r="http://schemas.openxmlformats.org/officeDocument/2006/relationships" xmlns:mc="http://schemas.openxmlformats.org/markup-compatibility/2006" xmlns:mv="urn:schemas-microsoft-com:mac:vml" xmlns:p="http://schemas.openxmlformats.org/presentationml/2006/main" xmlns:c="http://schemas.openxmlformats.org/drawingml/2006/chart" xmlns:dgm="http://schemas.openxmlformats.org/drawingml/2006/diagram" xmlns:o="urn:schemas-microsoft-com:office:office" xmlns:v="urn:schemas-microsoft-com:vml" xmlns:pvml="urn:schemas-microsoft-com:office:powerpoint" xmlns:com="http://schemas.openxmlformats.org/drawingml/2006/compatibility" xmlns:p14="http://schemas.microsoft.com/office/powerpoint/2010/main" xmlns:p15="http://schemas.microsoft.com/office/powerpoint/2012/main" xmlns:ahyp="http://schemas.microsoft.com/office/drawing/2018/hyperlinkcolor" showMasterPhAnim="0" showMasterSp="0">
+<p:notes xmlns:a="http://schemas.openxmlformats.org/drawingml/2006/main" xmlns:r="http://schemas.openxmlformats.org/officeDocument/2006/relationships" xmlns:p="http://schemas.openxmlformats.org/presentationml/2006/main" showMasterSp="0" showMasterPhAnim="0">
   <p:cSld>
     <p:spTree>
       <p:nvGrpSpPr>
-        <p:cNvPr id="76" name="Shape 76"/>
+        <p:cNvPr id="1" name="Shape 76"/>
         <p:cNvGrpSpPr/>
         <p:nvPr/>
       </p:nvGrpSpPr>
@@ -1932,9 +2014,11 @@
       <p:sp>
         <p:nvSpPr>
           <p:cNvPr id="77" name="Google Shape;77;gb04801aa75_0_119:notes"/>
-          <p:cNvSpPr/>
+          <p:cNvSpPr>
+            <a:spLocks noGrp="1" noRot="1" noChangeAspect="1"/>
+          </p:cNvSpPr>
           <p:nvPr>
-            <p:ph idx="2" type="sldImg"/>
+            <p:ph type="sldImg" idx="2"/>
           </p:nvPr>
         </p:nvSpPr>
         <p:spPr>
@@ -1943,9 +2027,13 @@
             <a:ext cx="6096000" cy="3429000"/>
           </a:xfrm>
           <a:custGeom>
-            <a:rect b="b" l="l" r="r" t="t"/>
+            <a:avLst/>
+            <a:gdLst/>
+            <a:ahLst/>
+            <a:cxnLst/>
+            <a:rect l="l" t="t" r="r" b="b"/>
             <a:pathLst>
-              <a:path extrusionOk="0" h="120000" w="120000">
+              <a:path w="120000" h="120000" extrusionOk="0">
                 <a:moveTo>
                   <a:pt x="0" y="0"/>
                 </a:moveTo>
@@ -1967,9 +2055,11 @@
       <p:sp>
         <p:nvSpPr>
           <p:cNvPr id="78" name="Google Shape;78;gb04801aa75_0_119:notes"/>
-          <p:cNvSpPr txBox="1"/>
+          <p:cNvSpPr txBox="1">
+            <a:spLocks noGrp="1"/>
+          </p:cNvSpPr>
           <p:nvPr>
-            <p:ph idx="1" type="body"/>
+            <p:ph type="body" idx="1"/>
           </p:nvPr>
         </p:nvSpPr>
         <p:spPr>
@@ -1982,23 +2072,20 @@
           </a:prstGeom>
         </p:spPr>
         <p:txBody>
-          <a:bodyPr anchorCtr="0" anchor="t" bIns="91425" lIns="91425" spcFirstLastPara="1" rIns="91425" wrap="square" tIns="91425">
+          <a:bodyPr spcFirstLastPara="1" wrap="square" lIns="91425" tIns="91425" rIns="91425" bIns="91425" anchor="t" anchorCtr="0">
             <a:noAutofit/>
           </a:bodyPr>
           <a:lstStyle/>
           <a:p>
-            <a:pPr indent="0" lvl="0" marL="0" rtl="0" algn="l">
-              <a:spcBef>
-                <a:spcPts val="0"/>
-              </a:spcBef>
-              <a:spcAft>
-                <a:spcPts val="0"/>
-              </a:spcAft>
-              <a:buNone/>
-            </a:pPr>
-            <a:r>
-              <a:t/>
-            </a:r>
+            <a:pPr marL="0" lvl="0" indent="0" algn="l" rtl="0">
+              <a:spcBef>
+                <a:spcPts val="0"/>
+              </a:spcBef>
+              <a:spcAft>
+                <a:spcPts val="0"/>
+              </a:spcAft>
+              <a:buNone/>
+            </a:pPr>
             <a:endParaRPr/>
           </a:p>
         </p:txBody>
@@ -2012,11 +2099,11 @@
 </file>
 
 <file path=ppt/notesSlides/notesSlide5.xml><?xml version="1.0" encoding="utf-8"?>
-<p:notes xmlns:a="http://schemas.openxmlformats.org/drawingml/2006/main" xmlns:r="http://schemas.openxmlformats.org/officeDocument/2006/relationships" xmlns:mc="http://schemas.openxmlformats.org/markup-compatibility/2006" xmlns:mv="urn:schemas-microsoft-com:mac:vml" xmlns:p="http://schemas.openxmlformats.org/presentationml/2006/main" xmlns:c="http://schemas.openxmlformats.org/drawingml/2006/chart" xmlns:dgm="http://schemas.openxmlformats.org/drawingml/2006/diagram" xmlns:o="urn:schemas-microsoft-com:office:office" xmlns:v="urn:schemas-microsoft-com:vml" xmlns:pvml="urn:schemas-microsoft-com:office:powerpoint" xmlns:com="http://schemas.openxmlformats.org/drawingml/2006/compatibility" xmlns:p14="http://schemas.microsoft.com/office/powerpoint/2010/main" xmlns:p15="http://schemas.microsoft.com/office/powerpoint/2012/main" xmlns:ahyp="http://schemas.microsoft.com/office/drawing/2018/hyperlinkcolor" showMasterPhAnim="0" showMasterSp="0">
+<p:notes xmlns:a="http://schemas.openxmlformats.org/drawingml/2006/main" xmlns:r="http://schemas.openxmlformats.org/officeDocument/2006/relationships" xmlns:p="http://schemas.openxmlformats.org/presentationml/2006/main" showMasterSp="0" showMasterPhAnim="0">
   <p:cSld>
     <p:spTree>
       <p:nvGrpSpPr>
-        <p:cNvPr id="84" name="Shape 84"/>
+        <p:cNvPr id="1" name="Shape 84"/>
         <p:cNvGrpSpPr/>
         <p:nvPr/>
       </p:nvGrpSpPr>
@@ -2031,9 +2118,11 @@
       <p:sp>
         <p:nvSpPr>
           <p:cNvPr id="85" name="Google Shape;85;gb04801aa75_0_185:notes"/>
-          <p:cNvSpPr/>
+          <p:cNvSpPr>
+            <a:spLocks noGrp="1" noRot="1" noChangeAspect="1"/>
+          </p:cNvSpPr>
           <p:nvPr>
-            <p:ph idx="2" type="sldImg"/>
+            <p:ph type="sldImg" idx="2"/>
           </p:nvPr>
         </p:nvSpPr>
         <p:spPr>
@@ -2042,9 +2131,13 @@
             <a:ext cx="6096000" cy="3429000"/>
           </a:xfrm>
           <a:custGeom>
-            <a:rect b="b" l="l" r="r" t="t"/>
+            <a:avLst/>
+            <a:gdLst/>
+            <a:ahLst/>
+            <a:cxnLst/>
+            <a:rect l="l" t="t" r="r" b="b"/>
             <a:pathLst>
-              <a:path extrusionOk="0" h="120000" w="120000">
+              <a:path w="120000" h="120000" extrusionOk="0">
                 <a:moveTo>
                   <a:pt x="0" y="0"/>
                 </a:moveTo>
@@ -2066,9 +2159,11 @@
       <p:sp>
         <p:nvSpPr>
           <p:cNvPr id="86" name="Google Shape;86;gb04801aa75_0_185:notes"/>
-          <p:cNvSpPr txBox="1"/>
+          <p:cNvSpPr txBox="1">
+            <a:spLocks noGrp="1"/>
+          </p:cNvSpPr>
           <p:nvPr>
-            <p:ph idx="1" type="body"/>
+            <p:ph type="body" idx="1"/>
           </p:nvPr>
         </p:nvSpPr>
         <p:spPr>
@@ -2081,23 +2176,20 @@
           </a:prstGeom>
         </p:spPr>
         <p:txBody>
-          <a:bodyPr anchorCtr="0" anchor="t" bIns="91425" lIns="91425" spcFirstLastPara="1" rIns="91425" wrap="square" tIns="91425">
+          <a:bodyPr spcFirstLastPara="1" wrap="square" lIns="91425" tIns="91425" rIns="91425" bIns="91425" anchor="t" anchorCtr="0">
             <a:noAutofit/>
           </a:bodyPr>
           <a:lstStyle/>
           <a:p>
-            <a:pPr indent="0" lvl="0" marL="0" rtl="0" algn="l">
-              <a:spcBef>
-                <a:spcPts val="0"/>
-              </a:spcBef>
-              <a:spcAft>
-                <a:spcPts val="0"/>
-              </a:spcAft>
-              <a:buNone/>
-            </a:pPr>
-            <a:r>
-              <a:t/>
-            </a:r>
+            <a:pPr marL="0" lvl="0" indent="0" algn="l" rtl="0">
+              <a:spcBef>
+                <a:spcPts val="0"/>
+              </a:spcBef>
+              <a:spcAft>
+                <a:spcPts val="0"/>
+              </a:spcAft>
+              <a:buNone/>
+            </a:pPr>
             <a:endParaRPr/>
           </a:p>
         </p:txBody>
@@ -2111,11 +2203,11 @@
 </file>
 
 <file path=ppt/notesSlides/notesSlide6.xml><?xml version="1.0" encoding="utf-8"?>
-<p:notes xmlns:a="http://schemas.openxmlformats.org/drawingml/2006/main" xmlns:r="http://schemas.openxmlformats.org/officeDocument/2006/relationships" xmlns:mc="http://schemas.openxmlformats.org/markup-compatibility/2006" xmlns:mv="urn:schemas-microsoft-com:mac:vml" xmlns:p="http://schemas.openxmlformats.org/presentationml/2006/main" xmlns:c="http://schemas.openxmlformats.org/drawingml/2006/chart" xmlns:dgm="http://schemas.openxmlformats.org/drawingml/2006/diagram" xmlns:o="urn:schemas-microsoft-com:office:office" xmlns:v="urn:schemas-microsoft-com:vml" xmlns:pvml="urn:schemas-microsoft-com:office:powerpoint" xmlns:com="http://schemas.openxmlformats.org/drawingml/2006/compatibility" xmlns:p14="http://schemas.microsoft.com/office/powerpoint/2010/main" xmlns:p15="http://schemas.microsoft.com/office/powerpoint/2012/main" xmlns:ahyp="http://schemas.microsoft.com/office/drawing/2018/hyperlinkcolor" showMasterPhAnim="0" showMasterSp="0">
+<p:notes xmlns:a="http://schemas.openxmlformats.org/drawingml/2006/main" xmlns:r="http://schemas.openxmlformats.org/officeDocument/2006/relationships" xmlns:p="http://schemas.openxmlformats.org/presentationml/2006/main" showMasterSp="0" showMasterPhAnim="0">
   <p:cSld>
     <p:spTree>
       <p:nvGrpSpPr>
-        <p:cNvPr id="91" name="Shape 91"/>
+        <p:cNvPr id="1" name="Shape 91"/>
         <p:cNvGrpSpPr/>
         <p:nvPr/>
       </p:nvGrpSpPr>
@@ -2130,9 +2222,11 @@
       <p:sp>
         <p:nvSpPr>
           <p:cNvPr id="92" name="Google Shape;92;gb04801aa75_0_693:notes"/>
-          <p:cNvSpPr/>
+          <p:cNvSpPr>
+            <a:spLocks noGrp="1" noRot="1" noChangeAspect="1"/>
+          </p:cNvSpPr>
           <p:nvPr>
-            <p:ph idx="2" type="sldImg"/>
+            <p:ph type="sldImg" idx="2"/>
           </p:nvPr>
         </p:nvSpPr>
         <p:spPr>
@@ -2141,9 +2235,13 @@
             <a:ext cx="6096000" cy="3429000"/>
           </a:xfrm>
           <a:custGeom>
-            <a:rect b="b" l="l" r="r" t="t"/>
+            <a:avLst/>
+            <a:gdLst/>
+            <a:ahLst/>
+            <a:cxnLst/>
+            <a:rect l="l" t="t" r="r" b="b"/>
             <a:pathLst>
-              <a:path extrusionOk="0" h="120000" w="120000">
+              <a:path w="120000" h="120000" extrusionOk="0">
                 <a:moveTo>
                   <a:pt x="0" y="0"/>
                 </a:moveTo>
@@ -2165,9 +2263,11 @@
       <p:sp>
         <p:nvSpPr>
           <p:cNvPr id="93" name="Google Shape;93;gb04801aa75_0_693:notes"/>
-          <p:cNvSpPr txBox="1"/>
+          <p:cNvSpPr txBox="1">
+            <a:spLocks noGrp="1"/>
+          </p:cNvSpPr>
           <p:nvPr>
-            <p:ph idx="1" type="body"/>
+            <p:ph type="body" idx="1"/>
           </p:nvPr>
         </p:nvSpPr>
         <p:spPr>
@@ -2180,23 +2280,20 @@
           </a:prstGeom>
         </p:spPr>
         <p:txBody>
-          <a:bodyPr anchorCtr="0" anchor="t" bIns="91425" lIns="91425" spcFirstLastPara="1" rIns="91425" wrap="square" tIns="91425">
+          <a:bodyPr spcFirstLastPara="1" wrap="square" lIns="91425" tIns="91425" rIns="91425" bIns="91425" anchor="t" anchorCtr="0">
             <a:noAutofit/>
           </a:bodyPr>
           <a:lstStyle/>
           <a:p>
-            <a:pPr indent="0" lvl="0" marL="0" rtl="0" algn="l">
-              <a:spcBef>
-                <a:spcPts val="0"/>
-              </a:spcBef>
-              <a:spcAft>
-                <a:spcPts val="0"/>
-              </a:spcAft>
-              <a:buNone/>
-            </a:pPr>
-            <a:r>
-              <a:t/>
-            </a:r>
+            <a:pPr marL="0" lvl="0" indent="0" algn="l" rtl="0">
+              <a:spcBef>
+                <a:spcPts val="0"/>
+              </a:spcBef>
+              <a:spcAft>
+                <a:spcPts val="0"/>
+              </a:spcAft>
+              <a:buNone/>
+            </a:pPr>
             <a:endParaRPr/>
           </a:p>
         </p:txBody>
@@ -2210,11 +2307,11 @@
 </file>
 
 <file path=ppt/notesSlides/notesSlide7.xml><?xml version="1.0" encoding="utf-8"?>
-<p:notes xmlns:a="http://schemas.openxmlformats.org/drawingml/2006/main" xmlns:r="http://schemas.openxmlformats.org/officeDocument/2006/relationships" xmlns:mc="http://schemas.openxmlformats.org/markup-compatibility/2006" xmlns:mv="urn:schemas-microsoft-com:mac:vml" xmlns:p="http://schemas.openxmlformats.org/presentationml/2006/main" xmlns:c="http://schemas.openxmlformats.org/drawingml/2006/chart" xmlns:dgm="http://schemas.openxmlformats.org/drawingml/2006/diagram" xmlns:o="urn:schemas-microsoft-com:office:office" xmlns:v="urn:schemas-microsoft-com:vml" xmlns:pvml="urn:schemas-microsoft-com:office:powerpoint" xmlns:com="http://schemas.openxmlformats.org/drawingml/2006/compatibility" xmlns:p14="http://schemas.microsoft.com/office/powerpoint/2010/main" xmlns:p15="http://schemas.microsoft.com/office/powerpoint/2012/main" xmlns:ahyp="http://schemas.microsoft.com/office/drawing/2018/hyperlinkcolor" showMasterPhAnim="0" showMasterSp="0">
+<p:notes xmlns:a="http://schemas.openxmlformats.org/drawingml/2006/main" xmlns:r="http://schemas.openxmlformats.org/officeDocument/2006/relationships" xmlns:p="http://schemas.openxmlformats.org/presentationml/2006/main" showMasterSp="0" showMasterPhAnim="0">
   <p:cSld>
     <p:spTree>
       <p:nvGrpSpPr>
-        <p:cNvPr id="97" name="Shape 97"/>
+        <p:cNvPr id="1" name="Shape 97"/>
         <p:cNvGrpSpPr/>
         <p:nvPr/>
       </p:nvGrpSpPr>
@@ -2229,9 +2326,11 @@
       <p:sp>
         <p:nvSpPr>
           <p:cNvPr id="98" name="Google Shape;98;gb04801aa75_0_244:notes"/>
-          <p:cNvSpPr/>
+          <p:cNvSpPr>
+            <a:spLocks noGrp="1" noRot="1" noChangeAspect="1"/>
+          </p:cNvSpPr>
           <p:nvPr>
-            <p:ph idx="2" type="sldImg"/>
+            <p:ph type="sldImg" idx="2"/>
           </p:nvPr>
         </p:nvSpPr>
         <p:spPr>
@@ -2240,9 +2339,13 @@
             <a:ext cx="6096000" cy="3429000"/>
           </a:xfrm>
           <a:custGeom>
-            <a:rect b="b" l="l" r="r" t="t"/>
+            <a:avLst/>
+            <a:gdLst/>
+            <a:ahLst/>
+            <a:cxnLst/>
+            <a:rect l="l" t="t" r="r" b="b"/>
             <a:pathLst>
-              <a:path extrusionOk="0" h="120000" w="120000">
+              <a:path w="120000" h="120000" extrusionOk="0">
                 <a:moveTo>
                   <a:pt x="0" y="0"/>
                 </a:moveTo>
@@ -2264,9 +2367,11 @@
       <p:sp>
         <p:nvSpPr>
           <p:cNvPr id="99" name="Google Shape;99;gb04801aa75_0_244:notes"/>
-          <p:cNvSpPr txBox="1"/>
+          <p:cNvSpPr txBox="1">
+            <a:spLocks noGrp="1"/>
+          </p:cNvSpPr>
           <p:nvPr>
-            <p:ph idx="1" type="body"/>
+            <p:ph type="body" idx="1"/>
           </p:nvPr>
         </p:nvSpPr>
         <p:spPr>
@@ -2279,23 +2384,20 @@
           </a:prstGeom>
         </p:spPr>
         <p:txBody>
-          <a:bodyPr anchorCtr="0" anchor="t" bIns="91425" lIns="91425" spcFirstLastPara="1" rIns="91425" wrap="square" tIns="91425">
+          <a:bodyPr spcFirstLastPara="1" wrap="square" lIns="91425" tIns="91425" rIns="91425" bIns="91425" anchor="t" anchorCtr="0">
             <a:noAutofit/>
           </a:bodyPr>
           <a:lstStyle/>
           <a:p>
-            <a:pPr indent="0" lvl="0" marL="0" rtl="0" algn="l">
-              <a:spcBef>
-                <a:spcPts val="0"/>
-              </a:spcBef>
-              <a:spcAft>
-                <a:spcPts val="0"/>
-              </a:spcAft>
-              <a:buNone/>
-            </a:pPr>
-            <a:r>
-              <a:t/>
-            </a:r>
+            <a:pPr marL="0" lvl="0" indent="0" algn="l" rtl="0">
+              <a:spcBef>
+                <a:spcPts val="0"/>
+              </a:spcBef>
+              <a:spcAft>
+                <a:spcPts val="0"/>
+              </a:spcAft>
+              <a:buNone/>
+            </a:pPr>
             <a:endParaRPr/>
           </a:p>
         </p:txBody>
@@ -2309,11 +2411,11 @@
 </file>
 
 <file path=ppt/notesSlides/notesSlide8.xml><?xml version="1.0" encoding="utf-8"?>
-<p:notes xmlns:a="http://schemas.openxmlformats.org/drawingml/2006/main" xmlns:r="http://schemas.openxmlformats.org/officeDocument/2006/relationships" xmlns:mc="http://schemas.openxmlformats.org/markup-compatibility/2006" xmlns:mv="urn:schemas-microsoft-com:mac:vml" xmlns:p="http://schemas.openxmlformats.org/presentationml/2006/main" xmlns:c="http://schemas.openxmlformats.org/drawingml/2006/chart" xmlns:dgm="http://schemas.openxmlformats.org/drawingml/2006/diagram" xmlns:o="urn:schemas-microsoft-com:office:office" xmlns:v="urn:schemas-microsoft-com:vml" xmlns:pvml="urn:schemas-microsoft-com:office:powerpoint" xmlns:com="http://schemas.openxmlformats.org/drawingml/2006/compatibility" xmlns:p14="http://schemas.microsoft.com/office/powerpoint/2010/main" xmlns:p15="http://schemas.microsoft.com/office/powerpoint/2012/main" xmlns:ahyp="http://schemas.microsoft.com/office/drawing/2018/hyperlinkcolor" showMasterPhAnim="0" showMasterSp="0">
+<p:notes xmlns:a="http://schemas.openxmlformats.org/drawingml/2006/main" xmlns:r="http://schemas.openxmlformats.org/officeDocument/2006/relationships" xmlns:p="http://schemas.openxmlformats.org/presentationml/2006/main" showMasterSp="0" showMasterPhAnim="0">
   <p:cSld>
     <p:spTree>
       <p:nvGrpSpPr>
-        <p:cNvPr id="103" name="Shape 103"/>
+        <p:cNvPr id="1" name="Shape 103"/>
         <p:cNvGrpSpPr/>
         <p:nvPr/>
       </p:nvGrpSpPr>
@@ -2328,9 +2430,11 @@
       <p:sp>
         <p:nvSpPr>
           <p:cNvPr id="104" name="Google Shape;104;gb04801aa75_0_633:notes"/>
-          <p:cNvSpPr/>
+          <p:cNvSpPr>
+            <a:spLocks noGrp="1" noRot="1" noChangeAspect="1"/>
+          </p:cNvSpPr>
           <p:nvPr>
-            <p:ph idx="2" type="sldImg"/>
+            <p:ph type="sldImg" idx="2"/>
           </p:nvPr>
         </p:nvSpPr>
         <p:spPr>
@@ -2339,9 +2443,13 @@
             <a:ext cx="6096000" cy="3429000"/>
           </a:xfrm>
           <a:custGeom>
-            <a:rect b="b" l="l" r="r" t="t"/>
+            <a:avLst/>
+            <a:gdLst/>
+            <a:ahLst/>
+            <a:cxnLst/>
+            <a:rect l="l" t="t" r="r" b="b"/>
             <a:pathLst>
-              <a:path extrusionOk="0" h="120000" w="120000">
+              <a:path w="120000" h="120000" extrusionOk="0">
                 <a:moveTo>
                   <a:pt x="0" y="0"/>
                 </a:moveTo>
@@ -2363,9 +2471,11 @@
       <p:sp>
         <p:nvSpPr>
           <p:cNvPr id="105" name="Google Shape;105;gb04801aa75_0_633:notes"/>
-          <p:cNvSpPr txBox="1"/>
+          <p:cNvSpPr txBox="1">
+            <a:spLocks noGrp="1"/>
+          </p:cNvSpPr>
           <p:nvPr>
-            <p:ph idx="1" type="body"/>
+            <p:ph type="body" idx="1"/>
           </p:nvPr>
         </p:nvSpPr>
         <p:spPr>
@@ -2378,23 +2488,20 @@
           </a:prstGeom>
         </p:spPr>
         <p:txBody>
-          <a:bodyPr anchorCtr="0" anchor="t" bIns="91425" lIns="91425" spcFirstLastPara="1" rIns="91425" wrap="square" tIns="91425">
+          <a:bodyPr spcFirstLastPara="1" wrap="square" lIns="91425" tIns="91425" rIns="91425" bIns="91425" anchor="t" anchorCtr="0">
             <a:noAutofit/>
           </a:bodyPr>
           <a:lstStyle/>
           <a:p>
-            <a:pPr indent="0" lvl="0" marL="0" rtl="0" algn="l">
-              <a:spcBef>
-                <a:spcPts val="0"/>
-              </a:spcBef>
-              <a:spcAft>
-                <a:spcPts val="0"/>
-              </a:spcAft>
-              <a:buNone/>
-            </a:pPr>
-            <a:r>
-              <a:t/>
-            </a:r>
+            <a:pPr marL="0" lvl="0" indent="0" algn="l" rtl="0">
+              <a:spcBef>
+                <a:spcPts val="0"/>
+              </a:spcBef>
+              <a:spcAft>
+                <a:spcPts val="0"/>
+              </a:spcAft>
+              <a:buNone/>
+            </a:pPr>
             <a:endParaRPr/>
           </a:p>
         </p:txBody>
@@ -2408,11 +2515,11 @@
 </file>
 
 <file path=ppt/notesSlides/notesSlide9.xml><?xml version="1.0" encoding="utf-8"?>
-<p:notes xmlns:a="http://schemas.openxmlformats.org/drawingml/2006/main" xmlns:r="http://schemas.openxmlformats.org/officeDocument/2006/relationships" xmlns:mc="http://schemas.openxmlformats.org/markup-compatibility/2006" xmlns:mv="urn:schemas-microsoft-com:mac:vml" xmlns:p="http://schemas.openxmlformats.org/presentationml/2006/main" xmlns:c="http://schemas.openxmlformats.org/drawingml/2006/chart" xmlns:dgm="http://schemas.openxmlformats.org/drawingml/2006/diagram" xmlns:o="urn:schemas-microsoft-com:office:office" xmlns:v="urn:schemas-microsoft-com:vml" xmlns:pvml="urn:schemas-microsoft-com:office:powerpoint" xmlns:com="http://schemas.openxmlformats.org/drawingml/2006/compatibility" xmlns:p14="http://schemas.microsoft.com/office/powerpoint/2010/main" xmlns:p15="http://schemas.microsoft.com/office/powerpoint/2012/main" xmlns:ahyp="http://schemas.microsoft.com/office/drawing/2018/hyperlinkcolor" showMasterPhAnim="0" showMasterSp="0">
+<p:notes xmlns:a="http://schemas.openxmlformats.org/drawingml/2006/main" xmlns:r="http://schemas.openxmlformats.org/officeDocument/2006/relationships" xmlns:p="http://schemas.openxmlformats.org/presentationml/2006/main" showMasterSp="0" showMasterPhAnim="0">
   <p:cSld>
     <p:spTree>
       <p:nvGrpSpPr>
-        <p:cNvPr id="111" name="Shape 111"/>
+        <p:cNvPr id="1" name="Shape 111"/>
         <p:cNvGrpSpPr/>
         <p:nvPr/>
       </p:nvGrpSpPr>
@@ -2427,9 +2534,11 @@
       <p:sp>
         <p:nvSpPr>
           <p:cNvPr id="112" name="Google Shape;112;gb04801aa75_0_375:notes"/>
-          <p:cNvSpPr/>
+          <p:cNvSpPr>
+            <a:spLocks noGrp="1" noRot="1" noChangeAspect="1"/>
+          </p:cNvSpPr>
           <p:nvPr>
-            <p:ph idx="2" type="sldImg"/>
+            <p:ph type="sldImg" idx="2"/>
           </p:nvPr>
         </p:nvSpPr>
         <p:spPr>
@@ -2438,9 +2547,13 @@
             <a:ext cx="6096000" cy="3429000"/>
           </a:xfrm>
           <a:custGeom>
-            <a:rect b="b" l="l" r="r" t="t"/>
+            <a:avLst/>
+            <a:gdLst/>
+            <a:ahLst/>
+            <a:cxnLst/>
+            <a:rect l="l" t="t" r="r" b="b"/>
             <a:pathLst>
-              <a:path extrusionOk="0" h="120000" w="120000">
+              <a:path w="120000" h="120000" extrusionOk="0">
                 <a:moveTo>
                   <a:pt x="0" y="0"/>
                 </a:moveTo>
@@ -2462,9 +2575,11 @@
       <p:sp>
         <p:nvSpPr>
           <p:cNvPr id="113" name="Google Shape;113;gb04801aa75_0_375:notes"/>
-          <p:cNvSpPr txBox="1"/>
+          <p:cNvSpPr txBox="1">
+            <a:spLocks noGrp="1"/>
+          </p:cNvSpPr>
           <p:nvPr>
-            <p:ph idx="1" type="body"/>
+            <p:ph type="body" idx="1"/>
           </p:nvPr>
         </p:nvSpPr>
         <p:spPr>
@@ -2477,23 +2592,20 @@
           </a:prstGeom>
         </p:spPr>
         <p:txBody>
-          <a:bodyPr anchorCtr="0" anchor="t" bIns="91425" lIns="91425" spcFirstLastPara="1" rIns="91425" wrap="square" tIns="91425">
+          <a:bodyPr spcFirstLastPara="1" wrap="square" lIns="91425" tIns="91425" rIns="91425" bIns="91425" anchor="t" anchorCtr="0">
             <a:noAutofit/>
           </a:bodyPr>
           <a:lstStyle/>
           <a:p>
-            <a:pPr indent="0" lvl="0" marL="0" rtl="0" algn="l">
-              <a:spcBef>
-                <a:spcPts val="0"/>
-              </a:spcBef>
-              <a:spcAft>
-                <a:spcPts val="0"/>
-              </a:spcAft>
-              <a:buNone/>
-            </a:pPr>
-            <a:r>
-              <a:t/>
-            </a:r>
+            <a:pPr marL="0" lvl="0" indent="0" algn="l" rtl="0">
+              <a:spcBef>
+                <a:spcPts val="0"/>
+              </a:spcBef>
+              <a:spcAft>
+                <a:spcPts val="0"/>
+              </a:spcAft>
+              <a:buNone/>
+            </a:pPr>
             <a:endParaRPr/>
           </a:p>
         </p:txBody>
@@ -2507,11 +2619,11 @@
 </file>
 
 <file path=ppt/slideLayouts/slideLayout1.xml><?xml version="1.0" encoding="utf-8"?>
-<p:sldLayout xmlns:a="http://schemas.openxmlformats.org/drawingml/2006/main" xmlns:r="http://schemas.openxmlformats.org/officeDocument/2006/relationships" xmlns:mc="http://schemas.openxmlformats.org/markup-compatibility/2006" xmlns:mv="urn:schemas-microsoft-com:mac:vml" xmlns:p="http://schemas.openxmlformats.org/presentationml/2006/main" xmlns:c="http://schemas.openxmlformats.org/drawingml/2006/chart" xmlns:dgm="http://schemas.openxmlformats.org/drawingml/2006/diagram" xmlns:o="urn:schemas-microsoft-com:office:office" xmlns:v="urn:schemas-microsoft-com:vml" xmlns:pvml="urn:schemas-microsoft-com:office:powerpoint" xmlns:com="http://schemas.openxmlformats.org/drawingml/2006/compatibility" xmlns:p14="http://schemas.microsoft.com/office/powerpoint/2010/main" xmlns:p15="http://schemas.microsoft.com/office/powerpoint/2012/main" xmlns:ahyp="http://schemas.microsoft.com/office/drawing/2018/hyperlinkcolor" matchingName="Title slide" type="title">
+<p:sldLayout xmlns:a="http://schemas.openxmlformats.org/drawingml/2006/main" xmlns:r="http://schemas.openxmlformats.org/officeDocument/2006/relationships" xmlns:p="http://schemas.openxmlformats.org/presentationml/2006/main" matchingName="Title slide" type="title">
   <p:cSld name="TITLE">
     <p:spTree>
       <p:nvGrpSpPr>
-        <p:cNvPr id="9" name="Shape 9"/>
+        <p:cNvPr id="1" name="Shape 9"/>
         <p:cNvGrpSpPr/>
         <p:nvPr/>
       </p:nvGrpSpPr>
@@ -2536,7 +2648,7 @@
           </a:xfrm>
           <a:prstGeom prst="triangle">
             <a:avLst>
-              <a:gd fmla="val 50000" name="adj"/>
+              <a:gd name="adj" fmla="val 50000"/>
             </a:avLst>
           </a:prstGeom>
           <a:solidFill>
@@ -2547,23 +2659,20 @@
           </a:ln>
         </p:spPr>
         <p:txBody>
-          <a:bodyPr anchorCtr="0" anchor="ctr" bIns="91425" lIns="91425" spcFirstLastPara="1" rIns="91425" wrap="square" tIns="91425">
+          <a:bodyPr spcFirstLastPara="1" wrap="square" lIns="91425" tIns="91425" rIns="91425" bIns="91425" anchor="ctr" anchorCtr="0">
             <a:noAutofit/>
           </a:bodyPr>
           <a:lstStyle/>
           <a:p>
-            <a:pPr indent="0" lvl="0" marL="0" rtl="0" algn="l">
-              <a:spcBef>
-                <a:spcPts val="0"/>
-              </a:spcBef>
-              <a:spcAft>
-                <a:spcPts val="0"/>
-              </a:spcAft>
-              <a:buNone/>
-            </a:pPr>
-            <a:r>
-              <a:t/>
-            </a:r>
+            <a:pPr marL="0" lvl="0" indent="0" algn="l" rtl="0">
+              <a:spcBef>
+                <a:spcPts val="0"/>
+              </a:spcBef>
+              <a:spcAft>
+                <a:spcPts val="0"/>
+              </a:spcAft>
+              <a:buNone/>
+            </a:pPr>
             <a:endParaRPr/>
           </a:p>
         </p:txBody>
@@ -2590,23 +2699,20 @@
           </a:ln>
         </p:spPr>
         <p:txBody>
-          <a:bodyPr anchorCtr="0" anchor="ctr" bIns="91425" lIns="91425" spcFirstLastPara="1" rIns="91425" wrap="square" tIns="91425">
+          <a:bodyPr spcFirstLastPara="1" wrap="square" lIns="91425" tIns="91425" rIns="91425" bIns="91425" anchor="ctr" anchorCtr="0">
             <a:noAutofit/>
           </a:bodyPr>
           <a:lstStyle/>
           <a:p>
-            <a:pPr indent="0" lvl="0" marL="0" rtl="0" algn="l">
-              <a:spcBef>
-                <a:spcPts val="0"/>
-              </a:spcBef>
-              <a:spcAft>
-                <a:spcPts val="0"/>
-              </a:spcAft>
-              <a:buNone/>
-            </a:pPr>
-            <a:r>
-              <a:t/>
-            </a:r>
+            <a:pPr marL="0" lvl="0" indent="0" algn="l" rtl="0">
+              <a:spcBef>
+                <a:spcPts val="0"/>
+              </a:spcBef>
+              <a:spcAft>
+                <a:spcPts val="0"/>
+              </a:spcAft>
+              <a:buNone/>
+            </a:pPr>
             <a:endParaRPr/>
           </a:p>
         </p:txBody>
@@ -2614,7 +2720,9 @@
       <p:sp>
         <p:nvSpPr>
           <p:cNvPr id="12" name="Google Shape;12;p2"/>
-          <p:cNvSpPr txBox="1"/>
+          <p:cNvSpPr txBox="1">
+            <a:spLocks noGrp="1"/>
+          </p:cNvSpPr>
           <p:nvPr>
             <p:ph type="ctrTitle"/>
           </p:nvPr>
@@ -2629,7 +2737,7 @@
           </a:prstGeom>
         </p:spPr>
         <p:txBody>
-          <a:bodyPr anchorCtr="0" anchor="b" bIns="91425" lIns="91425" spcFirstLastPara="1" rIns="91425" wrap="square" tIns="91425">
+          <a:bodyPr spcFirstLastPara="1" wrap="square" lIns="91425" tIns="91425" rIns="91425" bIns="91425" anchor="b" anchorCtr="0">
             <a:noAutofit/>
           </a:bodyPr>
           <a:lstStyle>
@@ -2796,15 +2904,19 @@
               </a:defRPr>
             </a:lvl9pPr>
           </a:lstStyle>
-          <a:p/>
+          <a:p>
+            <a:endParaRPr/>
+          </a:p>
         </p:txBody>
       </p:sp>
       <p:sp>
         <p:nvSpPr>
           <p:cNvPr id="13" name="Google Shape;13;p2"/>
-          <p:cNvSpPr txBox="1"/>
+          <p:cNvSpPr txBox="1">
+            <a:spLocks noGrp="1"/>
+          </p:cNvSpPr>
           <p:nvPr>
-            <p:ph idx="1" type="subTitle"/>
+            <p:ph type="subTitle" idx="1"/>
           </p:nvPr>
         </p:nvSpPr>
         <p:spPr>
@@ -2817,7 +2929,7 @@
           </a:prstGeom>
         </p:spPr>
         <p:txBody>
-          <a:bodyPr anchorCtr="0" anchor="ctr" bIns="91425" lIns="91425" spcFirstLastPara="1" rIns="91425" wrap="square" tIns="91425">
+          <a:bodyPr spcFirstLastPara="1" wrap="square" lIns="91425" tIns="91425" rIns="91425" bIns="91425" anchor="ctr" anchorCtr="0">
             <a:noAutofit/>
           </a:bodyPr>
           <a:lstStyle>
@@ -3002,15 +3114,19 @@
               </a:defRPr>
             </a:lvl9pPr>
           </a:lstStyle>
-          <a:p/>
+          <a:p>
+            <a:endParaRPr/>
+          </a:p>
         </p:txBody>
       </p:sp>
       <p:sp>
         <p:nvSpPr>
           <p:cNvPr id="14" name="Google Shape;14;p2"/>
-          <p:cNvSpPr txBox="1"/>
+          <p:cNvSpPr txBox="1">
+            <a:spLocks noGrp="1"/>
+          </p:cNvSpPr>
           <p:nvPr>
-            <p:ph idx="12" type="sldNum"/>
+            <p:ph type="sldNum" idx="12"/>
           </p:nvPr>
         </p:nvSpPr>
         <p:spPr>
@@ -3023,7 +3139,7 @@
           </a:prstGeom>
         </p:spPr>
         <p:txBody>
-          <a:bodyPr anchorCtr="0" anchor="ctr" bIns="91425" lIns="91425" spcFirstLastPara="1" rIns="91425" wrap="square" tIns="91425">
+          <a:bodyPr spcFirstLastPara="1" wrap="square" lIns="91425" tIns="91425" rIns="91425" bIns="91425" anchor="ctr" anchorCtr="0">
             <a:noAutofit/>
           </a:bodyPr>
           <a:lstStyle>
@@ -3065,7 +3181,7 @@
             </a:lvl9pPr>
           </a:lstStyle>
           <a:p>
-            <a:pPr indent="0" lvl="0" marL="0" rtl="0" algn="r">
+            <a:pPr marL="0" lvl="0" indent="0" algn="r" rtl="0">
               <a:spcBef>
                 <a:spcPts val="0"/>
               </a:spcBef>
@@ -3091,11 +3207,11 @@
 </file>
 
 <file path=ppt/slideLayouts/slideLayout10.xml><?xml version="1.0" encoding="utf-8"?>
-<p:sldLayout xmlns:a="http://schemas.openxmlformats.org/drawingml/2006/main" xmlns:r="http://schemas.openxmlformats.org/officeDocument/2006/relationships" xmlns:mc="http://schemas.openxmlformats.org/markup-compatibility/2006" xmlns:mv="urn:schemas-microsoft-com:mac:vml" xmlns:p="http://schemas.openxmlformats.org/presentationml/2006/main" xmlns:c="http://schemas.openxmlformats.org/drawingml/2006/chart" xmlns:dgm="http://schemas.openxmlformats.org/drawingml/2006/diagram" xmlns:o="urn:schemas-microsoft-com:office:office" xmlns:v="urn:schemas-microsoft-com:vml" xmlns:pvml="urn:schemas-microsoft-com:office:powerpoint" xmlns:com="http://schemas.openxmlformats.org/drawingml/2006/compatibility" xmlns:p14="http://schemas.microsoft.com/office/powerpoint/2010/main" xmlns:p15="http://schemas.microsoft.com/office/powerpoint/2012/main" xmlns:ahyp="http://schemas.microsoft.com/office/drawing/2018/hyperlinkcolor" matchingName="Big number">
+<p:sldLayout xmlns:a="http://schemas.openxmlformats.org/drawingml/2006/main" xmlns:r="http://schemas.openxmlformats.org/officeDocument/2006/relationships" xmlns:p="http://schemas.openxmlformats.org/presentationml/2006/main" matchingName="Big number">
   <p:cSld name="BIG_NUMBER">
     <p:spTree>
       <p:nvGrpSpPr>
-        <p:cNvPr id="51" name="Shape 51"/>
+        <p:cNvPr id="1" name="Shape 51"/>
         <p:cNvGrpSpPr/>
         <p:nvPr/>
       </p:nvGrpSpPr>
@@ -3122,23 +3238,25 @@
             <a:avLst/>
           </a:prstGeom>
           <a:noFill/>
-          <a:ln cap="flat" cmpd="sng" w="28575">
+          <a:ln w="28575" cap="flat" cmpd="sng">
             <a:solidFill>
               <a:schemeClr val="dk1"/>
             </a:solidFill>
             <a:prstDash val="lgDash"/>
             <a:round/>
-            <a:headEnd len="sm" w="sm" type="none"/>
-            <a:tailEnd len="sm" w="sm" type="none"/>
+            <a:headEnd type="none" w="sm" len="sm"/>
+            <a:tailEnd type="none" w="sm" len="sm"/>
           </a:ln>
         </p:spPr>
       </p:cxnSp>
       <p:sp>
         <p:nvSpPr>
           <p:cNvPr id="53" name="Google Shape;53;p11"/>
-          <p:cNvSpPr txBox="1"/>
+          <p:cNvSpPr txBox="1">
+            <a:spLocks noGrp="1"/>
+          </p:cNvSpPr>
           <p:nvPr>
-            <p:ph hasCustomPrompt="1" type="title"/>
+            <p:ph type="title" hasCustomPrompt="1"/>
           </p:nvPr>
         </p:nvSpPr>
         <p:spPr>
@@ -3151,7 +3269,7 @@
           </a:prstGeom>
         </p:spPr>
         <p:txBody>
-          <a:bodyPr anchorCtr="0" anchor="b" bIns="91425" lIns="91425" spcFirstLastPara="1" rIns="91425" wrap="square" tIns="91425">
+          <a:bodyPr spcFirstLastPara="1" wrap="square" lIns="91425" tIns="91425" rIns="91425" bIns="91425" anchor="b" anchorCtr="0">
             <a:noAutofit/>
           </a:bodyPr>
           <a:lstStyle>
@@ -3265,9 +3383,11 @@
       <p:sp>
         <p:nvSpPr>
           <p:cNvPr id="54" name="Google Shape;54;p11"/>
-          <p:cNvSpPr txBox="1"/>
+          <p:cNvSpPr txBox="1">
+            <a:spLocks noGrp="1"/>
+          </p:cNvSpPr>
           <p:nvPr>
-            <p:ph idx="1" type="body"/>
+            <p:ph type="body" idx="1"/>
           </p:nvPr>
         </p:nvSpPr>
         <p:spPr>
@@ -3280,11 +3400,11 @@
           </a:prstGeom>
         </p:spPr>
         <p:txBody>
-          <a:bodyPr anchorCtr="0" anchor="t" bIns="91425" lIns="91425" spcFirstLastPara="1" rIns="91425" wrap="square" tIns="91425">
+          <a:bodyPr spcFirstLastPara="1" wrap="square" lIns="91425" tIns="91425" rIns="91425" bIns="91425" anchor="t" anchorCtr="0">
             <a:noAutofit/>
           </a:bodyPr>
           <a:lstStyle>
-            <a:lvl1pPr indent="-342900" lvl="0" marL="457200">
+            <a:lvl1pPr marL="457200" lvl="0" indent="-342900">
               <a:spcBef>
                 <a:spcPts val="0"/>
               </a:spcBef>
@@ -3295,7 +3415,7 @@
               <a:buChar char="●"/>
               <a:defRPr/>
             </a:lvl1pPr>
-            <a:lvl2pPr indent="-317500" lvl="1" marL="914400">
+            <a:lvl2pPr marL="914400" lvl="1" indent="-317500">
               <a:spcBef>
                 <a:spcPts val="1600"/>
               </a:spcBef>
@@ -3306,7 +3426,7 @@
               <a:buChar char="○"/>
               <a:defRPr/>
             </a:lvl2pPr>
-            <a:lvl3pPr indent="-317500" lvl="2" marL="1371600">
+            <a:lvl3pPr marL="1371600" lvl="2" indent="-317500">
               <a:spcBef>
                 <a:spcPts val="1600"/>
               </a:spcBef>
@@ -3317,7 +3437,7 @@
               <a:buChar char="■"/>
               <a:defRPr/>
             </a:lvl3pPr>
-            <a:lvl4pPr indent="-317500" lvl="3" marL="1828800">
+            <a:lvl4pPr marL="1828800" lvl="3" indent="-317500">
               <a:spcBef>
                 <a:spcPts val="1600"/>
               </a:spcBef>
@@ -3328,7 +3448,7 @@
               <a:buChar char="●"/>
               <a:defRPr/>
             </a:lvl4pPr>
-            <a:lvl5pPr indent="-317500" lvl="4" marL="2286000">
+            <a:lvl5pPr marL="2286000" lvl="4" indent="-317500">
               <a:spcBef>
                 <a:spcPts val="1600"/>
               </a:spcBef>
@@ -3339,7 +3459,7 @@
               <a:buChar char="○"/>
               <a:defRPr/>
             </a:lvl5pPr>
-            <a:lvl6pPr indent="-317500" lvl="5" marL="2743200">
+            <a:lvl6pPr marL="2743200" lvl="5" indent="-317500">
               <a:spcBef>
                 <a:spcPts val="1600"/>
               </a:spcBef>
@@ -3350,7 +3470,7 @@
               <a:buChar char="■"/>
               <a:defRPr/>
             </a:lvl6pPr>
-            <a:lvl7pPr indent="-317500" lvl="6" marL="3200400">
+            <a:lvl7pPr marL="3200400" lvl="6" indent="-317500">
               <a:spcBef>
                 <a:spcPts val="1600"/>
               </a:spcBef>
@@ -3361,7 +3481,7 @@
               <a:buChar char="●"/>
               <a:defRPr/>
             </a:lvl7pPr>
-            <a:lvl8pPr indent="-317500" lvl="7" marL="3657600">
+            <a:lvl8pPr marL="3657600" lvl="7" indent="-317500">
               <a:spcBef>
                 <a:spcPts val="1600"/>
               </a:spcBef>
@@ -3372,7 +3492,7 @@
               <a:buChar char="○"/>
               <a:defRPr/>
             </a:lvl8pPr>
-            <a:lvl9pPr indent="-317500" lvl="8" marL="4114800">
+            <a:lvl9pPr marL="4114800" lvl="8" indent="-317500">
               <a:spcBef>
                 <a:spcPts val="1600"/>
               </a:spcBef>
@@ -3384,15 +3504,19 @@
               <a:defRPr/>
             </a:lvl9pPr>
           </a:lstStyle>
-          <a:p/>
+          <a:p>
+            <a:endParaRPr/>
+          </a:p>
         </p:txBody>
       </p:sp>
       <p:sp>
         <p:nvSpPr>
           <p:cNvPr id="55" name="Google Shape;55;p11"/>
-          <p:cNvSpPr txBox="1"/>
+          <p:cNvSpPr txBox="1">
+            <a:spLocks noGrp="1"/>
+          </p:cNvSpPr>
           <p:nvPr>
-            <p:ph idx="12" type="sldNum"/>
+            <p:ph type="sldNum" idx="12"/>
           </p:nvPr>
         </p:nvSpPr>
         <p:spPr>
@@ -3405,7 +3529,7 @@
           </a:prstGeom>
         </p:spPr>
         <p:txBody>
-          <a:bodyPr anchorCtr="0" anchor="ctr" bIns="91425" lIns="91425" spcFirstLastPara="1" rIns="91425" wrap="square" tIns="91425">
+          <a:bodyPr spcFirstLastPara="1" wrap="square" lIns="91425" tIns="91425" rIns="91425" bIns="91425" anchor="ctr" anchorCtr="0">
             <a:noAutofit/>
           </a:bodyPr>
           <a:lstStyle>
@@ -3447,7 +3571,7 @@
             </a:lvl9pPr>
           </a:lstStyle>
           <a:p>
-            <a:pPr indent="0" lvl="0" marL="0" rtl="0" algn="r">
+            <a:pPr marL="0" lvl="0" indent="0" algn="r" rtl="0">
               <a:spcBef>
                 <a:spcPts val="0"/>
               </a:spcBef>
@@ -3473,11 +3597,11 @@
 </file>
 
 <file path=ppt/slideLayouts/slideLayout11.xml><?xml version="1.0" encoding="utf-8"?>
-<p:sldLayout xmlns:a="http://schemas.openxmlformats.org/drawingml/2006/main" xmlns:r="http://schemas.openxmlformats.org/officeDocument/2006/relationships" xmlns:mc="http://schemas.openxmlformats.org/markup-compatibility/2006" xmlns:mv="urn:schemas-microsoft-com:mac:vml" xmlns:p="http://schemas.openxmlformats.org/presentationml/2006/main" xmlns:c="http://schemas.openxmlformats.org/drawingml/2006/chart" xmlns:dgm="http://schemas.openxmlformats.org/drawingml/2006/diagram" xmlns:o="urn:schemas-microsoft-com:office:office" xmlns:v="urn:schemas-microsoft-com:vml" xmlns:pvml="urn:schemas-microsoft-com:office:powerpoint" xmlns:com="http://schemas.openxmlformats.org/drawingml/2006/compatibility" xmlns:p14="http://schemas.microsoft.com/office/powerpoint/2010/main" xmlns:p15="http://schemas.microsoft.com/office/powerpoint/2012/main" xmlns:ahyp="http://schemas.microsoft.com/office/drawing/2018/hyperlinkcolor" matchingName="Blank" type="blank">
+<p:sldLayout xmlns:a="http://schemas.openxmlformats.org/drawingml/2006/main" xmlns:r="http://schemas.openxmlformats.org/officeDocument/2006/relationships" xmlns:p="http://schemas.openxmlformats.org/presentationml/2006/main" matchingName="Blank" type="blank">
   <p:cSld name="BLANK">
     <p:spTree>
       <p:nvGrpSpPr>
-        <p:cNvPr id="56" name="Shape 56"/>
+        <p:cNvPr id="1" name="Shape 56"/>
         <p:cNvGrpSpPr/>
         <p:nvPr/>
       </p:nvGrpSpPr>
@@ -3492,9 +3616,11 @@
       <p:sp>
         <p:nvSpPr>
           <p:cNvPr id="57" name="Google Shape;57;p12"/>
-          <p:cNvSpPr txBox="1"/>
+          <p:cNvSpPr txBox="1">
+            <a:spLocks noGrp="1"/>
+          </p:cNvSpPr>
           <p:nvPr>
-            <p:ph idx="12" type="sldNum"/>
+            <p:ph type="sldNum" idx="12"/>
           </p:nvPr>
         </p:nvSpPr>
         <p:spPr>
@@ -3507,7 +3633,7 @@
           </a:prstGeom>
         </p:spPr>
         <p:txBody>
-          <a:bodyPr anchorCtr="0" anchor="ctr" bIns="91425" lIns="91425" spcFirstLastPara="1" rIns="91425" wrap="square" tIns="91425">
+          <a:bodyPr spcFirstLastPara="1" wrap="square" lIns="91425" tIns="91425" rIns="91425" bIns="91425" anchor="ctr" anchorCtr="0">
             <a:noAutofit/>
           </a:bodyPr>
           <a:lstStyle>
@@ -3549,7 +3675,7 @@
             </a:lvl9pPr>
           </a:lstStyle>
           <a:p>
-            <a:pPr indent="0" lvl="0" marL="0" rtl="0" algn="r">
+            <a:pPr marL="0" lvl="0" indent="0" algn="r" rtl="0">
               <a:spcBef>
                 <a:spcPts val="0"/>
               </a:spcBef>
@@ -3575,11 +3701,11 @@
 </file>
 
 <file path=ppt/slideLayouts/slideLayout2.xml><?xml version="1.0" encoding="utf-8"?>
-<p:sldLayout xmlns:a="http://schemas.openxmlformats.org/drawingml/2006/main" xmlns:r="http://schemas.openxmlformats.org/officeDocument/2006/relationships" xmlns:mc="http://schemas.openxmlformats.org/markup-compatibility/2006" xmlns:mv="urn:schemas-microsoft-com:mac:vml" xmlns:p="http://schemas.openxmlformats.org/presentationml/2006/main" xmlns:c="http://schemas.openxmlformats.org/drawingml/2006/chart" xmlns:dgm="http://schemas.openxmlformats.org/drawingml/2006/diagram" xmlns:o="urn:schemas-microsoft-com:office:office" xmlns:v="urn:schemas-microsoft-com:vml" xmlns:pvml="urn:schemas-microsoft-com:office:powerpoint" xmlns:com="http://schemas.openxmlformats.org/drawingml/2006/compatibility" xmlns:p14="http://schemas.microsoft.com/office/powerpoint/2010/main" xmlns:p15="http://schemas.microsoft.com/office/powerpoint/2012/main" xmlns:ahyp="http://schemas.microsoft.com/office/drawing/2018/hyperlinkcolor" matchingName="Section header" type="secHead">
+<p:sldLayout xmlns:a="http://schemas.openxmlformats.org/drawingml/2006/main" xmlns:r="http://schemas.openxmlformats.org/officeDocument/2006/relationships" xmlns:p="http://schemas.openxmlformats.org/presentationml/2006/main" matchingName="Section header" type="secHead">
   <p:cSld name="SECTION_HEADER">
     <p:spTree>
       <p:nvGrpSpPr>
-        <p:cNvPr id="15" name="Shape 15"/>
+        <p:cNvPr id="1" name="Shape 15"/>
         <p:cNvGrpSpPr/>
         <p:nvPr/>
       </p:nvGrpSpPr>
@@ -3613,23 +3739,20 @@
           </a:ln>
         </p:spPr>
         <p:txBody>
-          <a:bodyPr anchorCtr="0" anchor="ctr" bIns="91425" lIns="91425" spcFirstLastPara="1" rIns="91425" wrap="square" tIns="91425">
+          <a:bodyPr spcFirstLastPara="1" wrap="square" lIns="91425" tIns="91425" rIns="91425" bIns="91425" anchor="ctr" anchorCtr="0">
             <a:noAutofit/>
           </a:bodyPr>
           <a:lstStyle/>
           <a:p>
-            <a:pPr indent="0" lvl="0" marL="0" rtl="0" algn="l">
-              <a:spcBef>
-                <a:spcPts val="0"/>
-              </a:spcBef>
-              <a:spcAft>
-                <a:spcPts val="0"/>
-              </a:spcAft>
-              <a:buNone/>
-            </a:pPr>
-            <a:r>
-              <a:t/>
-            </a:r>
+            <a:pPr marL="0" lvl="0" indent="0" algn="l" rtl="0">
+              <a:spcBef>
+                <a:spcPts val="0"/>
+              </a:spcBef>
+              <a:spcAft>
+                <a:spcPts val="0"/>
+              </a:spcAft>
+              <a:buNone/>
+            </a:pPr>
             <a:endParaRPr/>
           </a:p>
         </p:txBody>
@@ -3637,7 +3760,9 @@
       <p:sp>
         <p:nvSpPr>
           <p:cNvPr id="17" name="Google Shape;17;p3"/>
-          <p:cNvSpPr txBox="1"/>
+          <p:cNvSpPr txBox="1">
+            <a:spLocks noGrp="1"/>
+          </p:cNvSpPr>
           <p:nvPr>
             <p:ph type="title"/>
           </p:nvPr>
@@ -3652,7 +3777,7 @@
           </a:prstGeom>
         </p:spPr>
         <p:txBody>
-          <a:bodyPr anchorCtr="0" anchor="ctr" bIns="91425" lIns="91425" spcFirstLastPara="1" rIns="91425" wrap="square" tIns="91425">
+          <a:bodyPr spcFirstLastPara="1" wrap="square" lIns="91425" tIns="91425" rIns="91425" bIns="91425" anchor="ctr" anchorCtr="0">
             <a:noAutofit/>
           </a:bodyPr>
           <a:lstStyle>
@@ -3819,15 +3944,19 @@
               </a:defRPr>
             </a:lvl9pPr>
           </a:lstStyle>
-          <a:p/>
+          <a:p>
+            <a:endParaRPr/>
+          </a:p>
         </p:txBody>
       </p:sp>
       <p:sp>
         <p:nvSpPr>
           <p:cNvPr id="18" name="Google Shape;18;p3"/>
-          <p:cNvSpPr txBox="1"/>
+          <p:cNvSpPr txBox="1">
+            <a:spLocks noGrp="1"/>
+          </p:cNvSpPr>
           <p:nvPr>
-            <p:ph idx="12" type="sldNum"/>
+            <p:ph type="sldNum" idx="12"/>
           </p:nvPr>
         </p:nvSpPr>
         <p:spPr>
@@ -3840,7 +3969,7 @@
           </a:prstGeom>
         </p:spPr>
         <p:txBody>
-          <a:bodyPr anchorCtr="0" anchor="ctr" bIns="91425" lIns="91425" spcFirstLastPara="1" rIns="91425" wrap="square" tIns="91425">
+          <a:bodyPr spcFirstLastPara="1" wrap="square" lIns="91425" tIns="91425" rIns="91425" bIns="91425" anchor="ctr" anchorCtr="0">
             <a:noAutofit/>
           </a:bodyPr>
           <a:lstStyle>
@@ -3882,7 +4011,7 @@
             </a:lvl9pPr>
           </a:lstStyle>
           <a:p>
-            <a:pPr indent="0" lvl="0" marL="0" rtl="0" algn="r">
+            <a:pPr marL="0" lvl="0" indent="0" algn="r" rtl="0">
               <a:spcBef>
                 <a:spcPts val="0"/>
               </a:spcBef>
@@ -3908,11 +4037,11 @@
 </file>
 
 <file path=ppt/slideLayouts/slideLayout3.xml><?xml version="1.0" encoding="utf-8"?>
-<p:sldLayout xmlns:a="http://schemas.openxmlformats.org/drawingml/2006/main" xmlns:r="http://schemas.openxmlformats.org/officeDocument/2006/relationships" xmlns:mc="http://schemas.openxmlformats.org/markup-compatibility/2006" xmlns:mv="urn:schemas-microsoft-com:mac:vml" xmlns:p="http://schemas.openxmlformats.org/presentationml/2006/main" xmlns:c="http://schemas.openxmlformats.org/drawingml/2006/chart" xmlns:dgm="http://schemas.openxmlformats.org/drawingml/2006/diagram" xmlns:o="urn:schemas-microsoft-com:office:office" xmlns:v="urn:schemas-microsoft-com:vml" xmlns:pvml="urn:schemas-microsoft-com:office:powerpoint" xmlns:com="http://schemas.openxmlformats.org/drawingml/2006/compatibility" xmlns:p14="http://schemas.microsoft.com/office/powerpoint/2010/main" xmlns:p15="http://schemas.microsoft.com/office/powerpoint/2012/main" xmlns:ahyp="http://schemas.microsoft.com/office/drawing/2018/hyperlinkcolor" matchingName="Title and body" type="tx">
+<p:sldLayout xmlns:a="http://schemas.openxmlformats.org/drawingml/2006/main" xmlns:r="http://schemas.openxmlformats.org/officeDocument/2006/relationships" xmlns:p="http://schemas.openxmlformats.org/presentationml/2006/main" matchingName="Title and body" type="tx">
   <p:cSld name="TITLE_AND_BODY">
     <p:spTree>
       <p:nvGrpSpPr>
-        <p:cNvPr id="19" name="Shape 19"/>
+        <p:cNvPr id="1" name="Shape 19"/>
         <p:cNvGrpSpPr/>
         <p:nvPr/>
       </p:nvGrpSpPr>
@@ -3939,21 +4068,23 @@
             <a:avLst/>
           </a:prstGeom>
           <a:noFill/>
-          <a:ln cap="flat" cmpd="sng" w="19050">
+          <a:ln w="19050" cap="flat" cmpd="sng">
             <a:solidFill>
               <a:schemeClr val="dk2"/>
             </a:solidFill>
             <a:prstDash val="lgDash"/>
             <a:round/>
-            <a:headEnd len="sm" w="sm" type="none"/>
-            <a:tailEnd len="sm" w="sm" type="none"/>
+            <a:headEnd type="none" w="sm" len="sm"/>
+            <a:tailEnd type="none" w="sm" len="sm"/>
           </a:ln>
         </p:spPr>
       </p:cxnSp>
       <p:sp>
         <p:nvSpPr>
           <p:cNvPr id="21" name="Google Shape;21;p4"/>
-          <p:cNvSpPr txBox="1"/>
+          <p:cNvSpPr txBox="1">
+            <a:spLocks noGrp="1"/>
+          </p:cNvSpPr>
           <p:nvPr>
             <p:ph type="title"/>
           </p:nvPr>
@@ -3968,7 +4099,7 @@
           </a:prstGeom>
         </p:spPr>
         <p:txBody>
-          <a:bodyPr anchorCtr="0" anchor="b" bIns="91425" lIns="91425" spcFirstLastPara="1" rIns="91425" wrap="square" tIns="91425">
+          <a:bodyPr spcFirstLastPara="1" wrap="square" lIns="91425" tIns="91425" rIns="91425" bIns="91425" anchor="b" anchorCtr="0">
             <a:noAutofit/>
           </a:bodyPr>
           <a:lstStyle>
@@ -4072,15 +4203,19 @@
               <a:defRPr/>
             </a:lvl9pPr>
           </a:lstStyle>
-          <a:p/>
+          <a:p>
+            <a:endParaRPr/>
+          </a:p>
         </p:txBody>
       </p:sp>
       <p:sp>
         <p:nvSpPr>
           <p:cNvPr id="22" name="Google Shape;22;p4"/>
-          <p:cNvSpPr txBox="1"/>
+          <p:cNvSpPr txBox="1">
+            <a:spLocks noGrp="1"/>
+          </p:cNvSpPr>
           <p:nvPr>
-            <p:ph idx="1" type="body"/>
+            <p:ph type="body" idx="1"/>
           </p:nvPr>
         </p:nvSpPr>
         <p:spPr>
@@ -4093,11 +4228,11 @@
           </a:prstGeom>
         </p:spPr>
         <p:txBody>
-          <a:bodyPr anchorCtr="0" anchor="t" bIns="91425" lIns="91425" spcFirstLastPara="1" rIns="91425" wrap="square" tIns="91425">
+          <a:bodyPr spcFirstLastPara="1" wrap="square" lIns="91425" tIns="91425" rIns="91425" bIns="91425" anchor="t" anchorCtr="0">
             <a:noAutofit/>
           </a:bodyPr>
           <a:lstStyle>
-            <a:lvl1pPr indent="-342900" lvl="0" marL="457200">
+            <a:lvl1pPr marL="457200" lvl="0" indent="-342900">
               <a:spcBef>
                 <a:spcPts val="0"/>
               </a:spcBef>
@@ -4108,7 +4243,7 @@
               <a:buChar char="●"/>
               <a:defRPr/>
             </a:lvl1pPr>
-            <a:lvl2pPr indent="-317500" lvl="1" marL="914400">
+            <a:lvl2pPr marL="914400" lvl="1" indent="-317500">
               <a:spcBef>
                 <a:spcPts val="1600"/>
               </a:spcBef>
@@ -4119,7 +4254,7 @@
               <a:buChar char="○"/>
               <a:defRPr/>
             </a:lvl2pPr>
-            <a:lvl3pPr indent="-317500" lvl="2" marL="1371600">
+            <a:lvl3pPr marL="1371600" lvl="2" indent="-317500">
               <a:spcBef>
                 <a:spcPts val="1600"/>
               </a:spcBef>
@@ -4130,7 +4265,7 @@
               <a:buChar char="■"/>
               <a:defRPr/>
             </a:lvl3pPr>
-            <a:lvl4pPr indent="-317500" lvl="3" marL="1828800">
+            <a:lvl4pPr marL="1828800" lvl="3" indent="-317500">
               <a:spcBef>
                 <a:spcPts val="1600"/>
               </a:spcBef>
@@ -4141,7 +4276,7 @@
               <a:buChar char="●"/>
               <a:defRPr/>
             </a:lvl4pPr>
-            <a:lvl5pPr indent="-317500" lvl="4" marL="2286000">
+            <a:lvl5pPr marL="2286000" lvl="4" indent="-317500">
               <a:spcBef>
                 <a:spcPts val="1600"/>
               </a:spcBef>
@@ -4152,7 +4287,7 @@
               <a:buChar char="○"/>
               <a:defRPr/>
             </a:lvl5pPr>
-            <a:lvl6pPr indent="-317500" lvl="5" marL="2743200">
+            <a:lvl6pPr marL="2743200" lvl="5" indent="-317500">
               <a:spcBef>
                 <a:spcPts val="1600"/>
               </a:spcBef>
@@ -4163,7 +4298,7 @@
               <a:buChar char="■"/>
               <a:defRPr/>
             </a:lvl6pPr>
-            <a:lvl7pPr indent="-317500" lvl="6" marL="3200400">
+            <a:lvl7pPr marL="3200400" lvl="6" indent="-317500">
               <a:spcBef>
                 <a:spcPts val="1600"/>
               </a:spcBef>
@@ -4174,7 +4309,7 @@
               <a:buChar char="●"/>
               <a:defRPr/>
             </a:lvl7pPr>
-            <a:lvl8pPr indent="-317500" lvl="7" marL="3657600">
+            <a:lvl8pPr marL="3657600" lvl="7" indent="-317500">
               <a:spcBef>
                 <a:spcPts val="1600"/>
               </a:spcBef>
@@ -4185,7 +4320,7 @@
               <a:buChar char="○"/>
               <a:defRPr/>
             </a:lvl8pPr>
-            <a:lvl9pPr indent="-317500" lvl="8" marL="4114800">
+            <a:lvl9pPr marL="4114800" lvl="8" indent="-317500">
               <a:spcBef>
                 <a:spcPts val="1600"/>
               </a:spcBef>
@@ -4197,15 +4332,19 @@
               <a:defRPr/>
             </a:lvl9pPr>
           </a:lstStyle>
-          <a:p/>
+          <a:p>
+            <a:endParaRPr/>
+          </a:p>
         </p:txBody>
       </p:sp>
       <p:sp>
         <p:nvSpPr>
           <p:cNvPr id="23" name="Google Shape;23;p4"/>
-          <p:cNvSpPr txBox="1"/>
+          <p:cNvSpPr txBox="1">
+            <a:spLocks noGrp="1"/>
+          </p:cNvSpPr>
           <p:nvPr>
-            <p:ph idx="12" type="sldNum"/>
+            <p:ph type="sldNum" idx="12"/>
           </p:nvPr>
         </p:nvSpPr>
         <p:spPr>
@@ -4218,7 +4357,7 @@
           </a:prstGeom>
         </p:spPr>
         <p:txBody>
-          <a:bodyPr anchorCtr="0" anchor="ctr" bIns="91425" lIns="91425" spcFirstLastPara="1" rIns="91425" wrap="square" tIns="91425">
+          <a:bodyPr spcFirstLastPara="1" wrap="square" lIns="91425" tIns="91425" rIns="91425" bIns="91425" anchor="ctr" anchorCtr="0">
             <a:noAutofit/>
           </a:bodyPr>
           <a:lstStyle>
@@ -4260,7 +4399,7 @@
             </a:lvl9pPr>
           </a:lstStyle>
           <a:p>
-            <a:pPr indent="0" lvl="0" marL="0" rtl="0" algn="r">
+            <a:pPr marL="0" lvl="0" indent="0" algn="r" rtl="0">
               <a:spcBef>
                 <a:spcPts val="0"/>
               </a:spcBef>
@@ -4286,11 +4425,11 @@
 </file>
 
 <file path=ppt/slideLayouts/slideLayout4.xml><?xml version="1.0" encoding="utf-8"?>
-<p:sldLayout xmlns:a="http://schemas.openxmlformats.org/drawingml/2006/main" xmlns:r="http://schemas.openxmlformats.org/officeDocument/2006/relationships" xmlns:mc="http://schemas.openxmlformats.org/markup-compatibility/2006" xmlns:mv="urn:schemas-microsoft-com:mac:vml" xmlns:p="http://schemas.openxmlformats.org/presentationml/2006/main" xmlns:c="http://schemas.openxmlformats.org/drawingml/2006/chart" xmlns:dgm="http://schemas.openxmlformats.org/drawingml/2006/diagram" xmlns:o="urn:schemas-microsoft-com:office:office" xmlns:v="urn:schemas-microsoft-com:vml" xmlns:pvml="urn:schemas-microsoft-com:office:powerpoint" xmlns:com="http://schemas.openxmlformats.org/drawingml/2006/compatibility" xmlns:p14="http://schemas.microsoft.com/office/powerpoint/2010/main" xmlns:p15="http://schemas.microsoft.com/office/powerpoint/2012/main" xmlns:ahyp="http://schemas.microsoft.com/office/drawing/2018/hyperlinkcolor" matchingName="Title and two columns" type="twoColTx">
+<p:sldLayout xmlns:a="http://schemas.openxmlformats.org/drawingml/2006/main" xmlns:r="http://schemas.openxmlformats.org/officeDocument/2006/relationships" xmlns:p="http://schemas.openxmlformats.org/presentationml/2006/main" matchingName="Title and two columns" type="twoColTx">
   <p:cSld name="TITLE_AND_TWO_COLUMNS">
     <p:spTree>
       <p:nvGrpSpPr>
-        <p:cNvPr id="24" name="Shape 24"/>
+        <p:cNvPr id="1" name="Shape 24"/>
         <p:cNvGrpSpPr/>
         <p:nvPr/>
       </p:nvGrpSpPr>
@@ -4317,21 +4456,23 @@
             <a:avLst/>
           </a:prstGeom>
           <a:noFill/>
-          <a:ln cap="flat" cmpd="sng" w="19050">
+          <a:ln w="19050" cap="flat" cmpd="sng">
             <a:solidFill>
               <a:schemeClr val="dk2"/>
             </a:solidFill>
             <a:prstDash val="lgDash"/>
             <a:round/>
-            <a:headEnd len="sm" w="sm" type="none"/>
-            <a:tailEnd len="sm" w="sm" type="none"/>
+            <a:headEnd type="none" w="sm" len="sm"/>
+            <a:tailEnd type="none" w="sm" len="sm"/>
           </a:ln>
         </p:spPr>
       </p:cxnSp>
       <p:sp>
         <p:nvSpPr>
           <p:cNvPr id="26" name="Google Shape;26;p5"/>
-          <p:cNvSpPr txBox="1"/>
+          <p:cNvSpPr txBox="1">
+            <a:spLocks noGrp="1"/>
+          </p:cNvSpPr>
           <p:nvPr>
             <p:ph type="title"/>
           </p:nvPr>
@@ -4346,7 +4487,7 @@
           </a:prstGeom>
         </p:spPr>
         <p:txBody>
-          <a:bodyPr anchorCtr="0" anchor="b" bIns="91425" lIns="91425" spcFirstLastPara="1" rIns="91425" wrap="square" tIns="91425">
+          <a:bodyPr spcFirstLastPara="1" wrap="square" lIns="91425" tIns="91425" rIns="91425" bIns="91425" anchor="b" anchorCtr="0">
             <a:noAutofit/>
           </a:bodyPr>
           <a:lstStyle>
@@ -4450,15 +4591,19 @@
               <a:defRPr/>
             </a:lvl9pPr>
           </a:lstStyle>
-          <a:p/>
+          <a:p>
+            <a:endParaRPr/>
+          </a:p>
         </p:txBody>
       </p:sp>
       <p:sp>
         <p:nvSpPr>
           <p:cNvPr id="27" name="Google Shape;27;p5"/>
-          <p:cNvSpPr txBox="1"/>
+          <p:cNvSpPr txBox="1">
+            <a:spLocks noGrp="1"/>
+          </p:cNvSpPr>
           <p:nvPr>
-            <p:ph idx="1" type="body"/>
+            <p:ph type="body" idx="1"/>
           </p:nvPr>
         </p:nvSpPr>
         <p:spPr>
@@ -4471,11 +4616,11 @@
           </a:prstGeom>
         </p:spPr>
         <p:txBody>
-          <a:bodyPr anchorCtr="0" anchor="t" bIns="91425" lIns="91425" spcFirstLastPara="1" rIns="91425" wrap="square" tIns="91425">
+          <a:bodyPr spcFirstLastPara="1" wrap="square" lIns="91425" tIns="91425" rIns="91425" bIns="91425" anchor="t" anchorCtr="0">
             <a:noAutofit/>
           </a:bodyPr>
           <a:lstStyle>
-            <a:lvl1pPr indent="-317500" lvl="0" marL="457200">
+            <a:lvl1pPr marL="457200" lvl="0" indent="-317500">
               <a:spcBef>
                 <a:spcPts val="0"/>
               </a:spcBef>
@@ -4486,7 +4631,7 @@
               <a:buChar char="●"/>
               <a:defRPr sz="1400"/>
             </a:lvl1pPr>
-            <a:lvl2pPr indent="-304800" lvl="1" marL="914400">
+            <a:lvl2pPr marL="914400" lvl="1" indent="-304800">
               <a:spcBef>
                 <a:spcPts val="1600"/>
               </a:spcBef>
@@ -4497,7 +4642,7 @@
               <a:buChar char="○"/>
               <a:defRPr sz="1200"/>
             </a:lvl2pPr>
-            <a:lvl3pPr indent="-304800" lvl="2" marL="1371600">
+            <a:lvl3pPr marL="1371600" lvl="2" indent="-304800">
               <a:spcBef>
                 <a:spcPts val="1600"/>
               </a:spcBef>
@@ -4508,7 +4653,7 @@
               <a:buChar char="■"/>
               <a:defRPr sz="1200"/>
             </a:lvl3pPr>
-            <a:lvl4pPr indent="-304800" lvl="3" marL="1828800">
+            <a:lvl4pPr marL="1828800" lvl="3" indent="-304800">
               <a:spcBef>
                 <a:spcPts val="1600"/>
               </a:spcBef>
@@ -4519,7 +4664,7 @@
               <a:buChar char="●"/>
               <a:defRPr sz="1200"/>
             </a:lvl4pPr>
-            <a:lvl5pPr indent="-304800" lvl="4" marL="2286000">
+            <a:lvl5pPr marL="2286000" lvl="4" indent="-304800">
               <a:spcBef>
                 <a:spcPts val="1600"/>
               </a:spcBef>
@@ -4530,7 +4675,7 @@
               <a:buChar char="○"/>
               <a:defRPr sz="1200"/>
             </a:lvl5pPr>
-            <a:lvl6pPr indent="-304800" lvl="5" marL="2743200">
+            <a:lvl6pPr marL="2743200" lvl="5" indent="-304800">
               <a:spcBef>
                 <a:spcPts val="1600"/>
               </a:spcBef>
@@ -4541,7 +4686,7 @@
               <a:buChar char="■"/>
               <a:defRPr sz="1200"/>
             </a:lvl6pPr>
-            <a:lvl7pPr indent="-304800" lvl="6" marL="3200400">
+            <a:lvl7pPr marL="3200400" lvl="6" indent="-304800">
               <a:spcBef>
                 <a:spcPts val="1600"/>
               </a:spcBef>
@@ -4552,7 +4697,7 @@
               <a:buChar char="●"/>
               <a:defRPr sz="1200"/>
             </a:lvl7pPr>
-            <a:lvl8pPr indent="-304800" lvl="7" marL="3657600">
+            <a:lvl8pPr marL="3657600" lvl="7" indent="-304800">
               <a:spcBef>
                 <a:spcPts val="1600"/>
               </a:spcBef>
@@ -4563,7 +4708,7 @@
               <a:buChar char="○"/>
               <a:defRPr sz="1200"/>
             </a:lvl8pPr>
-            <a:lvl9pPr indent="-304800" lvl="8" marL="4114800">
+            <a:lvl9pPr marL="4114800" lvl="8" indent="-304800">
               <a:spcBef>
                 <a:spcPts val="1600"/>
               </a:spcBef>
@@ -4575,15 +4720,19 @@
               <a:defRPr sz="1200"/>
             </a:lvl9pPr>
           </a:lstStyle>
-          <a:p/>
+          <a:p>
+            <a:endParaRPr/>
+          </a:p>
         </p:txBody>
       </p:sp>
       <p:sp>
         <p:nvSpPr>
           <p:cNvPr id="28" name="Google Shape;28;p5"/>
-          <p:cNvSpPr txBox="1"/>
+          <p:cNvSpPr txBox="1">
+            <a:spLocks noGrp="1"/>
+          </p:cNvSpPr>
           <p:nvPr>
-            <p:ph idx="2" type="body"/>
+            <p:ph type="body" idx="2"/>
           </p:nvPr>
         </p:nvSpPr>
         <p:spPr>
@@ -4596,11 +4745,11 @@
           </a:prstGeom>
         </p:spPr>
         <p:txBody>
-          <a:bodyPr anchorCtr="0" anchor="t" bIns="91425" lIns="91425" spcFirstLastPara="1" rIns="91425" wrap="square" tIns="91425">
+          <a:bodyPr spcFirstLastPara="1" wrap="square" lIns="91425" tIns="91425" rIns="91425" bIns="91425" anchor="t" anchorCtr="0">
             <a:noAutofit/>
           </a:bodyPr>
           <a:lstStyle>
-            <a:lvl1pPr indent="-317500" lvl="0" marL="457200">
+            <a:lvl1pPr marL="457200" lvl="0" indent="-317500">
               <a:spcBef>
                 <a:spcPts val="0"/>
               </a:spcBef>
@@ -4611,7 +4760,7 @@
               <a:buChar char="●"/>
               <a:defRPr sz="1400"/>
             </a:lvl1pPr>
-            <a:lvl2pPr indent="-304800" lvl="1" marL="914400">
+            <a:lvl2pPr marL="914400" lvl="1" indent="-304800">
               <a:spcBef>
                 <a:spcPts val="1600"/>
               </a:spcBef>
@@ -4622,7 +4771,7 @@
               <a:buChar char="○"/>
               <a:defRPr sz="1200"/>
             </a:lvl2pPr>
-            <a:lvl3pPr indent="-304800" lvl="2" marL="1371600">
+            <a:lvl3pPr marL="1371600" lvl="2" indent="-304800">
               <a:spcBef>
                 <a:spcPts val="1600"/>
               </a:spcBef>
@@ -4633,7 +4782,7 @@
               <a:buChar char="■"/>
               <a:defRPr sz="1200"/>
             </a:lvl3pPr>
-            <a:lvl4pPr indent="-304800" lvl="3" marL="1828800">
+            <a:lvl4pPr marL="1828800" lvl="3" indent="-304800">
               <a:spcBef>
                 <a:spcPts val="1600"/>
               </a:spcBef>
@@ -4644,7 +4793,7 @@
               <a:buChar char="●"/>
               <a:defRPr sz="1200"/>
             </a:lvl4pPr>
-            <a:lvl5pPr indent="-304800" lvl="4" marL="2286000">
+            <a:lvl5pPr marL="2286000" lvl="4" indent="-304800">
               <a:spcBef>
                 <a:spcPts val="1600"/>
               </a:spcBef>
@@ -4655,7 +4804,7 @@
               <a:buChar char="○"/>
               <a:defRPr sz="1200"/>
             </a:lvl5pPr>
-            <a:lvl6pPr indent="-304800" lvl="5" marL="2743200">
+            <a:lvl6pPr marL="2743200" lvl="5" indent="-304800">
               <a:spcBef>
                 <a:spcPts val="1600"/>
               </a:spcBef>
@@ -4666,7 +4815,7 @@
               <a:buChar char="■"/>
               <a:defRPr sz="1200"/>
             </a:lvl6pPr>
-            <a:lvl7pPr indent="-304800" lvl="6" marL="3200400">
+            <a:lvl7pPr marL="3200400" lvl="6" indent="-304800">
               <a:spcBef>
                 <a:spcPts val="1600"/>
               </a:spcBef>
@@ -4677,7 +4826,7 @@
               <a:buChar char="●"/>
               <a:defRPr sz="1200"/>
             </a:lvl7pPr>
-            <a:lvl8pPr indent="-304800" lvl="7" marL="3657600">
+            <a:lvl8pPr marL="3657600" lvl="7" indent="-304800">
               <a:spcBef>
                 <a:spcPts val="1600"/>
               </a:spcBef>
@@ -4688,7 +4837,7 @@
               <a:buChar char="○"/>
               <a:defRPr sz="1200"/>
             </a:lvl8pPr>
-            <a:lvl9pPr indent="-304800" lvl="8" marL="4114800">
+            <a:lvl9pPr marL="4114800" lvl="8" indent="-304800">
               <a:spcBef>
                 <a:spcPts val="1600"/>
               </a:spcBef>
@@ -4700,15 +4849,19 @@
               <a:defRPr sz="1200"/>
             </a:lvl9pPr>
           </a:lstStyle>
-          <a:p/>
+          <a:p>
+            <a:endParaRPr/>
+          </a:p>
         </p:txBody>
       </p:sp>
       <p:sp>
         <p:nvSpPr>
           <p:cNvPr id="29" name="Google Shape;29;p5"/>
-          <p:cNvSpPr txBox="1"/>
+          <p:cNvSpPr txBox="1">
+            <a:spLocks noGrp="1"/>
+          </p:cNvSpPr>
           <p:nvPr>
-            <p:ph idx="12" type="sldNum"/>
+            <p:ph type="sldNum" idx="12"/>
           </p:nvPr>
         </p:nvSpPr>
         <p:spPr>
@@ -4721,7 +4874,7 @@
           </a:prstGeom>
         </p:spPr>
         <p:txBody>
-          <a:bodyPr anchorCtr="0" anchor="ctr" bIns="91425" lIns="91425" spcFirstLastPara="1" rIns="91425" wrap="square" tIns="91425">
+          <a:bodyPr spcFirstLastPara="1" wrap="square" lIns="91425" tIns="91425" rIns="91425" bIns="91425" anchor="ctr" anchorCtr="0">
             <a:noAutofit/>
           </a:bodyPr>
           <a:lstStyle>
@@ -4763,7 +4916,7 @@
             </a:lvl9pPr>
           </a:lstStyle>
           <a:p>
-            <a:pPr indent="0" lvl="0" marL="0" rtl="0" algn="r">
+            <a:pPr marL="0" lvl="0" indent="0" algn="r" rtl="0">
               <a:spcBef>
                 <a:spcPts val="0"/>
               </a:spcBef>
@@ -4789,11 +4942,11 @@
 </file>
 
 <file path=ppt/slideLayouts/slideLayout5.xml><?xml version="1.0" encoding="utf-8"?>
-<p:sldLayout xmlns:a="http://schemas.openxmlformats.org/drawingml/2006/main" xmlns:r="http://schemas.openxmlformats.org/officeDocument/2006/relationships" xmlns:mc="http://schemas.openxmlformats.org/markup-compatibility/2006" xmlns:mv="urn:schemas-microsoft-com:mac:vml" xmlns:p="http://schemas.openxmlformats.org/presentationml/2006/main" xmlns:c="http://schemas.openxmlformats.org/drawingml/2006/chart" xmlns:dgm="http://schemas.openxmlformats.org/drawingml/2006/diagram" xmlns:o="urn:schemas-microsoft-com:office:office" xmlns:v="urn:schemas-microsoft-com:vml" xmlns:pvml="urn:schemas-microsoft-com:office:powerpoint" xmlns:com="http://schemas.openxmlformats.org/drawingml/2006/compatibility" xmlns:p14="http://schemas.microsoft.com/office/powerpoint/2010/main" xmlns:p15="http://schemas.microsoft.com/office/powerpoint/2012/main" xmlns:ahyp="http://schemas.microsoft.com/office/drawing/2018/hyperlinkcolor" matchingName="Title only" type="titleOnly">
+<p:sldLayout xmlns:a="http://schemas.openxmlformats.org/drawingml/2006/main" xmlns:r="http://schemas.openxmlformats.org/officeDocument/2006/relationships" xmlns:p="http://schemas.openxmlformats.org/presentationml/2006/main" matchingName="Title only" type="titleOnly">
   <p:cSld name="TITLE_ONLY">
     <p:spTree>
       <p:nvGrpSpPr>
-        <p:cNvPr id="30" name="Shape 30"/>
+        <p:cNvPr id="1" name="Shape 30"/>
         <p:cNvGrpSpPr/>
         <p:nvPr/>
       </p:nvGrpSpPr>
@@ -4808,7 +4961,9 @@
       <p:sp>
         <p:nvSpPr>
           <p:cNvPr id="31" name="Google Shape;31;p6"/>
-          <p:cNvSpPr txBox="1"/>
+          <p:cNvSpPr txBox="1">
+            <a:spLocks noGrp="1"/>
+          </p:cNvSpPr>
           <p:nvPr>
             <p:ph type="title"/>
           </p:nvPr>
@@ -4823,7 +4978,7 @@
           </a:prstGeom>
         </p:spPr>
         <p:txBody>
-          <a:bodyPr anchorCtr="0" anchor="b" bIns="91425" lIns="91425" spcFirstLastPara="1" rIns="91425" wrap="square" tIns="91425">
+          <a:bodyPr spcFirstLastPara="1" wrap="square" lIns="91425" tIns="91425" rIns="91425" bIns="91425" anchor="b" anchorCtr="0">
             <a:noAutofit/>
           </a:bodyPr>
           <a:lstStyle>
@@ -4927,15 +5082,19 @@
               <a:defRPr/>
             </a:lvl9pPr>
           </a:lstStyle>
-          <a:p/>
+          <a:p>
+            <a:endParaRPr/>
+          </a:p>
         </p:txBody>
       </p:sp>
       <p:sp>
         <p:nvSpPr>
           <p:cNvPr id="32" name="Google Shape;32;p6"/>
-          <p:cNvSpPr txBox="1"/>
+          <p:cNvSpPr txBox="1">
+            <a:spLocks noGrp="1"/>
+          </p:cNvSpPr>
           <p:nvPr>
-            <p:ph idx="12" type="sldNum"/>
+            <p:ph type="sldNum" idx="12"/>
           </p:nvPr>
         </p:nvSpPr>
         <p:spPr>
@@ -4948,7 +5107,7 @@
           </a:prstGeom>
         </p:spPr>
         <p:txBody>
-          <a:bodyPr anchorCtr="0" anchor="ctr" bIns="91425" lIns="91425" spcFirstLastPara="1" rIns="91425" wrap="square" tIns="91425">
+          <a:bodyPr spcFirstLastPara="1" wrap="square" lIns="91425" tIns="91425" rIns="91425" bIns="91425" anchor="ctr" anchorCtr="0">
             <a:noAutofit/>
           </a:bodyPr>
           <a:lstStyle>
@@ -4990,7 +5149,7 @@
             </a:lvl9pPr>
           </a:lstStyle>
           <a:p>
-            <a:pPr indent="0" lvl="0" marL="0" rtl="0" algn="r">
+            <a:pPr marL="0" lvl="0" indent="0" algn="r" rtl="0">
               <a:spcBef>
                 <a:spcPts val="0"/>
               </a:spcBef>
@@ -5016,11 +5175,11 @@
 </file>
 
 <file path=ppt/slideLayouts/slideLayout6.xml><?xml version="1.0" encoding="utf-8"?>
-<p:sldLayout xmlns:a="http://schemas.openxmlformats.org/drawingml/2006/main" xmlns:r="http://schemas.openxmlformats.org/officeDocument/2006/relationships" xmlns:mc="http://schemas.openxmlformats.org/markup-compatibility/2006" xmlns:mv="urn:schemas-microsoft-com:mac:vml" xmlns:p="http://schemas.openxmlformats.org/presentationml/2006/main" xmlns:c="http://schemas.openxmlformats.org/drawingml/2006/chart" xmlns:dgm="http://schemas.openxmlformats.org/drawingml/2006/diagram" xmlns:o="urn:schemas-microsoft-com:office:office" xmlns:v="urn:schemas-microsoft-com:vml" xmlns:pvml="urn:schemas-microsoft-com:office:powerpoint" xmlns:com="http://schemas.openxmlformats.org/drawingml/2006/compatibility" xmlns:p14="http://schemas.microsoft.com/office/powerpoint/2010/main" xmlns:p15="http://schemas.microsoft.com/office/powerpoint/2012/main" xmlns:ahyp="http://schemas.microsoft.com/office/drawing/2018/hyperlinkcolor" matchingName="One column text">
+<p:sldLayout xmlns:a="http://schemas.openxmlformats.org/drawingml/2006/main" xmlns:r="http://schemas.openxmlformats.org/officeDocument/2006/relationships" xmlns:p="http://schemas.openxmlformats.org/presentationml/2006/main" matchingName="One column text">
   <p:cSld name="ONE_COLUMN_TEXT">
     <p:spTree>
       <p:nvGrpSpPr>
-        <p:cNvPr id="33" name="Shape 33"/>
+        <p:cNvPr id="1" name="Shape 33"/>
         <p:cNvGrpSpPr/>
         <p:nvPr/>
       </p:nvGrpSpPr>
@@ -5047,21 +5206,23 @@
             <a:avLst/>
           </a:prstGeom>
           <a:noFill/>
-          <a:ln cap="flat" cmpd="sng" w="19050">
+          <a:ln w="19050" cap="flat" cmpd="sng">
             <a:solidFill>
               <a:schemeClr val="dk2"/>
             </a:solidFill>
             <a:prstDash val="lgDash"/>
             <a:round/>
-            <a:headEnd len="sm" w="sm" type="none"/>
-            <a:tailEnd len="sm" w="sm" type="none"/>
+            <a:headEnd type="none" w="sm" len="sm"/>
+            <a:tailEnd type="none" w="sm" len="sm"/>
           </a:ln>
         </p:spPr>
       </p:cxnSp>
       <p:sp>
         <p:nvSpPr>
           <p:cNvPr id="35" name="Google Shape;35;p7"/>
-          <p:cNvSpPr txBox="1"/>
+          <p:cNvSpPr txBox="1">
+            <a:spLocks noGrp="1"/>
+          </p:cNvSpPr>
           <p:nvPr>
             <p:ph type="title"/>
           </p:nvPr>
@@ -5076,7 +5237,7 @@
           </a:prstGeom>
         </p:spPr>
         <p:txBody>
-          <a:bodyPr anchorCtr="0" anchor="b" bIns="91425" lIns="91425" spcFirstLastPara="1" rIns="91425" wrap="square" tIns="91425">
+          <a:bodyPr spcFirstLastPara="1" wrap="square" lIns="91425" tIns="91425" rIns="91425" bIns="91425" anchor="b" anchorCtr="0">
             <a:noAutofit/>
           </a:bodyPr>
           <a:lstStyle>
@@ -5180,15 +5341,19 @@
               <a:defRPr sz="2400"/>
             </a:lvl9pPr>
           </a:lstStyle>
-          <a:p/>
+          <a:p>
+            <a:endParaRPr/>
+          </a:p>
         </p:txBody>
       </p:sp>
       <p:sp>
         <p:nvSpPr>
           <p:cNvPr id="36" name="Google Shape;36;p7"/>
-          <p:cNvSpPr txBox="1"/>
+          <p:cNvSpPr txBox="1">
+            <a:spLocks noGrp="1"/>
+          </p:cNvSpPr>
           <p:nvPr>
-            <p:ph idx="1" type="body"/>
+            <p:ph type="body" idx="1"/>
           </p:nvPr>
         </p:nvSpPr>
         <p:spPr>
@@ -5201,11 +5366,11 @@
           </a:prstGeom>
         </p:spPr>
         <p:txBody>
-          <a:bodyPr anchorCtr="0" anchor="t" bIns="91425" lIns="91425" spcFirstLastPara="1" rIns="91425" wrap="square" tIns="91425">
+          <a:bodyPr spcFirstLastPara="1" wrap="square" lIns="91425" tIns="91425" rIns="91425" bIns="91425" anchor="t" anchorCtr="0">
             <a:noAutofit/>
           </a:bodyPr>
           <a:lstStyle>
-            <a:lvl1pPr indent="-304800" lvl="0" marL="457200">
+            <a:lvl1pPr marL="457200" lvl="0" indent="-304800">
               <a:spcBef>
                 <a:spcPts val="0"/>
               </a:spcBef>
@@ -5216,7 +5381,7 @@
               <a:buChar char="●"/>
               <a:defRPr sz="1200"/>
             </a:lvl1pPr>
-            <a:lvl2pPr indent="-304800" lvl="1" marL="914400">
+            <a:lvl2pPr marL="914400" lvl="1" indent="-304800">
               <a:spcBef>
                 <a:spcPts val="1600"/>
               </a:spcBef>
@@ -5227,7 +5392,7 @@
               <a:buChar char="○"/>
               <a:defRPr sz="1200"/>
             </a:lvl2pPr>
-            <a:lvl3pPr indent="-304800" lvl="2" marL="1371600">
+            <a:lvl3pPr marL="1371600" lvl="2" indent="-304800">
               <a:spcBef>
                 <a:spcPts val="1600"/>
               </a:spcBef>
@@ -5238,7 +5403,7 @@
               <a:buChar char="■"/>
               <a:defRPr sz="1200"/>
             </a:lvl3pPr>
-            <a:lvl4pPr indent="-304800" lvl="3" marL="1828800">
+            <a:lvl4pPr marL="1828800" lvl="3" indent="-304800">
               <a:spcBef>
                 <a:spcPts val="1600"/>
               </a:spcBef>
@@ -5249,7 +5414,7 @@
               <a:buChar char="●"/>
               <a:defRPr sz="1200"/>
             </a:lvl4pPr>
-            <a:lvl5pPr indent="-304800" lvl="4" marL="2286000">
+            <a:lvl5pPr marL="2286000" lvl="4" indent="-304800">
               <a:spcBef>
                 <a:spcPts val="1600"/>
               </a:spcBef>
@@ -5260,7 +5425,7 @@
               <a:buChar char="○"/>
               <a:defRPr sz="1200"/>
             </a:lvl5pPr>
-            <a:lvl6pPr indent="-304800" lvl="5" marL="2743200">
+            <a:lvl6pPr marL="2743200" lvl="5" indent="-304800">
               <a:spcBef>
                 <a:spcPts val="1600"/>
               </a:spcBef>
@@ -5271,7 +5436,7 @@
               <a:buChar char="■"/>
               <a:defRPr sz="1200"/>
             </a:lvl6pPr>
-            <a:lvl7pPr indent="-304800" lvl="6" marL="3200400">
+            <a:lvl7pPr marL="3200400" lvl="6" indent="-304800">
               <a:spcBef>
                 <a:spcPts val="1600"/>
               </a:spcBef>
@@ -5282,7 +5447,7 @@
               <a:buChar char="●"/>
               <a:defRPr sz="1200"/>
             </a:lvl7pPr>
-            <a:lvl8pPr indent="-304800" lvl="7" marL="3657600">
+            <a:lvl8pPr marL="3657600" lvl="7" indent="-304800">
               <a:spcBef>
                 <a:spcPts val="1600"/>
               </a:spcBef>
@@ -5293,7 +5458,7 @@
               <a:buChar char="○"/>
               <a:defRPr sz="1200"/>
             </a:lvl8pPr>
-            <a:lvl9pPr indent="-304800" lvl="8" marL="4114800">
+            <a:lvl9pPr marL="4114800" lvl="8" indent="-304800">
               <a:spcBef>
                 <a:spcPts val="1600"/>
               </a:spcBef>
@@ -5305,15 +5470,19 @@
               <a:defRPr sz="1200"/>
             </a:lvl9pPr>
           </a:lstStyle>
-          <a:p/>
+          <a:p>
+            <a:endParaRPr/>
+          </a:p>
         </p:txBody>
       </p:sp>
       <p:sp>
         <p:nvSpPr>
           <p:cNvPr id="37" name="Google Shape;37;p7"/>
-          <p:cNvSpPr txBox="1"/>
+          <p:cNvSpPr txBox="1">
+            <a:spLocks noGrp="1"/>
+          </p:cNvSpPr>
           <p:nvPr>
-            <p:ph idx="12" type="sldNum"/>
+            <p:ph type="sldNum" idx="12"/>
           </p:nvPr>
         </p:nvSpPr>
         <p:spPr>
@@ -5326,7 +5495,7 @@
           </a:prstGeom>
         </p:spPr>
         <p:txBody>
-          <a:bodyPr anchorCtr="0" anchor="ctr" bIns="91425" lIns="91425" spcFirstLastPara="1" rIns="91425" wrap="square" tIns="91425">
+          <a:bodyPr spcFirstLastPara="1" wrap="square" lIns="91425" tIns="91425" rIns="91425" bIns="91425" anchor="ctr" anchorCtr="0">
             <a:noAutofit/>
           </a:bodyPr>
           <a:lstStyle>
@@ -5368,7 +5537,7 @@
             </a:lvl9pPr>
           </a:lstStyle>
           <a:p>
-            <a:pPr indent="0" lvl="0" marL="0" rtl="0" algn="r">
+            <a:pPr marL="0" lvl="0" indent="0" algn="r" rtl="0">
               <a:spcBef>
                 <a:spcPts val="0"/>
               </a:spcBef>
@@ -5394,18 +5563,19 @@
 </file>
 
 <file path=ppt/slideLayouts/slideLayout7.xml><?xml version="1.0" encoding="utf-8"?>
-<p:sldLayout xmlns:a="http://schemas.openxmlformats.org/drawingml/2006/main" xmlns:r="http://schemas.openxmlformats.org/officeDocument/2006/relationships" xmlns:mc="http://schemas.openxmlformats.org/markup-compatibility/2006" xmlns:mv="urn:schemas-microsoft-com:mac:vml" xmlns:p="http://schemas.openxmlformats.org/presentationml/2006/main" xmlns:c="http://schemas.openxmlformats.org/drawingml/2006/chart" xmlns:dgm="http://schemas.openxmlformats.org/drawingml/2006/diagram" xmlns:o="urn:schemas-microsoft-com:office:office" xmlns:v="urn:schemas-microsoft-com:vml" xmlns:pvml="urn:schemas-microsoft-com:office:powerpoint" xmlns:com="http://schemas.openxmlformats.org/drawingml/2006/compatibility" xmlns:p14="http://schemas.microsoft.com/office/powerpoint/2010/main" xmlns:p15="http://schemas.microsoft.com/office/powerpoint/2012/main" xmlns:ahyp="http://schemas.microsoft.com/office/drawing/2018/hyperlinkcolor" matchingName="Main point">
+<p:sldLayout xmlns:a="http://schemas.openxmlformats.org/drawingml/2006/main" xmlns:r="http://schemas.openxmlformats.org/officeDocument/2006/relationships" xmlns:p="http://schemas.openxmlformats.org/presentationml/2006/main" matchingName="Main point">
   <p:cSld name="MAIN_POINT">
     <p:bg>
       <p:bgPr>
         <a:solidFill>
           <a:schemeClr val="lt2"/>
         </a:solidFill>
+        <a:effectLst/>
       </p:bgPr>
     </p:bg>
     <p:spTree>
       <p:nvGrpSpPr>
-        <p:cNvPr id="38" name="Shape 38"/>
+        <p:cNvPr id="1" name="Shape 38"/>
         <p:cNvGrpSpPr/>
         <p:nvPr/>
       </p:nvGrpSpPr>
@@ -5420,7 +5590,9 @@
       <p:sp>
         <p:nvSpPr>
           <p:cNvPr id="39" name="Google Shape;39;p8"/>
-          <p:cNvSpPr txBox="1"/>
+          <p:cNvSpPr txBox="1">
+            <a:spLocks noGrp="1"/>
+          </p:cNvSpPr>
           <p:nvPr>
             <p:ph type="title"/>
           </p:nvPr>
@@ -5435,7 +5607,7 @@
           </a:prstGeom>
         </p:spPr>
         <p:txBody>
-          <a:bodyPr anchorCtr="0" anchor="ctr" bIns="91425" lIns="91425" spcFirstLastPara="1" rIns="91425" wrap="square" tIns="91425">
+          <a:bodyPr spcFirstLastPara="1" wrap="square" lIns="91425" tIns="91425" rIns="91425" bIns="91425" anchor="ctr" anchorCtr="0">
             <a:noAutofit/>
           </a:bodyPr>
           <a:lstStyle>
@@ -5602,15 +5774,19 @@
               </a:defRPr>
             </a:lvl9pPr>
           </a:lstStyle>
-          <a:p/>
+          <a:p>
+            <a:endParaRPr/>
+          </a:p>
         </p:txBody>
       </p:sp>
       <p:sp>
         <p:nvSpPr>
           <p:cNvPr id="40" name="Google Shape;40;p8"/>
-          <p:cNvSpPr txBox="1"/>
+          <p:cNvSpPr txBox="1">
+            <a:spLocks noGrp="1"/>
+          </p:cNvSpPr>
           <p:nvPr>
-            <p:ph idx="12" type="sldNum"/>
+            <p:ph type="sldNum" idx="12"/>
           </p:nvPr>
         </p:nvSpPr>
         <p:spPr>
@@ -5623,7 +5799,7 @@
           </a:prstGeom>
         </p:spPr>
         <p:txBody>
-          <a:bodyPr anchorCtr="0" anchor="ctr" bIns="91425" lIns="91425" spcFirstLastPara="1" rIns="91425" wrap="square" tIns="91425">
+          <a:bodyPr spcFirstLastPara="1" wrap="square" lIns="91425" tIns="91425" rIns="91425" bIns="91425" anchor="ctr" anchorCtr="0">
             <a:noAutofit/>
           </a:bodyPr>
           <a:lstStyle>
@@ -5701,7 +5877,7 @@
             </a:lvl9pPr>
           </a:lstStyle>
           <a:p>
-            <a:pPr indent="0" lvl="0" marL="0" rtl="0" algn="r">
+            <a:pPr marL="0" lvl="0" indent="0" algn="r" rtl="0">
               <a:spcBef>
                 <a:spcPts val="0"/>
               </a:spcBef>
@@ -5727,18 +5903,19 @@
 </file>
 
 <file path=ppt/slideLayouts/slideLayout8.xml><?xml version="1.0" encoding="utf-8"?>
-<p:sldLayout xmlns:a="http://schemas.openxmlformats.org/drawingml/2006/main" xmlns:r="http://schemas.openxmlformats.org/officeDocument/2006/relationships" xmlns:mc="http://schemas.openxmlformats.org/markup-compatibility/2006" xmlns:mv="urn:schemas-microsoft-com:mac:vml" xmlns:p="http://schemas.openxmlformats.org/presentationml/2006/main" xmlns:c="http://schemas.openxmlformats.org/drawingml/2006/chart" xmlns:dgm="http://schemas.openxmlformats.org/drawingml/2006/diagram" xmlns:o="urn:schemas-microsoft-com:office:office" xmlns:v="urn:schemas-microsoft-com:vml" xmlns:pvml="urn:schemas-microsoft-com:office:powerpoint" xmlns:com="http://schemas.openxmlformats.org/drawingml/2006/compatibility" xmlns:p14="http://schemas.microsoft.com/office/powerpoint/2010/main" xmlns:p15="http://schemas.microsoft.com/office/powerpoint/2012/main" xmlns:ahyp="http://schemas.microsoft.com/office/drawing/2018/hyperlinkcolor" matchingName="Section title and description">
+<p:sldLayout xmlns:a="http://schemas.openxmlformats.org/drawingml/2006/main" xmlns:r="http://schemas.openxmlformats.org/officeDocument/2006/relationships" xmlns:p="http://schemas.openxmlformats.org/presentationml/2006/main" matchingName="Section title and description">
   <p:cSld name="SECTION_TITLE_AND_DESCRIPTION">
     <p:bg>
       <p:bgPr>
         <a:solidFill>
           <a:schemeClr val="dk1"/>
         </a:solidFill>
+        <a:effectLst/>
       </p:bgPr>
     </p:bg>
     <p:spTree>
       <p:nvGrpSpPr>
-        <p:cNvPr id="41" name="Shape 41"/>
+        <p:cNvPr id="1" name="Shape 41"/>
         <p:cNvGrpSpPr/>
         <p:nvPr/>
       </p:nvGrpSpPr>
@@ -5772,23 +5949,20 @@
           </a:ln>
         </p:spPr>
         <p:txBody>
-          <a:bodyPr anchorCtr="0" anchor="ctr" bIns="91425" lIns="91425" spcFirstLastPara="1" rIns="91425" wrap="square" tIns="91425">
+          <a:bodyPr spcFirstLastPara="1" wrap="square" lIns="91425" tIns="91425" rIns="91425" bIns="91425" anchor="ctr" anchorCtr="0">
             <a:noAutofit/>
           </a:bodyPr>
           <a:lstStyle/>
           <a:p>
-            <a:pPr indent="0" lvl="0" marL="0" rtl="0" algn="l">
-              <a:spcBef>
-                <a:spcPts val="0"/>
-              </a:spcBef>
-              <a:spcAft>
-                <a:spcPts val="0"/>
-              </a:spcAft>
-              <a:buNone/>
-            </a:pPr>
-            <a:r>
-              <a:t/>
-            </a:r>
+            <a:pPr marL="0" lvl="0" indent="0" algn="l" rtl="0">
+              <a:spcBef>
+                <a:spcPts val="0"/>
+              </a:spcBef>
+              <a:spcAft>
+                <a:spcPts val="0"/>
+              </a:spcAft>
+              <a:buNone/>
+            </a:pPr>
             <a:endParaRPr/>
           </a:p>
         </p:txBody>
@@ -5808,21 +5982,23 @@
             <a:avLst/>
           </a:prstGeom>
           <a:noFill/>
-          <a:ln cap="flat" cmpd="sng" w="19050">
+          <a:ln w="19050" cap="flat" cmpd="sng">
             <a:solidFill>
               <a:schemeClr val="dk1"/>
             </a:solidFill>
             <a:prstDash val="lgDash"/>
             <a:round/>
-            <a:headEnd len="sm" w="sm" type="none"/>
-            <a:tailEnd len="sm" w="sm" type="none"/>
+            <a:headEnd type="none" w="sm" len="sm"/>
+            <a:tailEnd type="none" w="sm" len="sm"/>
           </a:ln>
         </p:spPr>
       </p:cxnSp>
       <p:sp>
         <p:nvSpPr>
           <p:cNvPr id="44" name="Google Shape;44;p9"/>
-          <p:cNvSpPr txBox="1"/>
+          <p:cNvSpPr txBox="1">
+            <a:spLocks noGrp="1"/>
+          </p:cNvSpPr>
           <p:nvPr>
             <p:ph type="title"/>
           </p:nvPr>
@@ -5837,7 +6013,7 @@
           </a:prstGeom>
         </p:spPr>
         <p:txBody>
-          <a:bodyPr anchorCtr="0" anchor="b" bIns="91425" lIns="91425" spcFirstLastPara="1" rIns="91425" wrap="square" tIns="91425">
+          <a:bodyPr spcFirstLastPara="1" wrap="square" lIns="91425" tIns="91425" rIns="91425" bIns="91425" anchor="b" anchorCtr="0">
             <a:noAutofit/>
           </a:bodyPr>
           <a:lstStyle>
@@ -6004,15 +6180,19 @@
               </a:defRPr>
             </a:lvl9pPr>
           </a:lstStyle>
-          <a:p/>
+          <a:p>
+            <a:endParaRPr/>
+          </a:p>
         </p:txBody>
       </p:sp>
       <p:sp>
         <p:nvSpPr>
           <p:cNvPr id="45" name="Google Shape;45;p9"/>
-          <p:cNvSpPr txBox="1"/>
+          <p:cNvSpPr txBox="1">
+            <a:spLocks noGrp="1"/>
+          </p:cNvSpPr>
           <p:nvPr>
-            <p:ph idx="1" type="subTitle"/>
+            <p:ph type="subTitle" idx="1"/>
           </p:nvPr>
         </p:nvSpPr>
         <p:spPr>
@@ -6025,7 +6205,7 @@
           </a:prstGeom>
         </p:spPr>
         <p:txBody>
-          <a:bodyPr anchorCtr="0" anchor="t" bIns="91425" lIns="91425" spcFirstLastPara="1" rIns="91425" wrap="square" tIns="91425">
+          <a:bodyPr spcFirstLastPara="1" wrap="square" lIns="91425" tIns="91425" rIns="91425" bIns="91425" anchor="t" anchorCtr="0">
             <a:noAutofit/>
           </a:bodyPr>
           <a:lstStyle>
@@ -6219,15 +6399,19 @@
               </a:defRPr>
             </a:lvl9pPr>
           </a:lstStyle>
-          <a:p/>
+          <a:p>
+            <a:endParaRPr/>
+          </a:p>
         </p:txBody>
       </p:sp>
       <p:sp>
         <p:nvSpPr>
           <p:cNvPr id="46" name="Google Shape;46;p9"/>
-          <p:cNvSpPr txBox="1"/>
+          <p:cNvSpPr txBox="1">
+            <a:spLocks noGrp="1"/>
+          </p:cNvSpPr>
           <p:nvPr>
-            <p:ph idx="2" type="body"/>
+            <p:ph type="body" idx="2"/>
           </p:nvPr>
         </p:nvSpPr>
         <p:spPr>
@@ -6240,11 +6424,11 @@
           </a:prstGeom>
         </p:spPr>
         <p:txBody>
-          <a:bodyPr anchorCtr="0" anchor="ctr" bIns="91425" lIns="91425" spcFirstLastPara="1" rIns="91425" wrap="square" tIns="91425">
+          <a:bodyPr spcFirstLastPara="1" wrap="square" lIns="91425" tIns="91425" rIns="91425" bIns="91425" anchor="ctr" anchorCtr="0">
             <a:noAutofit/>
           </a:bodyPr>
           <a:lstStyle>
-            <a:lvl1pPr indent="-342900" lvl="0" marL="457200">
+            <a:lvl1pPr marL="457200" lvl="0" indent="-342900">
               <a:spcBef>
                 <a:spcPts val="0"/>
               </a:spcBef>
@@ -6255,7 +6439,7 @@
               <a:buChar char="●"/>
               <a:defRPr/>
             </a:lvl1pPr>
-            <a:lvl2pPr indent="-317500" lvl="1" marL="914400">
+            <a:lvl2pPr marL="914400" lvl="1" indent="-317500">
               <a:spcBef>
                 <a:spcPts val="1600"/>
               </a:spcBef>
@@ -6266,7 +6450,7 @@
               <a:buChar char="○"/>
               <a:defRPr/>
             </a:lvl2pPr>
-            <a:lvl3pPr indent="-317500" lvl="2" marL="1371600">
+            <a:lvl3pPr marL="1371600" lvl="2" indent="-317500">
               <a:spcBef>
                 <a:spcPts val="1600"/>
               </a:spcBef>
@@ -6277,7 +6461,7 @@
               <a:buChar char="■"/>
               <a:defRPr/>
             </a:lvl3pPr>
-            <a:lvl4pPr indent="-317500" lvl="3" marL="1828800">
+            <a:lvl4pPr marL="1828800" lvl="3" indent="-317500">
               <a:spcBef>
                 <a:spcPts val="1600"/>
               </a:spcBef>
@@ -6288,7 +6472,7 @@
               <a:buChar char="●"/>
               <a:defRPr/>
             </a:lvl4pPr>
-            <a:lvl5pPr indent="-317500" lvl="4" marL="2286000">
+            <a:lvl5pPr marL="2286000" lvl="4" indent="-317500">
               <a:spcBef>
                 <a:spcPts val="1600"/>
               </a:spcBef>
@@ -6299,7 +6483,7 @@
               <a:buChar char="○"/>
               <a:defRPr/>
             </a:lvl5pPr>
-            <a:lvl6pPr indent="-317500" lvl="5" marL="2743200">
+            <a:lvl6pPr marL="2743200" lvl="5" indent="-317500">
               <a:spcBef>
                 <a:spcPts val="1600"/>
               </a:spcBef>
@@ -6310,7 +6494,7 @@
               <a:buChar char="■"/>
               <a:defRPr/>
             </a:lvl6pPr>
-            <a:lvl7pPr indent="-317500" lvl="6" marL="3200400">
+            <a:lvl7pPr marL="3200400" lvl="6" indent="-317500">
               <a:spcBef>
                 <a:spcPts val="1600"/>
               </a:spcBef>
@@ -6321,7 +6505,7 @@
               <a:buChar char="●"/>
               <a:defRPr/>
             </a:lvl7pPr>
-            <a:lvl8pPr indent="-317500" lvl="7" marL="3657600">
+            <a:lvl8pPr marL="3657600" lvl="7" indent="-317500">
               <a:spcBef>
                 <a:spcPts val="1600"/>
               </a:spcBef>
@@ -6332,7 +6516,7 @@
               <a:buChar char="○"/>
               <a:defRPr/>
             </a:lvl8pPr>
-            <a:lvl9pPr indent="-317500" lvl="8" marL="4114800">
+            <a:lvl9pPr marL="4114800" lvl="8" indent="-317500">
               <a:spcBef>
                 <a:spcPts val="1600"/>
               </a:spcBef>
@@ -6344,15 +6528,19 @@
               <a:defRPr/>
             </a:lvl9pPr>
           </a:lstStyle>
-          <a:p/>
+          <a:p>
+            <a:endParaRPr/>
+          </a:p>
         </p:txBody>
       </p:sp>
       <p:sp>
         <p:nvSpPr>
           <p:cNvPr id="47" name="Google Shape;47;p9"/>
-          <p:cNvSpPr txBox="1"/>
+          <p:cNvSpPr txBox="1">
+            <a:spLocks noGrp="1"/>
+          </p:cNvSpPr>
           <p:nvPr>
-            <p:ph idx="12" type="sldNum"/>
+            <p:ph type="sldNum" idx="12"/>
           </p:nvPr>
         </p:nvSpPr>
         <p:spPr>
@@ -6365,7 +6553,7 @@
           </a:prstGeom>
         </p:spPr>
         <p:txBody>
-          <a:bodyPr anchorCtr="0" anchor="ctr" bIns="91425" lIns="91425" spcFirstLastPara="1" rIns="91425" wrap="square" tIns="91425">
+          <a:bodyPr spcFirstLastPara="1" wrap="square" lIns="91425" tIns="91425" rIns="91425" bIns="91425" anchor="ctr" anchorCtr="0">
             <a:noAutofit/>
           </a:bodyPr>
           <a:lstStyle>
@@ -6407,7 +6595,7 @@
             </a:lvl9pPr>
           </a:lstStyle>
           <a:p>
-            <a:pPr indent="0" lvl="0" marL="0" rtl="0" algn="r">
+            <a:pPr marL="0" lvl="0" indent="0" algn="r" rtl="0">
               <a:spcBef>
                 <a:spcPts val="0"/>
               </a:spcBef>
@@ -6433,11 +6621,11 @@
 </file>
 
 <file path=ppt/slideLayouts/slideLayout9.xml><?xml version="1.0" encoding="utf-8"?>
-<p:sldLayout xmlns:a="http://schemas.openxmlformats.org/drawingml/2006/main" xmlns:r="http://schemas.openxmlformats.org/officeDocument/2006/relationships" xmlns:mc="http://schemas.openxmlformats.org/markup-compatibility/2006" xmlns:mv="urn:schemas-microsoft-com:mac:vml" xmlns:p="http://schemas.openxmlformats.org/presentationml/2006/main" xmlns:c="http://schemas.openxmlformats.org/drawingml/2006/chart" xmlns:dgm="http://schemas.openxmlformats.org/drawingml/2006/diagram" xmlns:o="urn:schemas-microsoft-com:office:office" xmlns:v="urn:schemas-microsoft-com:vml" xmlns:pvml="urn:schemas-microsoft-com:office:powerpoint" xmlns:com="http://schemas.openxmlformats.org/drawingml/2006/compatibility" xmlns:p14="http://schemas.microsoft.com/office/powerpoint/2010/main" xmlns:p15="http://schemas.microsoft.com/office/powerpoint/2012/main" xmlns:ahyp="http://schemas.microsoft.com/office/drawing/2018/hyperlinkcolor" matchingName="Caption">
+<p:sldLayout xmlns:a="http://schemas.openxmlformats.org/drawingml/2006/main" xmlns:r="http://schemas.openxmlformats.org/officeDocument/2006/relationships" xmlns:p="http://schemas.openxmlformats.org/presentationml/2006/main" matchingName="Caption">
   <p:cSld name="CAPTION_ONLY">
     <p:spTree>
       <p:nvGrpSpPr>
-        <p:cNvPr id="48" name="Shape 48"/>
+        <p:cNvPr id="1" name="Shape 48"/>
         <p:cNvGrpSpPr/>
         <p:nvPr/>
       </p:nvGrpSpPr>
@@ -6452,9 +6640,11 @@
       <p:sp>
         <p:nvSpPr>
           <p:cNvPr id="49" name="Google Shape;49;p10"/>
-          <p:cNvSpPr txBox="1"/>
+          <p:cNvSpPr txBox="1">
+            <a:spLocks noGrp="1"/>
+          </p:cNvSpPr>
           <p:nvPr>
-            <p:ph idx="1" type="body"/>
+            <p:ph type="body" idx="1"/>
           </p:nvPr>
         </p:nvSpPr>
         <p:spPr>
@@ -6467,11 +6657,11 @@
           </a:prstGeom>
         </p:spPr>
         <p:txBody>
-          <a:bodyPr anchorCtr="0" anchor="ctr" bIns="91425" lIns="91425" spcFirstLastPara="1" rIns="91425" wrap="square" tIns="91425">
+          <a:bodyPr spcFirstLastPara="1" wrap="square" lIns="91425" tIns="91425" rIns="91425" bIns="91425" anchor="ctr" anchorCtr="0">
             <a:noAutofit/>
           </a:bodyPr>
           <a:lstStyle>
-            <a:lvl1pPr indent="-228600" lvl="0" marL="457200">
+            <a:lvl1pPr marL="457200" lvl="0" indent="-228600">
               <a:lnSpc>
                 <a:spcPct val="100000"/>
               </a:lnSpc>
@@ -6492,15 +6682,19 @@
               </a:defRPr>
             </a:lvl1pPr>
           </a:lstStyle>
-          <a:p/>
+          <a:p>
+            <a:endParaRPr/>
+          </a:p>
         </p:txBody>
       </p:sp>
       <p:sp>
         <p:nvSpPr>
           <p:cNvPr id="50" name="Google Shape;50;p10"/>
-          <p:cNvSpPr txBox="1"/>
+          <p:cNvSpPr txBox="1">
+            <a:spLocks noGrp="1"/>
+          </p:cNvSpPr>
           <p:nvPr>
-            <p:ph idx="12" type="sldNum"/>
+            <p:ph type="sldNum" idx="12"/>
           </p:nvPr>
         </p:nvSpPr>
         <p:spPr>
@@ -6513,7 +6707,7 @@
           </a:prstGeom>
         </p:spPr>
         <p:txBody>
-          <a:bodyPr anchorCtr="0" anchor="ctr" bIns="91425" lIns="91425" spcFirstLastPara="1" rIns="91425" wrap="square" tIns="91425">
+          <a:bodyPr spcFirstLastPara="1" wrap="square" lIns="91425" tIns="91425" rIns="91425" bIns="91425" anchor="ctr" anchorCtr="0">
             <a:noAutofit/>
           </a:bodyPr>
           <a:lstStyle>
@@ -6555,7 +6749,7 @@
             </a:lvl9pPr>
           </a:lstStyle>
           <a:p>
-            <a:pPr indent="0" lvl="0" marL="0" rtl="0" algn="r">
+            <a:pPr marL="0" lvl="0" indent="0" algn="r" rtl="0">
               <a:spcBef>
                 <a:spcPts val="0"/>
               </a:spcBef>
@@ -6581,18 +6775,19 @@
 </file>
 
 <file path=ppt/slideMasters/slideMaster1.xml><?xml version="1.0" encoding="utf-8"?>
-<p:sldMaster xmlns:a="http://schemas.openxmlformats.org/drawingml/2006/main" xmlns:r="http://schemas.openxmlformats.org/officeDocument/2006/relationships" xmlns:mc="http://schemas.openxmlformats.org/markup-compatibility/2006" xmlns:mv="urn:schemas-microsoft-com:mac:vml" xmlns:p="http://schemas.openxmlformats.org/presentationml/2006/main" xmlns:c="http://schemas.openxmlformats.org/drawingml/2006/chart" xmlns:dgm="http://schemas.openxmlformats.org/drawingml/2006/diagram" xmlns:o="urn:schemas-microsoft-com:office:office" xmlns:v="urn:schemas-microsoft-com:vml" xmlns:pvml="urn:schemas-microsoft-com:office:powerpoint" xmlns:com="http://schemas.openxmlformats.org/drawingml/2006/compatibility" xmlns:p14="http://schemas.microsoft.com/office/powerpoint/2010/main" xmlns:p15="http://schemas.microsoft.com/office/powerpoint/2012/main" xmlns:ahyp="http://schemas.microsoft.com/office/drawing/2018/hyperlinkcolor">
+<p:sldMaster xmlns:a="http://schemas.openxmlformats.org/drawingml/2006/main" xmlns:r="http://schemas.openxmlformats.org/officeDocument/2006/relationships" xmlns:p="http://schemas.openxmlformats.org/presentationml/2006/main">
   <p:cSld name="modern-writer">
     <p:bg>
       <p:bgPr>
         <a:solidFill>
           <a:schemeClr val="lt1"/>
         </a:solidFill>
+        <a:effectLst/>
       </p:bgPr>
     </p:bg>
     <p:spTree>
       <p:nvGrpSpPr>
-        <p:cNvPr id="5" name="Shape 5"/>
+        <p:cNvPr id="1" name="Shape 5"/>
         <p:cNvGrpSpPr/>
         <p:nvPr/>
       </p:nvGrpSpPr>
@@ -6607,7 +6802,9 @@
       <p:sp>
         <p:nvSpPr>
           <p:cNvPr id="6" name="Google Shape;6;p1"/>
-          <p:cNvSpPr txBox="1"/>
+          <p:cNvSpPr txBox="1">
+            <a:spLocks noGrp="1"/>
+          </p:cNvSpPr>
           <p:nvPr>
             <p:ph type="title"/>
           </p:nvPr>
@@ -6626,7 +6823,7 @@
           </a:ln>
         </p:spPr>
         <p:txBody>
-          <a:bodyPr anchorCtr="0" anchor="b" bIns="91425" lIns="91425" spcFirstLastPara="1" rIns="91425" wrap="square" tIns="91425">
+          <a:bodyPr spcFirstLastPara="1" wrap="square" lIns="91425" tIns="91425" rIns="91425" bIns="91425" anchor="b" anchorCtr="0">
             <a:noAutofit/>
           </a:bodyPr>
           <a:lstStyle>
@@ -6838,15 +7035,19 @@
               </a:defRPr>
             </a:lvl9pPr>
           </a:lstStyle>
-          <a:p/>
+          <a:p>
+            <a:endParaRPr/>
+          </a:p>
         </p:txBody>
       </p:sp>
       <p:sp>
         <p:nvSpPr>
           <p:cNvPr id="7" name="Google Shape;7;p1"/>
-          <p:cNvSpPr txBox="1"/>
+          <p:cNvSpPr txBox="1">
+            <a:spLocks noGrp="1"/>
+          </p:cNvSpPr>
           <p:nvPr>
-            <p:ph idx="1" type="body"/>
+            <p:ph type="body" idx="1"/>
           </p:nvPr>
         </p:nvSpPr>
         <p:spPr>
@@ -6863,11 +7064,11 @@
           </a:ln>
         </p:spPr>
         <p:txBody>
-          <a:bodyPr anchorCtr="0" anchor="t" bIns="91425" lIns="91425" spcFirstLastPara="1" rIns="91425" wrap="square" tIns="91425">
+          <a:bodyPr spcFirstLastPara="1" wrap="square" lIns="91425" tIns="91425" rIns="91425" bIns="91425" anchor="t" anchorCtr="0">
             <a:noAutofit/>
           </a:bodyPr>
           <a:lstStyle>
-            <a:lvl1pPr indent="-342900" lvl="0" marL="457200">
+            <a:lvl1pPr marL="457200" lvl="0" indent="-342900">
               <a:lnSpc>
                 <a:spcPct val="115000"/>
               </a:lnSpc>
@@ -6893,7 +7094,7 @@
                 <a:sym typeface="Source Code Pro"/>
               </a:defRPr>
             </a:lvl1pPr>
-            <a:lvl2pPr indent="-317500" lvl="1" marL="914400">
+            <a:lvl2pPr marL="914400" lvl="1" indent="-317500">
               <a:lnSpc>
                 <a:spcPct val="115000"/>
               </a:lnSpc>
@@ -6919,7 +7120,7 @@
                 <a:sym typeface="Source Code Pro"/>
               </a:defRPr>
             </a:lvl2pPr>
-            <a:lvl3pPr indent="-317500" lvl="2" marL="1371600">
+            <a:lvl3pPr marL="1371600" lvl="2" indent="-317500">
               <a:lnSpc>
                 <a:spcPct val="115000"/>
               </a:lnSpc>
@@ -6945,7 +7146,7 @@
                 <a:sym typeface="Source Code Pro"/>
               </a:defRPr>
             </a:lvl3pPr>
-            <a:lvl4pPr indent="-317500" lvl="3" marL="1828800">
+            <a:lvl4pPr marL="1828800" lvl="3" indent="-317500">
               <a:lnSpc>
                 <a:spcPct val="115000"/>
               </a:lnSpc>
@@ -6971,7 +7172,7 @@
                 <a:sym typeface="Source Code Pro"/>
               </a:defRPr>
             </a:lvl4pPr>
-            <a:lvl5pPr indent="-317500" lvl="4" marL="2286000">
+            <a:lvl5pPr marL="2286000" lvl="4" indent="-317500">
               <a:lnSpc>
                 <a:spcPct val="115000"/>
               </a:lnSpc>
@@ -6997,7 +7198,7 @@
                 <a:sym typeface="Source Code Pro"/>
               </a:defRPr>
             </a:lvl5pPr>
-            <a:lvl6pPr indent="-317500" lvl="5" marL="2743200">
+            <a:lvl6pPr marL="2743200" lvl="5" indent="-317500">
               <a:lnSpc>
                 <a:spcPct val="115000"/>
               </a:lnSpc>
@@ -7023,7 +7224,7 @@
                 <a:sym typeface="Source Code Pro"/>
               </a:defRPr>
             </a:lvl6pPr>
-            <a:lvl7pPr indent="-317500" lvl="6" marL="3200400">
+            <a:lvl7pPr marL="3200400" lvl="6" indent="-317500">
               <a:lnSpc>
                 <a:spcPct val="115000"/>
               </a:lnSpc>
@@ -7049,7 +7250,7 @@
                 <a:sym typeface="Source Code Pro"/>
               </a:defRPr>
             </a:lvl7pPr>
-            <a:lvl8pPr indent="-317500" lvl="7" marL="3657600">
+            <a:lvl8pPr marL="3657600" lvl="7" indent="-317500">
               <a:lnSpc>
                 <a:spcPct val="115000"/>
               </a:lnSpc>
@@ -7075,7 +7276,7 @@
                 <a:sym typeface="Source Code Pro"/>
               </a:defRPr>
             </a:lvl8pPr>
-            <a:lvl9pPr indent="-317500" lvl="8" marL="4114800">
+            <a:lvl9pPr marL="4114800" lvl="8" indent="-317500">
               <a:lnSpc>
                 <a:spcPct val="115000"/>
               </a:lnSpc>
@@ -7102,15 +7303,19 @@
               </a:defRPr>
             </a:lvl9pPr>
           </a:lstStyle>
-          <a:p/>
+          <a:p>
+            <a:endParaRPr/>
+          </a:p>
         </p:txBody>
       </p:sp>
       <p:sp>
         <p:nvSpPr>
           <p:cNvPr id="8" name="Google Shape;8;p1"/>
-          <p:cNvSpPr txBox="1"/>
+          <p:cNvSpPr txBox="1">
+            <a:spLocks noGrp="1"/>
+          </p:cNvSpPr>
           <p:nvPr>
-            <p:ph idx="12" type="sldNum"/>
+            <p:ph type="sldNum" idx="12"/>
           </p:nvPr>
         </p:nvSpPr>
         <p:spPr>
@@ -7127,7 +7332,7 @@
           </a:ln>
         </p:spPr>
         <p:txBody>
-          <a:bodyPr anchorCtr="0" anchor="ctr" bIns="91425" lIns="91425" spcFirstLastPara="1" rIns="91425" wrap="square" tIns="91425">
+          <a:bodyPr spcFirstLastPara="1" wrap="square" lIns="91425" tIns="91425" rIns="91425" bIns="91425" anchor="ctr" anchorCtr="0">
             <a:noAutofit/>
           </a:bodyPr>
           <a:lstStyle>
@@ -7241,7 +7446,7 @@
             </a:lvl9pPr>
           </a:lstStyle>
           <a:p>
-            <a:pPr indent="0" lvl="0" marL="0" rtl="0" algn="r">
+            <a:pPr marL="0" lvl="0" indent="0" algn="r" rtl="0">
               <a:spcBef>
                 <a:spcPts val="0"/>
               </a:spcBef>
@@ -7260,7 +7465,7 @@
       </p:sp>
     </p:spTree>
   </p:cSld>
-  <p:clrMap accent1="accent1" accent2="accent2" accent3="accent3" accent4="accent4" accent5="accent5" accent6="accent6" bg1="lt1" bg2="dk2" tx1="dk1" tx2="lt2" folHlink="folHlink" hlink="hlink"/>
+  <p:clrMap bg1="lt1" tx1="dk1" bg2="dk2" tx2="lt2" accent1="accent1" accent2="accent2" accent3="accent3" accent4="accent4" accent5="accent5" accent6="accent6" hlink="hlink" folHlink="folHlink"/>
   <p:sldLayoutIdLst>
     <p:sldLayoutId id="2147483648" r:id="rId1"/>
     <p:sldLayoutId id="2147483649" r:id="rId2"/>
@@ -7274,10 +7479,10 @@
     <p:sldLayoutId id="2147483657" r:id="rId10"/>
     <p:sldLayoutId id="2147483658" r:id="rId11"/>
   </p:sldLayoutIdLst>
-  <p:hf dt="0" ftr="0" hdr="0" sldNum="0"/>
+  <p:hf sldNum="0" hdr="0" ftr="0" dt="0"/>
   <p:txStyles>
     <p:titleStyle>
-      <a:defPPr lvl="0" marR="0" rtl="0" algn="l">
+      <a:defPPr marR="0" lvl="0" algn="l" rtl="0">
         <a:lnSpc>
           <a:spcPct val="100000"/>
         </a:lnSpc>
@@ -7288,7 +7493,7 @@
           <a:spcPts val="0"/>
         </a:spcAft>
       </a:defPPr>
-      <a:lvl1pPr lvl="0" marR="0" rtl="0" algn="l">
+      <a:lvl1pPr marR="0" lvl="0" algn="l" rtl="0">
         <a:lnSpc>
           <a:spcPct val="100000"/>
         </a:lnSpc>
@@ -7302,7 +7507,7 @@
           <a:srgbClr val="000000"/>
         </a:buClr>
         <a:buFont typeface="Arial"/>
-        <a:defRPr b="0" i="0" sz="1400" u="none" cap="none" strike="noStrike">
+        <a:defRPr sz="1400" b="0" i="0" u="none" strike="noStrike" cap="none">
           <a:solidFill>
             <a:srgbClr val="000000"/>
           </a:solidFill>
@@ -7312,7 +7517,7 @@
           <a:sym typeface="Arial"/>
         </a:defRPr>
       </a:lvl1pPr>
-      <a:lvl2pPr lvl="1" marR="0" rtl="0" algn="l">
+      <a:lvl2pPr marR="0" lvl="1" algn="l" rtl="0">
         <a:lnSpc>
           <a:spcPct val="100000"/>
         </a:lnSpc>
@@ -7326,7 +7531,7 @@
           <a:srgbClr val="000000"/>
         </a:buClr>
         <a:buFont typeface="Arial"/>
-        <a:defRPr b="0" i="0" sz="1400" u="none" cap="none" strike="noStrike">
+        <a:defRPr sz="1400" b="0" i="0" u="none" strike="noStrike" cap="none">
           <a:solidFill>
             <a:srgbClr val="000000"/>
           </a:solidFill>
@@ -7336,7 +7541,7 @@
           <a:sym typeface="Arial"/>
         </a:defRPr>
       </a:lvl2pPr>
-      <a:lvl3pPr lvl="2" marR="0" rtl="0" algn="l">
+      <a:lvl3pPr marR="0" lvl="2" algn="l" rtl="0">
         <a:lnSpc>
           <a:spcPct val="100000"/>
         </a:lnSpc>
@@ -7350,7 +7555,7 @@
           <a:srgbClr val="000000"/>
         </a:buClr>
         <a:buFont typeface="Arial"/>
-        <a:defRPr b="0" i="0" sz="1400" u="none" cap="none" strike="noStrike">
+        <a:defRPr sz="1400" b="0" i="0" u="none" strike="noStrike" cap="none">
           <a:solidFill>
             <a:srgbClr val="000000"/>
           </a:solidFill>
@@ -7360,7 +7565,7 @@
           <a:sym typeface="Arial"/>
         </a:defRPr>
       </a:lvl3pPr>
-      <a:lvl4pPr lvl="3" marR="0" rtl="0" algn="l">
+      <a:lvl4pPr marR="0" lvl="3" algn="l" rtl="0">
         <a:lnSpc>
           <a:spcPct val="100000"/>
         </a:lnSpc>
@@ -7374,7 +7579,7 @@
           <a:srgbClr val="000000"/>
         </a:buClr>
         <a:buFont typeface="Arial"/>
-        <a:defRPr b="0" i="0" sz="1400" u="none" cap="none" strike="noStrike">
+        <a:defRPr sz="1400" b="0" i="0" u="none" strike="noStrike" cap="none">
           <a:solidFill>
             <a:srgbClr val="000000"/>
           </a:solidFill>
@@ -7384,7 +7589,7 @@
           <a:sym typeface="Arial"/>
         </a:defRPr>
       </a:lvl4pPr>
-      <a:lvl5pPr lvl="4" marR="0" rtl="0" algn="l">
+      <a:lvl5pPr marR="0" lvl="4" algn="l" rtl="0">
         <a:lnSpc>
           <a:spcPct val="100000"/>
         </a:lnSpc>
@@ -7398,7 +7603,7 @@
           <a:srgbClr val="000000"/>
         </a:buClr>
         <a:buFont typeface="Arial"/>
-        <a:defRPr b="0" i="0" sz="1400" u="none" cap="none" strike="noStrike">
+        <a:defRPr sz="1400" b="0" i="0" u="none" strike="noStrike" cap="none">
           <a:solidFill>
             <a:srgbClr val="000000"/>
           </a:solidFill>
@@ -7408,7 +7613,7 @@
           <a:sym typeface="Arial"/>
         </a:defRPr>
       </a:lvl5pPr>
-      <a:lvl6pPr lvl="5" marR="0" rtl="0" algn="l">
+      <a:lvl6pPr marR="0" lvl="5" algn="l" rtl="0">
         <a:lnSpc>
           <a:spcPct val="100000"/>
         </a:lnSpc>
@@ -7422,7 +7627,7 @@
           <a:srgbClr val="000000"/>
         </a:buClr>
         <a:buFont typeface="Arial"/>
-        <a:defRPr b="0" i="0" sz="1400" u="none" cap="none" strike="noStrike">
+        <a:defRPr sz="1400" b="0" i="0" u="none" strike="noStrike" cap="none">
           <a:solidFill>
             <a:srgbClr val="000000"/>
           </a:solidFill>
@@ -7432,7 +7637,7 @@
           <a:sym typeface="Arial"/>
         </a:defRPr>
       </a:lvl6pPr>
-      <a:lvl7pPr lvl="6" marR="0" rtl="0" algn="l">
+      <a:lvl7pPr marR="0" lvl="6" algn="l" rtl="0">
         <a:lnSpc>
           <a:spcPct val="100000"/>
         </a:lnSpc>
@@ -7446,7 +7651,7 @@
           <a:srgbClr val="000000"/>
         </a:buClr>
         <a:buFont typeface="Arial"/>
-        <a:defRPr b="0" i="0" sz="1400" u="none" cap="none" strike="noStrike">
+        <a:defRPr sz="1400" b="0" i="0" u="none" strike="noStrike" cap="none">
           <a:solidFill>
             <a:srgbClr val="000000"/>
           </a:solidFill>
@@ -7456,7 +7661,7 @@
           <a:sym typeface="Arial"/>
         </a:defRPr>
       </a:lvl7pPr>
-      <a:lvl8pPr lvl="7" marR="0" rtl="0" algn="l">
+      <a:lvl8pPr marR="0" lvl="7" algn="l" rtl="0">
         <a:lnSpc>
           <a:spcPct val="100000"/>
         </a:lnSpc>
@@ -7470,7 +7675,7 @@
           <a:srgbClr val="000000"/>
         </a:buClr>
         <a:buFont typeface="Arial"/>
-        <a:defRPr b="0" i="0" sz="1400" u="none" cap="none" strike="noStrike">
+        <a:defRPr sz="1400" b="0" i="0" u="none" strike="noStrike" cap="none">
           <a:solidFill>
             <a:srgbClr val="000000"/>
           </a:solidFill>
@@ -7480,7 +7685,7 @@
           <a:sym typeface="Arial"/>
         </a:defRPr>
       </a:lvl8pPr>
-      <a:lvl9pPr lvl="8" marR="0" rtl="0" algn="l">
+      <a:lvl9pPr marR="0" lvl="8" algn="l" rtl="0">
         <a:lnSpc>
           <a:spcPct val="100000"/>
         </a:lnSpc>
@@ -7494,7 +7699,7 @@
           <a:srgbClr val="000000"/>
         </a:buClr>
         <a:buFont typeface="Arial"/>
-        <a:defRPr b="0" i="0" sz="1400" u="none" cap="none" strike="noStrike">
+        <a:defRPr sz="1400" b="0" i="0" u="none" strike="noStrike" cap="none">
           <a:solidFill>
             <a:srgbClr val="000000"/>
           </a:solidFill>
@@ -7506,7 +7711,7 @@
       </a:lvl9pPr>
     </p:titleStyle>
     <p:bodyStyle>
-      <a:defPPr lvl="0" marR="0" rtl="0" algn="l">
+      <a:defPPr marR="0" lvl="0" algn="l" rtl="0">
         <a:lnSpc>
           <a:spcPct val="100000"/>
         </a:lnSpc>
@@ -7517,7 +7722,7 @@
           <a:spcPts val="0"/>
         </a:spcAft>
       </a:defPPr>
-      <a:lvl1pPr lvl="0" marR="0" rtl="0" algn="l">
+      <a:lvl1pPr marR="0" lvl="0" algn="l" rtl="0">
         <a:lnSpc>
           <a:spcPct val="100000"/>
         </a:lnSpc>
@@ -7531,7 +7736,7 @@
           <a:srgbClr val="000000"/>
         </a:buClr>
         <a:buFont typeface="Arial"/>
-        <a:defRPr b="0" i="0" sz="1400" u="none" cap="none" strike="noStrike">
+        <a:defRPr sz="1400" b="0" i="0" u="none" strike="noStrike" cap="none">
           <a:solidFill>
             <a:srgbClr val="000000"/>
           </a:solidFill>
@@ -7541,7 +7746,7 @@
           <a:sym typeface="Arial"/>
         </a:defRPr>
       </a:lvl1pPr>
-      <a:lvl2pPr lvl="1" marR="0" rtl="0" algn="l">
+      <a:lvl2pPr marR="0" lvl="1" algn="l" rtl="0">
         <a:lnSpc>
           <a:spcPct val="100000"/>
         </a:lnSpc>
@@ -7555,7 +7760,7 @@
           <a:srgbClr val="000000"/>
         </a:buClr>
         <a:buFont typeface="Arial"/>
-        <a:defRPr b="0" i="0" sz="1400" u="none" cap="none" strike="noStrike">
+        <a:defRPr sz="1400" b="0" i="0" u="none" strike="noStrike" cap="none">
           <a:solidFill>
             <a:srgbClr val="000000"/>
           </a:solidFill>
@@ -7565,7 +7770,7 @@
           <a:sym typeface="Arial"/>
         </a:defRPr>
       </a:lvl2pPr>
-      <a:lvl3pPr lvl="2" marR="0" rtl="0" algn="l">
+      <a:lvl3pPr marR="0" lvl="2" algn="l" rtl="0">
         <a:lnSpc>
           <a:spcPct val="100000"/>
         </a:lnSpc>
@@ -7579,7 +7784,7 @@
           <a:srgbClr val="000000"/>
         </a:buClr>
         <a:buFont typeface="Arial"/>
-        <a:defRPr b="0" i="0" sz="1400" u="none" cap="none" strike="noStrike">
+        <a:defRPr sz="1400" b="0" i="0" u="none" strike="noStrike" cap="none">
           <a:solidFill>
             <a:srgbClr val="000000"/>
           </a:solidFill>
@@ -7589,7 +7794,7 @@
           <a:sym typeface="Arial"/>
         </a:defRPr>
       </a:lvl3pPr>
-      <a:lvl4pPr lvl="3" marR="0" rtl="0" algn="l">
+      <a:lvl4pPr marR="0" lvl="3" algn="l" rtl="0">
         <a:lnSpc>
           <a:spcPct val="100000"/>
         </a:lnSpc>
@@ -7603,7 +7808,7 @@
           <a:srgbClr val="000000"/>
         </a:buClr>
         <a:buFont typeface="Arial"/>
-        <a:defRPr b="0" i="0" sz="1400" u="none" cap="none" strike="noStrike">
+        <a:defRPr sz="1400" b="0" i="0" u="none" strike="noStrike" cap="none">
           <a:solidFill>
             <a:srgbClr val="000000"/>
           </a:solidFill>
@@ -7613,7 +7818,7 @@
           <a:sym typeface="Arial"/>
         </a:defRPr>
       </a:lvl4pPr>
-      <a:lvl5pPr lvl="4" marR="0" rtl="0" algn="l">
+      <a:lvl5pPr marR="0" lvl="4" algn="l" rtl="0">
         <a:lnSpc>
           <a:spcPct val="100000"/>
         </a:lnSpc>
@@ -7627,7 +7832,7 @@
           <a:srgbClr val="000000"/>
         </a:buClr>
         <a:buFont typeface="Arial"/>
-        <a:defRPr b="0" i="0" sz="1400" u="none" cap="none" strike="noStrike">
+        <a:defRPr sz="1400" b="0" i="0" u="none" strike="noStrike" cap="none">
           <a:solidFill>
             <a:srgbClr val="000000"/>
           </a:solidFill>
@@ -7637,7 +7842,7 @@
           <a:sym typeface="Arial"/>
         </a:defRPr>
       </a:lvl5pPr>
-      <a:lvl6pPr lvl="5" marR="0" rtl="0" algn="l">
+      <a:lvl6pPr marR="0" lvl="5" algn="l" rtl="0">
         <a:lnSpc>
           <a:spcPct val="100000"/>
         </a:lnSpc>
@@ -7651,7 +7856,7 @@
           <a:srgbClr val="000000"/>
         </a:buClr>
         <a:buFont typeface="Arial"/>
-        <a:defRPr b="0" i="0" sz="1400" u="none" cap="none" strike="noStrike">
+        <a:defRPr sz="1400" b="0" i="0" u="none" strike="noStrike" cap="none">
           <a:solidFill>
             <a:srgbClr val="000000"/>
           </a:solidFill>
@@ -7661,7 +7866,7 @@
           <a:sym typeface="Arial"/>
         </a:defRPr>
       </a:lvl6pPr>
-      <a:lvl7pPr lvl="6" marR="0" rtl="0" algn="l">
+      <a:lvl7pPr marR="0" lvl="6" algn="l" rtl="0">
         <a:lnSpc>
           <a:spcPct val="100000"/>
         </a:lnSpc>
@@ -7675,7 +7880,7 @@
           <a:srgbClr val="000000"/>
         </a:buClr>
         <a:buFont typeface="Arial"/>
-        <a:defRPr b="0" i="0" sz="1400" u="none" cap="none" strike="noStrike">
+        <a:defRPr sz="1400" b="0" i="0" u="none" strike="noStrike" cap="none">
           <a:solidFill>
             <a:srgbClr val="000000"/>
           </a:solidFill>
@@ -7685,7 +7890,7 @@
           <a:sym typeface="Arial"/>
         </a:defRPr>
       </a:lvl7pPr>
-      <a:lvl8pPr lvl="7" marR="0" rtl="0" algn="l">
+      <a:lvl8pPr marR="0" lvl="7" algn="l" rtl="0">
         <a:lnSpc>
           <a:spcPct val="100000"/>
         </a:lnSpc>
@@ -7699,7 +7904,7 @@
           <a:srgbClr val="000000"/>
         </a:buClr>
         <a:buFont typeface="Arial"/>
-        <a:defRPr b="0" i="0" sz="1400" u="none" cap="none" strike="noStrike">
+        <a:defRPr sz="1400" b="0" i="0" u="none" strike="noStrike" cap="none">
           <a:solidFill>
             <a:srgbClr val="000000"/>
           </a:solidFill>
@@ -7709,7 +7914,7 @@
           <a:sym typeface="Arial"/>
         </a:defRPr>
       </a:lvl8pPr>
-      <a:lvl9pPr lvl="8" marR="0" rtl="0" algn="l">
+      <a:lvl9pPr marR="0" lvl="8" algn="l" rtl="0">
         <a:lnSpc>
           <a:spcPct val="100000"/>
         </a:lnSpc>
@@ -7723,7 +7928,7 @@
           <a:srgbClr val="000000"/>
         </a:buClr>
         <a:buFont typeface="Arial"/>
-        <a:defRPr b="0" i="0" sz="1400" u="none" cap="none" strike="noStrike">
+        <a:defRPr sz="1400" b="0" i="0" u="none" strike="noStrike" cap="none">
           <a:solidFill>
             <a:srgbClr val="000000"/>
           </a:solidFill>
@@ -7735,7 +7940,7 @@
       </a:lvl9pPr>
     </p:bodyStyle>
     <p:otherStyle>
-      <a:defPPr lvl="0" marR="0" rtl="0" algn="l">
+      <a:defPPr marR="0" lvl="0" algn="l" rtl="0">
         <a:lnSpc>
           <a:spcPct val="100000"/>
         </a:lnSpc>
@@ -7746,7 +7951,7 @@
           <a:spcPts val="0"/>
         </a:spcAft>
       </a:defPPr>
-      <a:lvl1pPr lvl="0" marR="0" rtl="0" algn="l">
+      <a:lvl1pPr marR="0" lvl="0" algn="l" rtl="0">
         <a:lnSpc>
           <a:spcPct val="100000"/>
         </a:lnSpc>
@@ -7760,7 +7965,7 @@
           <a:srgbClr val="000000"/>
         </a:buClr>
         <a:buFont typeface="Arial"/>
-        <a:defRPr b="0" i="0" sz="1400" u="none" cap="none" strike="noStrike">
+        <a:defRPr sz="1400" b="0" i="0" u="none" strike="noStrike" cap="none">
           <a:solidFill>
             <a:srgbClr val="000000"/>
           </a:solidFill>
@@ -7770,7 +7975,7 @@
           <a:sym typeface="Arial"/>
         </a:defRPr>
       </a:lvl1pPr>
-      <a:lvl2pPr lvl="1" marR="0" rtl="0" algn="l">
+      <a:lvl2pPr marR="0" lvl="1" algn="l" rtl="0">
         <a:lnSpc>
           <a:spcPct val="100000"/>
         </a:lnSpc>
@@ -7784,7 +7989,7 @@
           <a:srgbClr val="000000"/>
         </a:buClr>
         <a:buFont typeface="Arial"/>
-        <a:defRPr b="0" i="0" sz="1400" u="none" cap="none" strike="noStrike">
+        <a:defRPr sz="1400" b="0" i="0" u="none" strike="noStrike" cap="none">
           <a:solidFill>
             <a:srgbClr val="000000"/>
           </a:solidFill>
@@ -7794,7 +7999,7 @@
           <a:sym typeface="Arial"/>
         </a:defRPr>
       </a:lvl2pPr>
-      <a:lvl3pPr lvl="2" marR="0" rtl="0" algn="l">
+      <a:lvl3pPr marR="0" lvl="2" algn="l" rtl="0">
         <a:lnSpc>
           <a:spcPct val="100000"/>
         </a:lnSpc>
@@ -7808,7 +8013,7 @@
           <a:srgbClr val="000000"/>
         </a:buClr>
         <a:buFont typeface="Arial"/>
-        <a:defRPr b="0" i="0" sz="1400" u="none" cap="none" strike="noStrike">
+        <a:defRPr sz="1400" b="0" i="0" u="none" strike="noStrike" cap="none">
           <a:solidFill>
             <a:srgbClr val="000000"/>
           </a:solidFill>
@@ -7818,7 +8023,7 @@
           <a:sym typeface="Arial"/>
         </a:defRPr>
       </a:lvl3pPr>
-      <a:lvl4pPr lvl="3" marR="0" rtl="0" algn="l">
+      <a:lvl4pPr marR="0" lvl="3" algn="l" rtl="0">
         <a:lnSpc>
           <a:spcPct val="100000"/>
         </a:lnSpc>
@@ -7832,7 +8037,7 @@
           <a:srgbClr val="000000"/>
         </a:buClr>
         <a:buFont typeface="Arial"/>
-        <a:defRPr b="0" i="0" sz="1400" u="none" cap="none" strike="noStrike">
+        <a:defRPr sz="1400" b="0" i="0" u="none" strike="noStrike" cap="none">
           <a:solidFill>
             <a:srgbClr val="000000"/>
           </a:solidFill>
@@ -7842,7 +8047,7 @@
           <a:sym typeface="Arial"/>
         </a:defRPr>
       </a:lvl4pPr>
-      <a:lvl5pPr lvl="4" marR="0" rtl="0" algn="l">
+      <a:lvl5pPr marR="0" lvl="4" algn="l" rtl="0">
         <a:lnSpc>
           <a:spcPct val="100000"/>
         </a:lnSpc>
@@ -7856,7 +8061,7 @@
           <a:srgbClr val="000000"/>
         </a:buClr>
         <a:buFont typeface="Arial"/>
-        <a:defRPr b="0" i="0" sz="1400" u="none" cap="none" strike="noStrike">
+        <a:defRPr sz="1400" b="0" i="0" u="none" strike="noStrike" cap="none">
           <a:solidFill>
             <a:srgbClr val="000000"/>
           </a:solidFill>
@@ -7866,7 +8071,7 @@
           <a:sym typeface="Arial"/>
         </a:defRPr>
       </a:lvl5pPr>
-      <a:lvl6pPr lvl="5" marR="0" rtl="0" algn="l">
+      <a:lvl6pPr marR="0" lvl="5" algn="l" rtl="0">
         <a:lnSpc>
           <a:spcPct val="100000"/>
         </a:lnSpc>
@@ -7880,7 +8085,7 @@
           <a:srgbClr val="000000"/>
         </a:buClr>
         <a:buFont typeface="Arial"/>
-        <a:defRPr b="0" i="0" sz="1400" u="none" cap="none" strike="noStrike">
+        <a:defRPr sz="1400" b="0" i="0" u="none" strike="noStrike" cap="none">
           <a:solidFill>
             <a:srgbClr val="000000"/>
           </a:solidFill>
@@ -7890,7 +8095,7 @@
           <a:sym typeface="Arial"/>
         </a:defRPr>
       </a:lvl6pPr>
-      <a:lvl7pPr lvl="6" marR="0" rtl="0" algn="l">
+      <a:lvl7pPr marR="0" lvl="6" algn="l" rtl="0">
         <a:lnSpc>
           <a:spcPct val="100000"/>
         </a:lnSpc>
@@ -7904,7 +8109,7 @@
           <a:srgbClr val="000000"/>
         </a:buClr>
         <a:buFont typeface="Arial"/>
-        <a:defRPr b="0" i="0" sz="1400" u="none" cap="none" strike="noStrike">
+        <a:defRPr sz="1400" b="0" i="0" u="none" strike="noStrike" cap="none">
           <a:solidFill>
             <a:srgbClr val="000000"/>
           </a:solidFill>
@@ -7914,7 +8119,7 @@
           <a:sym typeface="Arial"/>
         </a:defRPr>
       </a:lvl7pPr>
-      <a:lvl8pPr lvl="7" marR="0" rtl="0" algn="l">
+      <a:lvl8pPr marR="0" lvl="7" algn="l" rtl="0">
         <a:lnSpc>
           <a:spcPct val="100000"/>
         </a:lnSpc>
@@ -7928,7 +8133,7 @@
           <a:srgbClr val="000000"/>
         </a:buClr>
         <a:buFont typeface="Arial"/>
-        <a:defRPr b="0" i="0" sz="1400" u="none" cap="none" strike="noStrike">
+        <a:defRPr sz="1400" b="0" i="0" u="none" strike="noStrike" cap="none">
           <a:solidFill>
             <a:srgbClr val="000000"/>
           </a:solidFill>
@@ -7938,7 +8143,7 @@
           <a:sym typeface="Arial"/>
         </a:defRPr>
       </a:lvl8pPr>
-      <a:lvl9pPr lvl="8" marR="0" rtl="0" algn="l">
+      <a:lvl9pPr marR="0" lvl="8" algn="l" rtl="0">
         <a:lnSpc>
           <a:spcPct val="100000"/>
         </a:lnSpc>
@@ -7952,7 +8157,7 @@
           <a:srgbClr val="000000"/>
         </a:buClr>
         <a:buFont typeface="Arial"/>
-        <a:defRPr b="0" i="0" sz="1400" u="none" cap="none" strike="noStrike">
+        <a:defRPr sz="1400" b="0" i="0" u="none" strike="noStrike" cap="none">
           <a:solidFill>
             <a:srgbClr val="000000"/>
           </a:solidFill>
@@ -7968,11 +8173,11 @@
 </file>
 
 <file path=ppt/slides/slide1.xml><?xml version="1.0" encoding="utf-8"?>
-<p:sld xmlns:a="http://schemas.openxmlformats.org/drawingml/2006/main" xmlns:r="http://schemas.openxmlformats.org/officeDocument/2006/relationships" xmlns:mc="http://schemas.openxmlformats.org/markup-compatibility/2006" xmlns:mv="urn:schemas-microsoft-com:mac:vml" xmlns:p="http://schemas.openxmlformats.org/presentationml/2006/main" xmlns:c="http://schemas.openxmlformats.org/drawingml/2006/chart" xmlns:dgm="http://schemas.openxmlformats.org/drawingml/2006/diagram" xmlns:o="urn:schemas-microsoft-com:office:office" xmlns:v="urn:schemas-microsoft-com:vml" xmlns:pvml="urn:schemas-microsoft-com:office:powerpoint" xmlns:com="http://schemas.openxmlformats.org/drawingml/2006/compatibility" xmlns:p14="http://schemas.microsoft.com/office/powerpoint/2010/main" xmlns:p15="http://schemas.microsoft.com/office/powerpoint/2012/main" xmlns:ahyp="http://schemas.microsoft.com/office/drawing/2018/hyperlinkcolor">
+<p:sld xmlns:a="http://schemas.openxmlformats.org/drawingml/2006/main" xmlns:r="http://schemas.openxmlformats.org/officeDocument/2006/relationships" xmlns:p="http://schemas.openxmlformats.org/presentationml/2006/main">
   <p:cSld>
     <p:spTree>
       <p:nvGrpSpPr>
-        <p:cNvPr id="61" name="Shape 61"/>
+        <p:cNvPr id="1" name="Shape 61"/>
         <p:cNvGrpSpPr/>
         <p:nvPr/>
       </p:nvGrpSpPr>
@@ -7987,7 +8192,9 @@
       <p:sp>
         <p:nvSpPr>
           <p:cNvPr id="62" name="Google Shape;62;p13"/>
-          <p:cNvSpPr txBox="1"/>
+          <p:cNvSpPr txBox="1">
+            <a:spLocks noGrp="1"/>
+          </p:cNvSpPr>
           <p:nvPr>
             <p:ph type="ctrTitle"/>
           </p:nvPr>
@@ -8002,12 +8209,12 @@
           </a:prstGeom>
         </p:spPr>
         <p:txBody>
-          <a:bodyPr anchorCtr="0" anchor="b" bIns="91425" lIns="91425" spcFirstLastPara="1" rIns="91425" wrap="square" tIns="91425">
+          <a:bodyPr spcFirstLastPara="1" wrap="square" lIns="91425" tIns="91425" rIns="91425" bIns="91425" anchor="b" anchorCtr="0">
             <a:noAutofit/>
           </a:bodyPr>
           <a:lstStyle/>
           <a:p>
-            <a:pPr indent="0" lvl="0" marL="0" rtl="0" algn="ctr">
+            <a:pPr marL="0" lvl="0" indent="0" algn="ctr" rtl="0">
               <a:spcBef>
                 <a:spcPts val="0"/>
               </a:spcBef>
@@ -8027,9 +8234,11 @@
       <p:sp>
         <p:nvSpPr>
           <p:cNvPr id="63" name="Google Shape;63;p13"/>
-          <p:cNvSpPr txBox="1"/>
+          <p:cNvSpPr txBox="1">
+            <a:spLocks noGrp="1"/>
+          </p:cNvSpPr>
           <p:nvPr>
-            <p:ph idx="1" type="subTitle"/>
+            <p:ph type="subTitle" idx="1"/>
           </p:nvPr>
         </p:nvSpPr>
         <p:spPr>
@@ -8042,12 +8251,12 @@
           </a:prstGeom>
         </p:spPr>
         <p:txBody>
-          <a:bodyPr anchorCtr="0" anchor="ctr" bIns="91425" lIns="91425" spcFirstLastPara="1" rIns="91425" wrap="square" tIns="91425">
+          <a:bodyPr spcFirstLastPara="1" wrap="square" lIns="91425" tIns="91425" rIns="91425" bIns="91425" anchor="ctr" anchorCtr="0">
             <a:noAutofit/>
           </a:bodyPr>
           <a:lstStyle/>
           <a:p>
-            <a:pPr indent="0" lvl="0" marL="0" rtl="0" algn="ctr">
+            <a:pPr marL="0" lvl="0" indent="0" algn="ctr" rtl="0">
               <a:spcBef>
                 <a:spcPts val="0"/>
               </a:spcBef>
@@ -8073,11 +8282,11 @@
 </file>
 
 <file path=ppt/slides/slide10.xml><?xml version="1.0" encoding="utf-8"?>
-<p:sld xmlns:a="http://schemas.openxmlformats.org/drawingml/2006/main" xmlns:r="http://schemas.openxmlformats.org/officeDocument/2006/relationships" xmlns:mc="http://schemas.openxmlformats.org/markup-compatibility/2006" xmlns:mv="urn:schemas-microsoft-com:mac:vml" xmlns:p="http://schemas.openxmlformats.org/presentationml/2006/main" xmlns:c="http://schemas.openxmlformats.org/drawingml/2006/chart" xmlns:dgm="http://schemas.openxmlformats.org/drawingml/2006/diagram" xmlns:o="urn:schemas-microsoft-com:office:office" xmlns:v="urn:schemas-microsoft-com:vml" xmlns:pvml="urn:schemas-microsoft-com:office:powerpoint" xmlns:com="http://schemas.openxmlformats.org/drawingml/2006/compatibility" xmlns:p14="http://schemas.microsoft.com/office/powerpoint/2010/main" xmlns:p15="http://schemas.microsoft.com/office/powerpoint/2012/main" xmlns:ahyp="http://schemas.microsoft.com/office/drawing/2018/hyperlinkcolor">
+<p:sld xmlns:a="http://schemas.openxmlformats.org/drawingml/2006/main" xmlns:r="http://schemas.openxmlformats.org/officeDocument/2006/relationships" xmlns:p="http://schemas.openxmlformats.org/presentationml/2006/main">
   <p:cSld>
     <p:spTree>
       <p:nvGrpSpPr>
-        <p:cNvPr id="122" name="Shape 122"/>
+        <p:cNvPr id="1" name="Shape 122"/>
         <p:cNvGrpSpPr/>
         <p:nvPr/>
       </p:nvGrpSpPr>
@@ -8092,7 +8301,9 @@
       <p:sp>
         <p:nvSpPr>
           <p:cNvPr id="123" name="Google Shape;123;p22"/>
-          <p:cNvSpPr txBox="1"/>
+          <p:cNvSpPr txBox="1">
+            <a:spLocks noGrp="1"/>
+          </p:cNvSpPr>
           <p:nvPr>
             <p:ph type="title"/>
           </p:nvPr>
@@ -8107,12 +8318,12 @@
           </a:prstGeom>
         </p:spPr>
         <p:txBody>
-          <a:bodyPr anchorCtr="0" anchor="b" bIns="91425" lIns="91425" spcFirstLastPara="1" rIns="91425" wrap="square" tIns="91425">
+          <a:bodyPr spcFirstLastPara="1" wrap="square" lIns="91425" tIns="91425" rIns="91425" bIns="91425" anchor="b" anchorCtr="0">
             <a:noAutofit/>
           </a:bodyPr>
           <a:lstStyle/>
           <a:p>
-            <a:pPr indent="0" lvl="0" marL="0" rtl="0" algn="ctr">
+            <a:pPr marL="0" lvl="0" indent="0" algn="ctr" rtl="0">
               <a:spcBef>
                 <a:spcPts val="0"/>
               </a:spcBef>
@@ -8132,9 +8343,11 @@
       <p:sp>
         <p:nvSpPr>
           <p:cNvPr id="124" name="Google Shape;124;p22"/>
-          <p:cNvSpPr txBox="1"/>
+          <p:cNvSpPr txBox="1">
+            <a:spLocks noGrp="1"/>
+          </p:cNvSpPr>
           <p:nvPr>
-            <p:ph idx="2" type="body"/>
+            <p:ph type="body" idx="2"/>
           </p:nvPr>
         </p:nvSpPr>
         <p:spPr>
@@ -8147,12 +8360,12 @@
           </a:prstGeom>
         </p:spPr>
         <p:txBody>
-          <a:bodyPr anchorCtr="0" anchor="ctr" bIns="91425" lIns="91425" spcFirstLastPara="1" rIns="91425" wrap="square" tIns="91425">
+          <a:bodyPr spcFirstLastPara="1" wrap="square" lIns="91425" tIns="91425" rIns="91425" bIns="91425" anchor="ctr" anchorCtr="0">
             <a:noAutofit/>
           </a:bodyPr>
           <a:lstStyle/>
           <a:p>
-            <a:pPr indent="-342900" lvl="0" marL="457200" rtl="0" algn="l">
+            <a:pPr marL="457200" lvl="0" indent="-342900" algn="l" rtl="0">
               <a:spcBef>
                 <a:spcPts val="0"/>
               </a:spcBef>
@@ -8192,7 +8405,7 @@
             </a:endParaRPr>
           </a:p>
           <a:p>
-            <a:pPr indent="-342900" lvl="0" marL="457200" rtl="0" algn="l">
+            <a:pPr marL="457200" lvl="0" indent="-342900" algn="l" rtl="0">
               <a:spcBef>
                 <a:spcPts val="0"/>
               </a:spcBef>
@@ -8232,7 +8445,7 @@
             </a:endParaRPr>
           </a:p>
           <a:p>
-            <a:pPr indent="-342900" lvl="0" marL="457200" rtl="0" algn="l">
+            <a:pPr marL="457200" lvl="0" indent="-342900" algn="l" rtl="0">
               <a:spcBef>
                 <a:spcPts val="0"/>
               </a:spcBef>
@@ -8302,7 +8515,7 @@
             </a:endParaRPr>
           </a:p>
           <a:p>
-            <a:pPr indent="-330200" lvl="0" marL="457200" rtl="0" algn="l">
+            <a:pPr marL="457200" lvl="0" indent="-330200" algn="l" rtl="0">
               <a:spcBef>
                 <a:spcPts val="0"/>
               </a:spcBef>
@@ -8349,9 +8562,11 @@
       <p:sp>
         <p:nvSpPr>
           <p:cNvPr id="125" name="Google Shape;125;p22"/>
-          <p:cNvSpPr txBox="1"/>
+          <p:cNvSpPr txBox="1">
+            <a:spLocks noGrp="1"/>
+          </p:cNvSpPr>
           <p:nvPr>
-            <p:ph idx="1" type="subTitle"/>
+            <p:ph type="subTitle" idx="1"/>
           </p:nvPr>
         </p:nvSpPr>
         <p:spPr>
@@ -8364,23 +8579,20 @@
           </a:prstGeom>
         </p:spPr>
         <p:txBody>
-          <a:bodyPr anchorCtr="0" anchor="t" bIns="91425" lIns="91425" spcFirstLastPara="1" rIns="91425" wrap="square" tIns="91425">
+          <a:bodyPr spcFirstLastPara="1" wrap="square" lIns="91425" tIns="91425" rIns="91425" bIns="91425" anchor="t" anchorCtr="0">
             <a:noAutofit/>
           </a:bodyPr>
           <a:lstStyle/>
           <a:p>
-            <a:pPr indent="0" lvl="0" marL="0" rtl="0" algn="ctr">
-              <a:spcBef>
-                <a:spcPts val="0"/>
-              </a:spcBef>
-              <a:spcAft>
-                <a:spcPts val="0"/>
-              </a:spcAft>
-              <a:buNone/>
-            </a:pPr>
-            <a:r>
-              <a:t/>
-            </a:r>
+            <a:pPr marL="0" lvl="0" indent="0" algn="ctr" rtl="0">
+              <a:spcBef>
+                <a:spcPts val="0"/>
+              </a:spcBef>
+              <a:spcAft>
+                <a:spcPts val="0"/>
+              </a:spcAft>
+              <a:buNone/>
+            </a:pPr>
             <a:endParaRPr/>
           </a:p>
         </p:txBody>
@@ -8394,11 +8606,11 @@
 </file>
 
 <file path=ppt/slides/slide11.xml><?xml version="1.0" encoding="utf-8"?>
-<p:sld xmlns:a="http://schemas.openxmlformats.org/drawingml/2006/main" xmlns:r="http://schemas.openxmlformats.org/officeDocument/2006/relationships" xmlns:mc="http://schemas.openxmlformats.org/markup-compatibility/2006" xmlns:mv="urn:schemas-microsoft-com:mac:vml" xmlns:p="http://schemas.openxmlformats.org/presentationml/2006/main" xmlns:c="http://schemas.openxmlformats.org/drawingml/2006/chart" xmlns:dgm="http://schemas.openxmlformats.org/drawingml/2006/diagram" xmlns:o="urn:schemas-microsoft-com:office:office" xmlns:v="urn:schemas-microsoft-com:vml" xmlns:pvml="urn:schemas-microsoft-com:office:powerpoint" xmlns:com="http://schemas.openxmlformats.org/drawingml/2006/compatibility" xmlns:p14="http://schemas.microsoft.com/office/powerpoint/2010/main" xmlns:p15="http://schemas.microsoft.com/office/powerpoint/2012/main" xmlns:ahyp="http://schemas.microsoft.com/office/drawing/2018/hyperlinkcolor">
+<p:sld xmlns:a="http://schemas.openxmlformats.org/drawingml/2006/main" xmlns:r="http://schemas.openxmlformats.org/officeDocument/2006/relationships" xmlns:p="http://schemas.openxmlformats.org/presentationml/2006/main">
   <p:cSld>
     <p:spTree>
       <p:nvGrpSpPr>
-        <p:cNvPr id="129" name="Shape 129"/>
+        <p:cNvPr id="1" name="Shape 129"/>
         <p:cNvGrpSpPr/>
         <p:nvPr/>
       </p:nvGrpSpPr>
@@ -8413,7 +8625,9 @@
       <p:sp>
         <p:nvSpPr>
           <p:cNvPr id="130" name="Google Shape;130;p23"/>
-          <p:cNvSpPr txBox="1"/>
+          <p:cNvSpPr txBox="1">
+            <a:spLocks noGrp="1"/>
+          </p:cNvSpPr>
           <p:nvPr>
             <p:ph type="title"/>
           </p:nvPr>
@@ -8428,12 +8642,12 @@
           </a:prstGeom>
         </p:spPr>
         <p:txBody>
-          <a:bodyPr anchorCtr="0" anchor="b" bIns="91425" lIns="91425" spcFirstLastPara="1" rIns="91425" wrap="square" tIns="91425">
+          <a:bodyPr spcFirstLastPara="1" wrap="square" lIns="91425" tIns="91425" rIns="91425" bIns="91425" anchor="b" anchorCtr="0">
             <a:noAutofit/>
           </a:bodyPr>
           <a:lstStyle/>
           <a:p>
-            <a:pPr indent="0" lvl="0" marL="0" rtl="0" algn="l">
+            <a:pPr marL="0" lvl="0" indent="0" algn="l" rtl="0">
               <a:spcBef>
                 <a:spcPts val="0"/>
               </a:spcBef>
@@ -8453,9 +8667,11 @@
       <p:sp>
         <p:nvSpPr>
           <p:cNvPr id="131" name="Google Shape;131;p23"/>
-          <p:cNvSpPr txBox="1"/>
+          <p:cNvSpPr txBox="1">
+            <a:spLocks noGrp="1"/>
+          </p:cNvSpPr>
           <p:nvPr>
-            <p:ph idx="1" type="body"/>
+            <p:ph type="body" idx="1"/>
           </p:nvPr>
         </p:nvSpPr>
         <p:spPr>
@@ -8468,12 +8684,12 @@
           </a:prstGeom>
         </p:spPr>
         <p:txBody>
-          <a:bodyPr anchorCtr="0" anchor="t" bIns="91425" lIns="91425" spcFirstLastPara="1" rIns="91425" wrap="square" tIns="91425">
+          <a:bodyPr spcFirstLastPara="1" wrap="square" lIns="91425" tIns="91425" rIns="91425" bIns="91425" anchor="t" anchorCtr="0">
             <a:noAutofit/>
           </a:bodyPr>
           <a:lstStyle/>
           <a:p>
-            <a:pPr indent="0" lvl="0" marL="0" rtl="0" algn="l">
+            <a:pPr marL="0" lvl="0" indent="0" algn="l" rtl="0">
               <a:spcBef>
                 <a:spcPts val="0"/>
               </a:spcBef>
@@ -8511,7 +8727,7 @@
             </a:endParaRPr>
           </a:p>
           <a:p>
-            <a:pPr indent="0" lvl="0" marL="0" rtl="0" algn="l">
+            <a:pPr marL="0" lvl="0" indent="0" algn="l" rtl="0">
               <a:spcBef>
                 <a:spcPts val="1600"/>
               </a:spcBef>
@@ -8549,7 +8765,7 @@
             </a:endParaRPr>
           </a:p>
           <a:p>
-            <a:pPr indent="0" lvl="0" marL="0" rtl="0" algn="l">
+            <a:pPr marL="0" lvl="0" indent="0" algn="l" rtl="0">
               <a:spcBef>
                 <a:spcPts val="1600"/>
               </a:spcBef>
@@ -8587,7 +8803,7 @@
             </a:endParaRPr>
           </a:p>
           <a:p>
-            <a:pPr indent="0" lvl="0" marL="0" rtl="0" algn="l">
+            <a:pPr marL="0" lvl="0" indent="0" algn="l" rtl="0">
               <a:spcBef>
                 <a:spcPts val="1600"/>
               </a:spcBef>
@@ -8670,7 +8886,7 @@
             </a:endParaRPr>
           </a:p>
           <a:p>
-            <a:pPr indent="0" lvl="0" marL="0" rtl="0" algn="l">
+            <a:pPr marL="0" lvl="0" indent="0" algn="l" rtl="0">
               <a:spcBef>
                 <a:spcPts val="1600"/>
               </a:spcBef>
@@ -8679,9 +8895,6 @@
               </a:spcAft>
               <a:buNone/>
             </a:pPr>
-            <a:r>
-              <a:t/>
-            </a:r>
             <a:endParaRPr/>
           </a:p>
         </p:txBody>
@@ -8689,9 +8902,11 @@
       <p:sp>
         <p:nvSpPr>
           <p:cNvPr id="132" name="Google Shape;132;p23"/>
-          <p:cNvSpPr txBox="1"/>
+          <p:cNvSpPr txBox="1">
+            <a:spLocks noGrp="1"/>
+          </p:cNvSpPr>
           <p:nvPr>
-            <p:ph idx="2" type="body"/>
+            <p:ph type="body" idx="2"/>
           </p:nvPr>
         </p:nvSpPr>
         <p:spPr>
@@ -8704,12 +8919,12 @@
           </a:prstGeom>
         </p:spPr>
         <p:txBody>
-          <a:bodyPr anchorCtr="0" anchor="t" bIns="91425" lIns="91425" spcFirstLastPara="1" rIns="91425" wrap="square" tIns="91425">
+          <a:bodyPr spcFirstLastPara="1" wrap="square" lIns="91425" tIns="91425" rIns="91425" bIns="91425" anchor="t" anchorCtr="0">
             <a:noAutofit/>
           </a:bodyPr>
           <a:lstStyle/>
           <a:p>
-            <a:pPr indent="0" lvl="0" marL="0" rtl="0" algn="l">
+            <a:pPr marL="0" lvl="0" indent="0" algn="l" rtl="0">
               <a:spcBef>
                 <a:spcPts val="0"/>
               </a:spcBef>
@@ -8718,9 +8933,6 @@
               </a:spcAft>
               <a:buNone/>
             </a:pPr>
-            <a:r>
-              <a:t/>
-            </a:r>
             <a:endParaRPr/>
           </a:p>
         </p:txBody>
@@ -8762,11 +8974,11 @@
 </file>
 
 <file path=ppt/slides/slide12.xml><?xml version="1.0" encoding="utf-8"?>
-<p:sld xmlns:a="http://schemas.openxmlformats.org/drawingml/2006/main" xmlns:r="http://schemas.openxmlformats.org/officeDocument/2006/relationships" xmlns:mc="http://schemas.openxmlformats.org/markup-compatibility/2006" xmlns:mv="urn:schemas-microsoft-com:mac:vml" xmlns:p="http://schemas.openxmlformats.org/presentationml/2006/main" xmlns:c="http://schemas.openxmlformats.org/drawingml/2006/chart" xmlns:dgm="http://schemas.openxmlformats.org/drawingml/2006/diagram" xmlns:o="urn:schemas-microsoft-com:office:office" xmlns:v="urn:schemas-microsoft-com:vml" xmlns:pvml="urn:schemas-microsoft-com:office:powerpoint" xmlns:com="http://schemas.openxmlformats.org/drawingml/2006/compatibility" xmlns:p14="http://schemas.microsoft.com/office/powerpoint/2010/main" xmlns:p15="http://schemas.microsoft.com/office/powerpoint/2012/main" xmlns:ahyp="http://schemas.microsoft.com/office/drawing/2018/hyperlinkcolor">
+<p:sld xmlns:a="http://schemas.openxmlformats.org/drawingml/2006/main" xmlns:r="http://schemas.openxmlformats.org/officeDocument/2006/relationships" xmlns:p="http://schemas.openxmlformats.org/presentationml/2006/main">
   <p:cSld>
     <p:spTree>
       <p:nvGrpSpPr>
-        <p:cNvPr id="137" name="Shape 137"/>
+        <p:cNvPr id="1" name="Shape 137"/>
         <p:cNvGrpSpPr/>
         <p:nvPr/>
       </p:nvGrpSpPr>
@@ -8781,7 +8993,9 @@
       <p:sp>
         <p:nvSpPr>
           <p:cNvPr id="138" name="Google Shape;138;p24"/>
-          <p:cNvSpPr txBox="1"/>
+          <p:cNvSpPr txBox="1">
+            <a:spLocks noGrp="1"/>
+          </p:cNvSpPr>
           <p:nvPr>
             <p:ph type="title"/>
           </p:nvPr>
@@ -8796,12 +9010,12 @@
           </a:prstGeom>
         </p:spPr>
         <p:txBody>
-          <a:bodyPr anchorCtr="0" anchor="b" bIns="91425" lIns="91425" spcFirstLastPara="1" rIns="91425" wrap="square" tIns="91425">
+          <a:bodyPr spcFirstLastPara="1" wrap="square" lIns="91425" tIns="91425" rIns="91425" bIns="91425" anchor="b" anchorCtr="0">
             <a:noAutofit/>
           </a:bodyPr>
           <a:lstStyle/>
           <a:p>
-            <a:pPr indent="0" lvl="0" marL="0" rtl="0" algn="l">
+            <a:pPr marL="0" lvl="0" indent="0" algn="l" rtl="0">
               <a:spcBef>
                 <a:spcPts val="0"/>
               </a:spcBef>
@@ -8821,9 +9035,11 @@
       <p:sp>
         <p:nvSpPr>
           <p:cNvPr id="139" name="Google Shape;139;p24"/>
-          <p:cNvSpPr txBox="1"/>
+          <p:cNvSpPr txBox="1">
+            <a:spLocks noGrp="1"/>
+          </p:cNvSpPr>
           <p:nvPr>
-            <p:ph idx="1" type="body"/>
+            <p:ph type="body" idx="1"/>
           </p:nvPr>
         </p:nvSpPr>
         <p:spPr>
@@ -8836,12 +9052,12 @@
           </a:prstGeom>
         </p:spPr>
         <p:txBody>
-          <a:bodyPr anchorCtr="0" anchor="t" bIns="91425" lIns="91425" spcFirstLastPara="1" rIns="91425" wrap="square" tIns="91425">
+          <a:bodyPr spcFirstLastPara="1" wrap="square" lIns="91425" tIns="91425" rIns="91425" bIns="91425" anchor="t" anchorCtr="0">
             <a:noAutofit/>
           </a:bodyPr>
           <a:lstStyle/>
           <a:p>
-            <a:pPr indent="0" lvl="0" marL="0" marR="0" rtl="0" algn="l">
+            <a:pPr marL="0" marR="0" lvl="0" indent="0" algn="l" rtl="0">
               <a:lnSpc>
                 <a:spcPct val="115000"/>
               </a:lnSpc>
@@ -8854,7 +9070,7 @@
               <a:buNone/>
             </a:pPr>
             <a:r>
-              <a:rPr b="1" lang="en" sz="1600">
+              <a:rPr lang="en" sz="1600" b="1">
                 <a:solidFill>
                   <a:srgbClr val="292929"/>
                 </a:solidFill>
@@ -8897,7 +9113,7 @@
             </a:endParaRPr>
           </a:p>
           <a:p>
-            <a:pPr indent="0" lvl="0" marL="0" marR="0" rtl="0" algn="l">
+            <a:pPr marL="0" marR="0" lvl="0" indent="0" algn="l" rtl="0">
               <a:lnSpc>
                 <a:spcPct val="115000"/>
               </a:lnSpc>
@@ -8910,7 +9126,7 @@
               <a:buNone/>
             </a:pPr>
             <a:r>
-              <a:rPr b="1" lang="en" sz="1600">
+              <a:rPr lang="en" sz="1600" b="1">
                 <a:solidFill>
                   <a:srgbClr val="292929"/>
                 </a:solidFill>
@@ -8953,7 +9169,7 @@
             </a:endParaRPr>
           </a:p>
           <a:p>
-            <a:pPr indent="0" lvl="0" marL="0" marR="0" rtl="0" algn="l">
+            <a:pPr marL="0" marR="0" lvl="0" indent="0" algn="l" rtl="0">
               <a:lnSpc>
                 <a:spcPct val="115000"/>
               </a:lnSpc>
@@ -8966,7 +9182,7 @@
               <a:buNone/>
             </a:pPr>
             <a:r>
-              <a:rPr b="1" lang="en" sz="1600">
+              <a:rPr lang="en" sz="1600" b="1">
                 <a:solidFill>
                   <a:srgbClr val="292929"/>
                 </a:solidFill>
@@ -9009,7 +9225,7 @@
             </a:endParaRPr>
           </a:p>
           <a:p>
-            <a:pPr indent="0" lvl="0" marL="0" marR="0" rtl="0" algn="l">
+            <a:pPr marL="0" marR="0" lvl="0" indent="0" algn="l" rtl="0">
               <a:lnSpc>
                 <a:spcPct val="115000"/>
               </a:lnSpc>
@@ -9022,7 +9238,7 @@
               <a:buNone/>
             </a:pPr>
             <a:r>
-              <a:rPr b="1" lang="en" sz="1600">
+              <a:rPr lang="en" sz="1600" b="1">
                 <a:solidFill>
                   <a:srgbClr val="292929"/>
                 </a:solidFill>
@@ -9080,7 +9296,7 @@
             </a:endParaRPr>
           </a:p>
           <a:p>
-            <a:pPr indent="0" lvl="0" marL="0" marR="0" rtl="0" algn="l">
+            <a:pPr marL="0" marR="0" lvl="0" indent="0" algn="l" rtl="0">
               <a:lnSpc>
                 <a:spcPct val="115000"/>
               </a:lnSpc>
@@ -9092,9 +9308,6 @@
               </a:spcAft>
               <a:buNone/>
             </a:pPr>
-            <a:r>
-              <a:t/>
-            </a:r>
             <a:endParaRPr sz="1600">
               <a:solidFill>
                 <a:srgbClr val="292929"/>
@@ -9119,11 +9332,11 @@
 </file>
 
 <file path=ppt/slides/slide13.xml><?xml version="1.0" encoding="utf-8"?>
-<p:sld xmlns:a="http://schemas.openxmlformats.org/drawingml/2006/main" xmlns:r="http://schemas.openxmlformats.org/officeDocument/2006/relationships" xmlns:mc="http://schemas.openxmlformats.org/markup-compatibility/2006" xmlns:mv="urn:schemas-microsoft-com:mac:vml" xmlns:p="http://schemas.openxmlformats.org/presentationml/2006/main" xmlns:c="http://schemas.openxmlformats.org/drawingml/2006/chart" xmlns:dgm="http://schemas.openxmlformats.org/drawingml/2006/diagram" xmlns:o="urn:schemas-microsoft-com:office:office" xmlns:v="urn:schemas-microsoft-com:vml" xmlns:pvml="urn:schemas-microsoft-com:office:powerpoint" xmlns:com="http://schemas.openxmlformats.org/drawingml/2006/compatibility" xmlns:p14="http://schemas.microsoft.com/office/powerpoint/2010/main" xmlns:p15="http://schemas.microsoft.com/office/powerpoint/2012/main" xmlns:ahyp="http://schemas.microsoft.com/office/drawing/2018/hyperlinkcolor">
+<p:sld xmlns:a="http://schemas.openxmlformats.org/drawingml/2006/main" xmlns:r="http://schemas.openxmlformats.org/officeDocument/2006/relationships" xmlns:p="http://schemas.openxmlformats.org/presentationml/2006/main">
   <p:cSld>
     <p:spTree>
       <p:nvGrpSpPr>
-        <p:cNvPr id="143" name="Shape 143"/>
+        <p:cNvPr id="1" name="Shape 143"/>
         <p:cNvGrpSpPr/>
         <p:nvPr/>
       </p:nvGrpSpPr>
@@ -9138,7 +9351,9 @@
       <p:sp>
         <p:nvSpPr>
           <p:cNvPr id="144" name="Google Shape;144;p25"/>
-          <p:cNvSpPr txBox="1"/>
+          <p:cNvSpPr txBox="1">
+            <a:spLocks noGrp="1"/>
+          </p:cNvSpPr>
           <p:nvPr>
             <p:ph type="title"/>
           </p:nvPr>
@@ -9153,12 +9368,12 @@
           </a:prstGeom>
         </p:spPr>
         <p:txBody>
-          <a:bodyPr anchorCtr="0" anchor="b" bIns="91425" lIns="91425" spcFirstLastPara="1" rIns="91425" wrap="square" tIns="91425">
+          <a:bodyPr spcFirstLastPara="1" wrap="square" lIns="91425" tIns="91425" rIns="91425" bIns="91425" anchor="b" anchorCtr="0">
             <a:noAutofit/>
           </a:bodyPr>
           <a:lstStyle/>
           <a:p>
-            <a:pPr indent="0" lvl="0" marL="0" rtl="0" algn="l">
+            <a:pPr marL="0" lvl="0" indent="0" algn="l" rtl="0">
               <a:spcBef>
                 <a:spcPts val="0"/>
               </a:spcBef>
@@ -9178,9 +9393,11 @@
       <p:sp>
         <p:nvSpPr>
           <p:cNvPr id="145" name="Google Shape;145;p25"/>
-          <p:cNvSpPr txBox="1"/>
+          <p:cNvSpPr txBox="1">
+            <a:spLocks noGrp="1"/>
+          </p:cNvSpPr>
           <p:nvPr>
-            <p:ph idx="1" type="body"/>
+            <p:ph type="body" idx="1"/>
           </p:nvPr>
         </p:nvSpPr>
         <p:spPr>
@@ -9193,12 +9410,12 @@
           </a:prstGeom>
         </p:spPr>
         <p:txBody>
-          <a:bodyPr anchorCtr="0" anchor="t" bIns="91425" lIns="91425" spcFirstLastPara="1" rIns="91425" wrap="square" tIns="91425">
+          <a:bodyPr spcFirstLastPara="1" wrap="square" lIns="91425" tIns="91425" rIns="91425" bIns="91425" anchor="t" anchorCtr="0">
             <a:noAutofit/>
           </a:bodyPr>
           <a:lstStyle/>
           <a:p>
-            <a:pPr indent="0" lvl="0" marL="0" rtl="0" algn="l">
+            <a:pPr marL="0" lvl="0" indent="0" algn="l" rtl="0">
               <a:spcBef>
                 <a:spcPts val="0"/>
               </a:spcBef>
@@ -9207,9 +9424,6 @@
               </a:spcAft>
               <a:buNone/>
             </a:pPr>
-            <a:r>
-              <a:t/>
-            </a:r>
             <a:endParaRPr/>
           </a:p>
         </p:txBody>
@@ -9217,9 +9431,11 @@
       <p:sp>
         <p:nvSpPr>
           <p:cNvPr id="146" name="Google Shape;146;p25"/>
-          <p:cNvSpPr txBox="1"/>
+          <p:cNvSpPr txBox="1">
+            <a:spLocks noGrp="1"/>
+          </p:cNvSpPr>
           <p:nvPr>
-            <p:ph idx="2" type="body"/>
+            <p:ph type="body" idx="2"/>
           </p:nvPr>
         </p:nvSpPr>
         <p:spPr>
@@ -9232,12 +9448,12 @@
           </a:prstGeom>
         </p:spPr>
         <p:txBody>
-          <a:bodyPr anchorCtr="0" anchor="t" bIns="91425" lIns="91425" spcFirstLastPara="1" rIns="91425" wrap="square" tIns="91425">
+          <a:bodyPr spcFirstLastPara="1" wrap="square" lIns="91425" tIns="91425" rIns="91425" bIns="91425" anchor="t" anchorCtr="0">
             <a:noAutofit/>
           </a:bodyPr>
           <a:lstStyle/>
           <a:p>
-            <a:pPr indent="0" lvl="0" marL="0" rtl="0" algn="l">
+            <a:pPr marL="0" lvl="0" indent="0" algn="l" rtl="0">
               <a:spcBef>
                 <a:spcPts val="0"/>
               </a:spcBef>
@@ -9275,7 +9491,7 @@
             </a:endParaRPr>
           </a:p>
           <a:p>
-            <a:pPr indent="0" lvl="0" marL="0" rtl="0" algn="l">
+            <a:pPr marL="0" lvl="0" indent="0" algn="l" rtl="0">
               <a:spcBef>
                 <a:spcPts val="1600"/>
               </a:spcBef>
@@ -9313,7 +9529,7 @@
             </a:endParaRPr>
           </a:p>
           <a:p>
-            <a:pPr indent="0" lvl="0" marL="0" rtl="0" algn="l">
+            <a:pPr marL="0" lvl="0" indent="0" algn="l" rtl="0">
               <a:spcBef>
                 <a:spcPts val="1600"/>
               </a:spcBef>
@@ -9351,7 +9567,7 @@
             </a:endParaRPr>
           </a:p>
           <a:p>
-            <a:pPr indent="0" lvl="0" marL="0" rtl="0" algn="l">
+            <a:pPr marL="0" lvl="0" indent="0" algn="l" rtl="0">
               <a:spcBef>
                 <a:spcPts val="1600"/>
               </a:spcBef>
@@ -9427,11 +9643,11 @@
 </file>
 
 <file path=ppt/slides/slide14.xml><?xml version="1.0" encoding="utf-8"?>
-<p:sld xmlns:a="http://schemas.openxmlformats.org/drawingml/2006/main" xmlns:r="http://schemas.openxmlformats.org/officeDocument/2006/relationships" xmlns:mc="http://schemas.openxmlformats.org/markup-compatibility/2006" xmlns:mv="urn:schemas-microsoft-com:mac:vml" xmlns:p="http://schemas.openxmlformats.org/presentationml/2006/main" xmlns:c="http://schemas.openxmlformats.org/drawingml/2006/chart" xmlns:dgm="http://schemas.openxmlformats.org/drawingml/2006/diagram" xmlns:o="urn:schemas-microsoft-com:office:office" xmlns:v="urn:schemas-microsoft-com:vml" xmlns:pvml="urn:schemas-microsoft-com:office:powerpoint" xmlns:com="http://schemas.openxmlformats.org/drawingml/2006/compatibility" xmlns:p14="http://schemas.microsoft.com/office/powerpoint/2010/main" xmlns:p15="http://schemas.microsoft.com/office/powerpoint/2012/main" xmlns:ahyp="http://schemas.microsoft.com/office/drawing/2018/hyperlinkcolor">
+<p:sld xmlns:a="http://schemas.openxmlformats.org/drawingml/2006/main" xmlns:r="http://schemas.openxmlformats.org/officeDocument/2006/relationships" xmlns:p="http://schemas.openxmlformats.org/presentationml/2006/main">
   <p:cSld>
     <p:spTree>
       <p:nvGrpSpPr>
-        <p:cNvPr id="151" name="Shape 151"/>
+        <p:cNvPr id="1" name="Shape 151"/>
         <p:cNvGrpSpPr/>
         <p:nvPr/>
       </p:nvGrpSpPr>
@@ -9446,7 +9662,9 @@
       <p:sp>
         <p:nvSpPr>
           <p:cNvPr id="152" name="Google Shape;152;p26"/>
-          <p:cNvSpPr txBox="1"/>
+          <p:cNvSpPr txBox="1">
+            <a:spLocks noGrp="1"/>
+          </p:cNvSpPr>
           <p:nvPr>
             <p:ph type="title"/>
           </p:nvPr>
@@ -9461,12 +9679,12 @@
           </a:prstGeom>
         </p:spPr>
         <p:txBody>
-          <a:bodyPr anchorCtr="0" anchor="b" bIns="91425" lIns="91425" spcFirstLastPara="1" rIns="91425" wrap="square" tIns="91425">
+          <a:bodyPr spcFirstLastPara="1" wrap="square" lIns="91425" tIns="91425" rIns="91425" bIns="91425" anchor="b" anchorCtr="0">
             <a:noAutofit/>
           </a:bodyPr>
           <a:lstStyle/>
           <a:p>
-            <a:pPr indent="0" lvl="0" marL="0" rtl="0" algn="l">
+            <a:pPr marL="0" lvl="0" indent="0" algn="l" rtl="0">
               <a:spcBef>
                 <a:spcPts val="0"/>
               </a:spcBef>
@@ -9486,9 +9704,11 @@
       <p:sp>
         <p:nvSpPr>
           <p:cNvPr id="153" name="Google Shape;153;p26"/>
-          <p:cNvSpPr txBox="1"/>
+          <p:cNvSpPr txBox="1">
+            <a:spLocks noGrp="1"/>
+          </p:cNvSpPr>
           <p:nvPr>
-            <p:ph idx="1" type="body"/>
+            <p:ph type="body" idx="1"/>
           </p:nvPr>
         </p:nvSpPr>
         <p:spPr>
@@ -9501,12 +9721,12 @@
           </a:prstGeom>
         </p:spPr>
         <p:txBody>
-          <a:bodyPr anchorCtr="0" anchor="t" bIns="91425" lIns="91425" spcFirstLastPara="1" rIns="91425" wrap="square" tIns="91425">
+          <a:bodyPr spcFirstLastPara="1" wrap="square" lIns="91425" tIns="91425" rIns="91425" bIns="91425" anchor="t" anchorCtr="0">
             <a:noAutofit/>
           </a:bodyPr>
           <a:lstStyle/>
           <a:p>
-            <a:pPr indent="-330200" lvl="0" marL="457200" marR="0" rtl="0" algn="l">
+            <a:pPr marL="457200" marR="0" lvl="0" indent="-330200" algn="l" rtl="0">
               <a:lnSpc>
                 <a:spcPct val="115000"/>
               </a:lnSpc>
@@ -9552,7 +9772,7 @@
             </a:endParaRPr>
           </a:p>
           <a:p>
-            <a:pPr indent="-330200" lvl="0" marL="457200" marR="0" rtl="0" algn="l">
+            <a:pPr marL="457200" marR="0" lvl="0" indent="-330200" algn="l" rtl="0">
               <a:lnSpc>
                 <a:spcPct val="115000"/>
               </a:lnSpc>
@@ -9598,7 +9818,7 @@
             </a:endParaRPr>
           </a:p>
           <a:p>
-            <a:pPr indent="-330200" lvl="0" marL="457200" marR="0" rtl="0" algn="l">
+            <a:pPr marL="457200" marR="0" lvl="0" indent="-330200" algn="l" rtl="0">
               <a:lnSpc>
                 <a:spcPct val="115000"/>
               </a:lnSpc>
@@ -9644,7 +9864,7 @@
             </a:endParaRPr>
           </a:p>
           <a:p>
-            <a:pPr indent="0" lvl="0" marL="457200" marR="0" rtl="0" algn="l">
+            <a:pPr marL="457200" marR="0" lvl="0" indent="0" algn="l" rtl="0">
               <a:lnSpc>
                 <a:spcPct val="115000"/>
               </a:lnSpc>
@@ -9656,9 +9876,6 @@
               </a:spcAft>
               <a:buNone/>
             </a:pPr>
-            <a:r>
-              <a:t/>
-            </a:r>
             <a:endParaRPr sz="1600">
               <a:solidFill>
                 <a:srgbClr val="292929"/>
@@ -9677,9 +9894,11 @@
       <p:sp>
         <p:nvSpPr>
           <p:cNvPr id="154" name="Google Shape;154;p26"/>
-          <p:cNvSpPr txBox="1"/>
+          <p:cNvSpPr txBox="1">
+            <a:spLocks noGrp="1"/>
+          </p:cNvSpPr>
           <p:nvPr>
-            <p:ph idx="2" type="body"/>
+            <p:ph type="body" idx="2"/>
           </p:nvPr>
         </p:nvSpPr>
         <p:spPr>
@@ -9692,12 +9911,12 @@
           </a:prstGeom>
         </p:spPr>
         <p:txBody>
-          <a:bodyPr anchorCtr="0" anchor="t" bIns="91425" lIns="91425" spcFirstLastPara="1" rIns="91425" wrap="square" tIns="91425">
+          <a:bodyPr spcFirstLastPara="1" wrap="square" lIns="91425" tIns="91425" rIns="91425" bIns="91425" anchor="t" anchorCtr="0">
             <a:noAutofit/>
           </a:bodyPr>
           <a:lstStyle/>
           <a:p>
-            <a:pPr indent="0" lvl="0" marL="0" rtl="0" algn="l">
+            <a:pPr marL="0" lvl="0" indent="0" algn="l" rtl="0">
               <a:spcBef>
                 <a:spcPts val="0"/>
               </a:spcBef>
@@ -9706,9 +9925,6 @@
               </a:spcAft>
               <a:buNone/>
             </a:pPr>
-            <a:r>
-              <a:t/>
-            </a:r>
             <a:endParaRPr/>
           </a:p>
         </p:txBody>
@@ -9750,11 +9966,11 @@
 </file>
 
 <file path=ppt/slides/slide15.xml><?xml version="1.0" encoding="utf-8"?>
-<p:sld xmlns:a="http://schemas.openxmlformats.org/drawingml/2006/main" xmlns:r="http://schemas.openxmlformats.org/officeDocument/2006/relationships" xmlns:mc="http://schemas.openxmlformats.org/markup-compatibility/2006" xmlns:mv="urn:schemas-microsoft-com:mac:vml" xmlns:p="http://schemas.openxmlformats.org/presentationml/2006/main" xmlns:c="http://schemas.openxmlformats.org/drawingml/2006/chart" xmlns:dgm="http://schemas.openxmlformats.org/drawingml/2006/diagram" xmlns:o="urn:schemas-microsoft-com:office:office" xmlns:v="urn:schemas-microsoft-com:vml" xmlns:pvml="urn:schemas-microsoft-com:office:powerpoint" xmlns:com="http://schemas.openxmlformats.org/drawingml/2006/compatibility" xmlns:p14="http://schemas.microsoft.com/office/powerpoint/2010/main" xmlns:p15="http://schemas.microsoft.com/office/powerpoint/2012/main" xmlns:ahyp="http://schemas.microsoft.com/office/drawing/2018/hyperlinkcolor">
+<p:sld xmlns:a="http://schemas.openxmlformats.org/drawingml/2006/main" xmlns:r="http://schemas.openxmlformats.org/officeDocument/2006/relationships" xmlns:p="http://schemas.openxmlformats.org/presentationml/2006/main">
   <p:cSld>
     <p:spTree>
       <p:nvGrpSpPr>
-        <p:cNvPr id="159" name="Shape 159"/>
+        <p:cNvPr id="1" name="Shape 159"/>
         <p:cNvGrpSpPr/>
         <p:nvPr/>
       </p:nvGrpSpPr>
@@ -9769,7 +9985,9 @@
       <p:sp>
         <p:nvSpPr>
           <p:cNvPr id="160" name="Google Shape;160;p27"/>
-          <p:cNvSpPr txBox="1"/>
+          <p:cNvSpPr txBox="1">
+            <a:spLocks noGrp="1"/>
+          </p:cNvSpPr>
           <p:nvPr>
             <p:ph type="title"/>
           </p:nvPr>
@@ -9784,12 +10002,12 @@
           </a:prstGeom>
         </p:spPr>
         <p:txBody>
-          <a:bodyPr anchorCtr="0" anchor="ctr" bIns="91425" lIns="91425" spcFirstLastPara="1" rIns="91425" wrap="square" tIns="91425">
+          <a:bodyPr spcFirstLastPara="1" wrap="square" lIns="91425" tIns="91425" rIns="91425" bIns="91425" anchor="ctr" anchorCtr="0">
             <a:noAutofit/>
           </a:bodyPr>
           <a:lstStyle/>
           <a:p>
-            <a:pPr indent="0" lvl="0" marL="0" rtl="0" algn="ctr">
+            <a:pPr marL="0" lvl="0" indent="0" algn="ctr" rtl="0">
               <a:spcBef>
                 <a:spcPts val="0"/>
               </a:spcBef>
@@ -9815,11 +10033,11 @@
 </file>
 
 <file path=ppt/slides/slide16.xml><?xml version="1.0" encoding="utf-8"?>
-<p:sld xmlns:a="http://schemas.openxmlformats.org/drawingml/2006/main" xmlns:r="http://schemas.openxmlformats.org/officeDocument/2006/relationships" xmlns:mc="http://schemas.openxmlformats.org/markup-compatibility/2006" xmlns:mv="urn:schemas-microsoft-com:mac:vml" xmlns:p="http://schemas.openxmlformats.org/presentationml/2006/main" xmlns:c="http://schemas.openxmlformats.org/drawingml/2006/chart" xmlns:dgm="http://schemas.openxmlformats.org/drawingml/2006/diagram" xmlns:o="urn:schemas-microsoft-com:office:office" xmlns:v="urn:schemas-microsoft-com:vml" xmlns:pvml="urn:schemas-microsoft-com:office:powerpoint" xmlns:com="http://schemas.openxmlformats.org/drawingml/2006/compatibility" xmlns:p14="http://schemas.microsoft.com/office/powerpoint/2010/main" xmlns:p15="http://schemas.microsoft.com/office/powerpoint/2012/main" xmlns:ahyp="http://schemas.microsoft.com/office/drawing/2018/hyperlinkcolor">
+<p:sld xmlns:a="http://schemas.openxmlformats.org/drawingml/2006/main" xmlns:r="http://schemas.openxmlformats.org/officeDocument/2006/relationships" xmlns:p="http://schemas.openxmlformats.org/presentationml/2006/main">
   <p:cSld>
     <p:spTree>
       <p:nvGrpSpPr>
-        <p:cNvPr id="164" name="Shape 164"/>
+        <p:cNvPr id="1" name="Shape 164"/>
         <p:cNvGrpSpPr/>
         <p:nvPr/>
       </p:nvGrpSpPr>
@@ -9834,7 +10052,9 @@
       <p:sp>
         <p:nvSpPr>
           <p:cNvPr id="165" name="Google Shape;165;p28"/>
-          <p:cNvSpPr txBox="1"/>
+          <p:cNvSpPr txBox="1">
+            <a:spLocks noGrp="1"/>
+          </p:cNvSpPr>
           <p:nvPr>
             <p:ph type="title"/>
           </p:nvPr>
@@ -9849,12 +10069,12 @@
           </a:prstGeom>
         </p:spPr>
         <p:txBody>
-          <a:bodyPr anchorCtr="0" anchor="b" bIns="91425" lIns="91425" spcFirstLastPara="1" rIns="91425" wrap="square" tIns="91425">
+          <a:bodyPr spcFirstLastPara="1" wrap="square" lIns="91425" tIns="91425" rIns="91425" bIns="91425" anchor="b" anchorCtr="0">
             <a:noAutofit/>
           </a:bodyPr>
           <a:lstStyle/>
           <a:p>
-            <a:pPr indent="0" lvl="0" marL="0" rtl="0" algn="l">
+            <a:pPr marL="0" lvl="0" indent="0" algn="l" rtl="0">
               <a:spcBef>
                 <a:spcPts val="0"/>
               </a:spcBef>
@@ -9874,9 +10094,11 @@
       <p:sp>
         <p:nvSpPr>
           <p:cNvPr id="166" name="Google Shape;166;p28"/>
-          <p:cNvSpPr txBox="1"/>
+          <p:cNvSpPr txBox="1">
+            <a:spLocks noGrp="1"/>
+          </p:cNvSpPr>
           <p:nvPr>
-            <p:ph idx="1" type="body"/>
+            <p:ph type="body" idx="1"/>
           </p:nvPr>
         </p:nvSpPr>
         <p:spPr>
@@ -9889,12 +10111,12 @@
           </a:prstGeom>
         </p:spPr>
         <p:txBody>
-          <a:bodyPr anchorCtr="0" anchor="t" bIns="91425" lIns="91425" spcFirstLastPara="1" rIns="91425" wrap="square" tIns="91425">
+          <a:bodyPr spcFirstLastPara="1" wrap="square" lIns="91425" tIns="91425" rIns="91425" bIns="91425" anchor="t" anchorCtr="0">
             <a:noAutofit/>
           </a:bodyPr>
           <a:lstStyle/>
           <a:p>
-            <a:pPr indent="0" lvl="0" marL="0" rtl="0" algn="l">
+            <a:pPr marL="0" lvl="0" indent="0" algn="l" rtl="0">
               <a:spcBef>
                 <a:spcPts val="0"/>
               </a:spcBef>
@@ -9932,7 +10154,7 @@
             </a:endParaRPr>
           </a:p>
           <a:p>
-            <a:pPr indent="0" lvl="0" marL="0" rtl="0" algn="l">
+            <a:pPr marL="0" lvl="0" indent="0" algn="l" rtl="0">
               <a:spcBef>
                 <a:spcPts val="1600"/>
               </a:spcBef>
@@ -9970,7 +10192,7 @@
             </a:endParaRPr>
           </a:p>
           <a:p>
-            <a:pPr indent="0" lvl="0" marL="0" rtl="0" algn="l">
+            <a:pPr marL="0" lvl="0" indent="0" algn="l" rtl="0">
               <a:spcBef>
                 <a:spcPts val="1600"/>
               </a:spcBef>
@@ -10008,7 +10230,7 @@
             </a:endParaRPr>
           </a:p>
           <a:p>
-            <a:pPr indent="0" lvl="0" marL="0" rtl="0" algn="l">
+            <a:pPr marL="0" lvl="0" indent="0" algn="l" rtl="0">
               <a:spcBef>
                 <a:spcPts val="1600"/>
               </a:spcBef>
@@ -10035,7 +10257,7 @@
             <a:endParaRPr/>
           </a:p>
           <a:p>
-            <a:pPr indent="0" lvl="0" marL="0" rtl="0" algn="l">
+            <a:pPr marL="0" lvl="0" indent="0" algn="l" rtl="0">
               <a:spcBef>
                 <a:spcPts val="1600"/>
               </a:spcBef>
@@ -10044,9 +10266,6 @@
               </a:spcAft>
               <a:buNone/>
             </a:pPr>
-            <a:r>
-              <a:t/>
-            </a:r>
             <a:endParaRPr/>
           </a:p>
         </p:txBody>
@@ -10060,11 +10279,11 @@
 </file>
 
 <file path=ppt/slides/slide17.xml><?xml version="1.0" encoding="utf-8"?>
-<p:sld xmlns:a="http://schemas.openxmlformats.org/drawingml/2006/main" xmlns:r="http://schemas.openxmlformats.org/officeDocument/2006/relationships" xmlns:mc="http://schemas.openxmlformats.org/markup-compatibility/2006" xmlns:mv="urn:schemas-microsoft-com:mac:vml" xmlns:p="http://schemas.openxmlformats.org/presentationml/2006/main" xmlns:c="http://schemas.openxmlformats.org/drawingml/2006/chart" xmlns:dgm="http://schemas.openxmlformats.org/drawingml/2006/diagram" xmlns:o="urn:schemas-microsoft-com:office:office" xmlns:v="urn:schemas-microsoft-com:vml" xmlns:pvml="urn:schemas-microsoft-com:office:powerpoint" xmlns:com="http://schemas.openxmlformats.org/drawingml/2006/compatibility" xmlns:p14="http://schemas.microsoft.com/office/powerpoint/2010/main" xmlns:p15="http://schemas.microsoft.com/office/powerpoint/2012/main" xmlns:ahyp="http://schemas.microsoft.com/office/drawing/2018/hyperlinkcolor">
+<p:sld xmlns:a="http://schemas.openxmlformats.org/drawingml/2006/main" xmlns:r="http://schemas.openxmlformats.org/officeDocument/2006/relationships" xmlns:p="http://schemas.openxmlformats.org/presentationml/2006/main">
   <p:cSld>
     <p:spTree>
       <p:nvGrpSpPr>
-        <p:cNvPr id="170" name="Shape 170"/>
+        <p:cNvPr id="1" name="Shape 170"/>
         <p:cNvGrpSpPr/>
         <p:nvPr/>
       </p:nvGrpSpPr>
@@ -10079,7 +10298,9 @@
       <p:sp>
         <p:nvSpPr>
           <p:cNvPr id="171" name="Google Shape;171;p29"/>
-          <p:cNvSpPr txBox="1"/>
+          <p:cNvSpPr txBox="1">
+            <a:spLocks noGrp="1"/>
+          </p:cNvSpPr>
           <p:nvPr>
             <p:ph type="title"/>
           </p:nvPr>
@@ -10094,12 +10315,12 @@
           </a:prstGeom>
         </p:spPr>
         <p:txBody>
-          <a:bodyPr anchorCtr="0" anchor="ctr" bIns="91425" lIns="91425" spcFirstLastPara="1" rIns="91425" wrap="square" tIns="91425">
+          <a:bodyPr spcFirstLastPara="1" wrap="square" lIns="91425" tIns="91425" rIns="91425" bIns="91425" anchor="ctr" anchorCtr="0">
             <a:noAutofit/>
           </a:bodyPr>
           <a:lstStyle/>
           <a:p>
-            <a:pPr indent="0" lvl="0" marL="0" rtl="0" algn="ctr">
+            <a:pPr marL="0" lvl="0" indent="0" algn="ctr" rtl="0">
               <a:spcBef>
                 <a:spcPts val="0"/>
               </a:spcBef>
@@ -10125,11 +10346,11 @@
 </file>
 
 <file path=ppt/slides/slide18.xml><?xml version="1.0" encoding="utf-8"?>
-<p:sld xmlns:a="http://schemas.openxmlformats.org/drawingml/2006/main" xmlns:r="http://schemas.openxmlformats.org/officeDocument/2006/relationships" xmlns:mc="http://schemas.openxmlformats.org/markup-compatibility/2006" xmlns:mv="urn:schemas-microsoft-com:mac:vml" xmlns:p="http://schemas.openxmlformats.org/presentationml/2006/main" xmlns:c="http://schemas.openxmlformats.org/drawingml/2006/chart" xmlns:dgm="http://schemas.openxmlformats.org/drawingml/2006/diagram" xmlns:o="urn:schemas-microsoft-com:office:office" xmlns:v="urn:schemas-microsoft-com:vml" xmlns:pvml="urn:schemas-microsoft-com:office:powerpoint" xmlns:com="http://schemas.openxmlformats.org/drawingml/2006/compatibility" xmlns:p14="http://schemas.microsoft.com/office/powerpoint/2010/main" xmlns:p15="http://schemas.microsoft.com/office/powerpoint/2012/main" xmlns:ahyp="http://schemas.microsoft.com/office/drawing/2018/hyperlinkcolor">
+<p:sld xmlns:a="http://schemas.openxmlformats.org/drawingml/2006/main" xmlns:r="http://schemas.openxmlformats.org/officeDocument/2006/relationships" xmlns:p="http://schemas.openxmlformats.org/presentationml/2006/main">
   <p:cSld>
     <p:spTree>
       <p:nvGrpSpPr>
-        <p:cNvPr id="175" name="Shape 175"/>
+        <p:cNvPr id="1" name="Shape 175"/>
         <p:cNvGrpSpPr/>
         <p:nvPr/>
       </p:nvGrpSpPr>
@@ -10144,7 +10365,9 @@
       <p:sp>
         <p:nvSpPr>
           <p:cNvPr id="176" name="Google Shape;176;p30"/>
-          <p:cNvSpPr txBox="1"/>
+          <p:cNvSpPr txBox="1">
+            <a:spLocks noGrp="1"/>
+          </p:cNvSpPr>
           <p:nvPr>
             <p:ph type="title"/>
           </p:nvPr>
@@ -10159,12 +10382,12 @@
           </a:prstGeom>
         </p:spPr>
         <p:txBody>
-          <a:bodyPr anchorCtr="0" anchor="ctr" bIns="91425" lIns="91425" spcFirstLastPara="1" rIns="91425" wrap="square" tIns="91425">
+          <a:bodyPr spcFirstLastPara="1" wrap="square" lIns="91425" tIns="91425" rIns="91425" bIns="91425" anchor="ctr" anchorCtr="0">
             <a:noAutofit/>
           </a:bodyPr>
           <a:lstStyle/>
           <a:p>
-            <a:pPr indent="0" lvl="0" marL="0" rtl="0" algn="ctr">
+            <a:pPr marL="0" lvl="0" indent="0" algn="ctr" rtl="0">
               <a:spcBef>
                 <a:spcPts val="0"/>
               </a:spcBef>
@@ -10190,11 +10413,11 @@
 </file>
 
 <file path=ppt/slides/slide2.xml><?xml version="1.0" encoding="utf-8"?>
-<p:sld xmlns:a="http://schemas.openxmlformats.org/drawingml/2006/main" xmlns:r="http://schemas.openxmlformats.org/officeDocument/2006/relationships" xmlns:mc="http://schemas.openxmlformats.org/markup-compatibility/2006" xmlns:mv="urn:schemas-microsoft-com:mac:vml" xmlns:p="http://schemas.openxmlformats.org/presentationml/2006/main" xmlns:c="http://schemas.openxmlformats.org/drawingml/2006/chart" xmlns:dgm="http://schemas.openxmlformats.org/drawingml/2006/diagram" xmlns:o="urn:schemas-microsoft-com:office:office" xmlns:v="urn:schemas-microsoft-com:vml" xmlns:pvml="urn:schemas-microsoft-com:office:powerpoint" xmlns:com="http://schemas.openxmlformats.org/drawingml/2006/compatibility" xmlns:p14="http://schemas.microsoft.com/office/powerpoint/2010/main" xmlns:p15="http://schemas.microsoft.com/office/powerpoint/2012/main" xmlns:ahyp="http://schemas.microsoft.com/office/drawing/2018/hyperlinkcolor">
+<p:sld xmlns:a="http://schemas.openxmlformats.org/drawingml/2006/main" xmlns:r="http://schemas.openxmlformats.org/officeDocument/2006/relationships" xmlns:p="http://schemas.openxmlformats.org/presentationml/2006/main">
   <p:cSld>
     <p:spTree>
       <p:nvGrpSpPr>
-        <p:cNvPr id="67" name="Shape 67"/>
+        <p:cNvPr id="1" name="Shape 67"/>
         <p:cNvGrpSpPr/>
         <p:nvPr/>
       </p:nvGrpSpPr>
@@ -10209,7 +10432,9 @@
       <p:sp>
         <p:nvSpPr>
           <p:cNvPr id="68" name="Google Shape;68;p14"/>
-          <p:cNvSpPr txBox="1"/>
+          <p:cNvSpPr txBox="1">
+            <a:spLocks noGrp="1"/>
+          </p:cNvSpPr>
           <p:nvPr>
             <p:ph type="title"/>
           </p:nvPr>
@@ -10224,12 +10449,12 @@
           </a:prstGeom>
         </p:spPr>
         <p:txBody>
-          <a:bodyPr anchorCtr="0" anchor="b" bIns="91425" lIns="91425" spcFirstLastPara="1" rIns="91425" wrap="square" tIns="91425">
+          <a:bodyPr spcFirstLastPara="1" wrap="square" lIns="91425" tIns="91425" rIns="91425" bIns="91425" anchor="b" anchorCtr="0">
             <a:noAutofit/>
           </a:bodyPr>
           <a:lstStyle/>
           <a:p>
-            <a:pPr indent="0" lvl="0" marL="0" rtl="0" algn="ctr">
+            <a:pPr marL="0" lvl="0" indent="0" algn="ctr" rtl="0">
               <a:spcBef>
                 <a:spcPts val="0"/>
               </a:spcBef>
@@ -10255,18 +10480,15 @@
             </a:endParaRPr>
           </a:p>
           <a:p>
-            <a:pPr indent="0" lvl="0" marL="0" rtl="0" algn="ctr">
-              <a:spcBef>
-                <a:spcPts val="0"/>
-              </a:spcBef>
-              <a:spcAft>
-                <a:spcPts val="0"/>
-              </a:spcAft>
-              <a:buNone/>
-            </a:pPr>
-            <a:r>
-              <a:t/>
-            </a:r>
+            <a:pPr marL="0" lvl="0" indent="0" algn="ctr" rtl="0">
+              <a:spcBef>
+                <a:spcPts val="0"/>
+              </a:spcBef>
+              <a:spcAft>
+                <a:spcPts val="0"/>
+              </a:spcAft>
+              <a:buNone/>
+            </a:pPr>
             <a:endParaRPr/>
           </a:p>
         </p:txBody>
@@ -10274,9 +10496,11 @@
       <p:sp>
         <p:nvSpPr>
           <p:cNvPr id="69" name="Google Shape;69;p14"/>
-          <p:cNvSpPr txBox="1"/>
+          <p:cNvSpPr txBox="1">
+            <a:spLocks noGrp="1"/>
+          </p:cNvSpPr>
           <p:nvPr>
-            <p:ph idx="2" type="body"/>
+            <p:ph type="body" idx="2"/>
           </p:nvPr>
         </p:nvSpPr>
         <p:spPr>
@@ -10289,12 +10513,12 @@
           </a:prstGeom>
         </p:spPr>
         <p:txBody>
-          <a:bodyPr anchorCtr="0" anchor="ctr" bIns="91425" lIns="91425" spcFirstLastPara="1" rIns="91425" wrap="square" tIns="91425">
+          <a:bodyPr spcFirstLastPara="1" wrap="square" lIns="91425" tIns="91425" rIns="91425" bIns="91425" anchor="ctr" anchorCtr="0">
             <a:noAutofit/>
           </a:bodyPr>
           <a:lstStyle/>
           <a:p>
-            <a:pPr indent="0" lvl="0" marL="0" marR="0" rtl="0" algn="l">
+            <a:pPr marL="0" marR="0" lvl="0" indent="0" algn="l" rtl="0">
               <a:lnSpc>
                 <a:spcPct val="115000"/>
               </a:lnSpc>
@@ -10335,7 +10559,7 @@
             </a:endParaRPr>
           </a:p>
           <a:p>
-            <a:pPr indent="0" lvl="0" marL="0" marR="0" rtl="0" algn="l">
+            <a:pPr marL="0" marR="0" lvl="0" indent="0" algn="l" rtl="0">
               <a:lnSpc>
                 <a:spcPct val="115000"/>
               </a:lnSpc>
@@ -10376,7 +10600,7 @@
             </a:endParaRPr>
           </a:p>
           <a:p>
-            <a:pPr indent="0" lvl="0" marL="0" marR="0" rtl="0" algn="l">
+            <a:pPr marL="0" marR="0" lvl="0" indent="0" algn="l" rtl="0">
               <a:lnSpc>
                 <a:spcPct val="115000"/>
               </a:lnSpc>
@@ -10388,9 +10612,6 @@
               </a:spcAft>
               <a:buNone/>
             </a:pPr>
-            <a:r>
-              <a:t/>
-            </a:r>
             <a:endParaRPr sz="1600">
               <a:solidFill>
                 <a:srgbClr val="292929"/>
@@ -10405,7 +10626,7 @@
             </a:endParaRPr>
           </a:p>
           <a:p>
-            <a:pPr indent="0" lvl="0" marL="0" marR="0" rtl="0" algn="l">
+            <a:pPr marL="0" marR="0" lvl="0" indent="0" algn="l" rtl="0">
               <a:lnSpc>
                 <a:spcPct val="115000"/>
               </a:lnSpc>
@@ -10447,7 +10668,7 @@
             </a:endParaRPr>
           </a:p>
           <a:p>
-            <a:pPr indent="0" lvl="0" marL="0" marR="0" rtl="0" algn="l">
+            <a:pPr marL="0" marR="0" lvl="0" indent="0" algn="l" rtl="0">
               <a:lnSpc>
                 <a:spcPct val="115000"/>
               </a:lnSpc>
@@ -10459,9 +10680,6 @@
               </a:spcAft>
               <a:buNone/>
             </a:pPr>
-            <a:r>
-              <a:t/>
-            </a:r>
             <a:endParaRPr sz="1600">
               <a:solidFill>
                 <a:srgbClr val="292929"/>
@@ -10476,7 +10694,7 @@
             </a:endParaRPr>
           </a:p>
           <a:p>
-            <a:pPr indent="0" lvl="0" marL="0" marR="0" rtl="0" algn="l">
+            <a:pPr marL="0" marR="0" lvl="0" indent="0" algn="l" rtl="0">
               <a:lnSpc>
                 <a:spcPct val="115000"/>
               </a:lnSpc>
@@ -10518,7 +10736,7 @@
             </a:endParaRPr>
           </a:p>
           <a:p>
-            <a:pPr indent="0" lvl="0" marL="0" marR="0" rtl="0" algn="l">
+            <a:pPr marL="0" marR="0" lvl="0" indent="0" algn="l" rtl="0">
               <a:lnSpc>
                 <a:spcPct val="115000"/>
               </a:lnSpc>
@@ -10585,11 +10803,11 @@
 </file>
 
 <file path=ppt/slides/slide3.xml><?xml version="1.0" encoding="utf-8"?>
-<p:sld xmlns:a="http://schemas.openxmlformats.org/drawingml/2006/main" xmlns:r="http://schemas.openxmlformats.org/officeDocument/2006/relationships" xmlns:mc="http://schemas.openxmlformats.org/markup-compatibility/2006" xmlns:mv="urn:schemas-microsoft-com:mac:vml" xmlns:p="http://schemas.openxmlformats.org/presentationml/2006/main" xmlns:c="http://schemas.openxmlformats.org/drawingml/2006/chart" xmlns:dgm="http://schemas.openxmlformats.org/drawingml/2006/diagram" xmlns:o="urn:schemas-microsoft-com:office:office" xmlns:v="urn:schemas-microsoft-com:vml" xmlns:pvml="urn:schemas-microsoft-com:office:powerpoint" xmlns:com="http://schemas.openxmlformats.org/drawingml/2006/compatibility" xmlns:p14="http://schemas.microsoft.com/office/powerpoint/2010/main" xmlns:p15="http://schemas.microsoft.com/office/powerpoint/2012/main" xmlns:ahyp="http://schemas.microsoft.com/office/drawing/2018/hyperlinkcolor">
+<p:sld xmlns:a="http://schemas.openxmlformats.org/drawingml/2006/main" xmlns:r="http://schemas.openxmlformats.org/officeDocument/2006/relationships" xmlns:p="http://schemas.openxmlformats.org/presentationml/2006/main">
   <p:cSld>
     <p:spTree>
       <p:nvGrpSpPr>
-        <p:cNvPr id="73" name="Shape 73"/>
+        <p:cNvPr id="1" name="Shape 73"/>
         <p:cNvGrpSpPr/>
         <p:nvPr/>
       </p:nvGrpSpPr>
@@ -10604,7 +10822,9 @@
       <p:sp>
         <p:nvSpPr>
           <p:cNvPr id="74" name="Google Shape;74;p15"/>
-          <p:cNvSpPr txBox="1"/>
+          <p:cNvSpPr txBox="1">
+            <a:spLocks noGrp="1"/>
+          </p:cNvSpPr>
           <p:nvPr>
             <p:ph type="title"/>
           </p:nvPr>
@@ -10619,12 +10839,12 @@
           </a:prstGeom>
         </p:spPr>
         <p:txBody>
-          <a:bodyPr anchorCtr="0" anchor="b" bIns="91425" lIns="91425" spcFirstLastPara="1" rIns="91425" wrap="square" tIns="91425">
+          <a:bodyPr spcFirstLastPara="1" wrap="square" lIns="91425" tIns="91425" rIns="91425" bIns="91425" anchor="b" anchorCtr="0">
             <a:noAutofit/>
           </a:bodyPr>
           <a:lstStyle/>
           <a:p>
-            <a:pPr indent="0" lvl="0" marL="0" rtl="0" algn="l">
+            <a:pPr marL="0" lvl="0" indent="0" algn="l" rtl="0">
               <a:spcBef>
                 <a:spcPts val="0"/>
               </a:spcBef>
@@ -10644,9 +10864,11 @@
       <p:sp>
         <p:nvSpPr>
           <p:cNvPr id="75" name="Google Shape;75;p15"/>
-          <p:cNvSpPr txBox="1"/>
+          <p:cNvSpPr txBox="1">
+            <a:spLocks noGrp="1"/>
+          </p:cNvSpPr>
           <p:nvPr>
-            <p:ph idx="1" type="body"/>
+            <p:ph type="body" idx="1"/>
           </p:nvPr>
         </p:nvSpPr>
         <p:spPr>
@@ -10659,12 +10881,12 @@
           </a:prstGeom>
         </p:spPr>
         <p:txBody>
-          <a:bodyPr anchorCtr="0" anchor="t" bIns="91425" lIns="91425" spcFirstLastPara="1" rIns="91425" wrap="square" tIns="91425">
+          <a:bodyPr spcFirstLastPara="1" wrap="square" lIns="91425" tIns="91425" rIns="91425" bIns="91425" anchor="t" anchorCtr="0">
             <a:noAutofit/>
           </a:bodyPr>
           <a:lstStyle/>
           <a:p>
-            <a:pPr indent="-317500" lvl="0" marL="457200" rtl="0" algn="l">
+            <a:pPr marL="457200" lvl="0" indent="-317500" algn="l" rtl="0">
               <a:lnSpc>
                 <a:spcPct val="160000"/>
               </a:lnSpc>
@@ -10682,7 +10904,7 @@
               <a:buChar char="●"/>
             </a:pPr>
             <a:r>
-              <a:rPr lang="en" sz="1400">
+              <a:rPr lang="en" sz="1400" dirty="0">
                 <a:solidFill>
                   <a:srgbClr val="000000"/>
                 </a:solidFill>
@@ -10696,7 +10918,7 @@
               </a:rPr>
               <a:t>Introduction to OAuth 2.0</a:t>
             </a:r>
-            <a:endParaRPr sz="1400">
+            <a:endParaRPr sz="1400" dirty="0">
               <a:solidFill>
                 <a:srgbClr val="000000"/>
               </a:solidFill>
@@ -10710,7 +10932,7 @@
             </a:endParaRPr>
           </a:p>
           <a:p>
-            <a:pPr indent="-317500" lvl="0" marL="457200" rtl="0" algn="l">
+            <a:pPr marL="457200" lvl="0" indent="-317500" algn="l" rtl="0">
               <a:lnSpc>
                 <a:spcPct val="160000"/>
               </a:lnSpc>
@@ -10728,7 +10950,7 @@
               <a:buChar char="●"/>
             </a:pPr>
             <a:r>
-              <a:rPr lang="en" sz="1400">
+              <a:rPr lang="en" sz="1400" dirty="0">
                 <a:solidFill>
                   <a:srgbClr val="000000"/>
                 </a:solidFill>
@@ -10742,7 +10964,7 @@
               </a:rPr>
               <a:t>Authorization Grant Types</a:t>
             </a:r>
-            <a:endParaRPr sz="1400">
+            <a:endParaRPr sz="1400" dirty="0">
               <a:solidFill>
                 <a:srgbClr val="000000"/>
               </a:solidFill>
@@ -10756,7 +10978,7 @@
             </a:endParaRPr>
           </a:p>
           <a:p>
-            <a:pPr indent="-317500" lvl="0" marL="457200" rtl="0" algn="l">
+            <a:pPr marL="457200" lvl="0" indent="-317500" algn="l" rtl="0">
               <a:lnSpc>
                 <a:spcPct val="160000"/>
               </a:lnSpc>
@@ -10774,7 +10996,7 @@
               <a:buChar char="●"/>
             </a:pPr>
             <a:r>
-              <a:rPr lang="en" sz="1400">
+              <a:rPr lang="en" sz="1400" dirty="0">
                 <a:solidFill>
                   <a:srgbClr val="000000"/>
                 </a:solidFill>
@@ -10788,7 +11010,7 @@
               </a:rPr>
               <a:t>Single Page App with Implicit Flow</a:t>
             </a:r>
-            <a:endParaRPr sz="1400">
+            <a:endParaRPr sz="1400" dirty="0">
               <a:solidFill>
                 <a:srgbClr val="000000"/>
               </a:solidFill>
@@ -10802,7 +11024,7 @@
             </a:endParaRPr>
           </a:p>
           <a:p>
-            <a:pPr indent="-317500" lvl="0" marL="457200" rtl="0" algn="l">
+            <a:pPr marL="457200" lvl="0" indent="-317500" algn="l" rtl="0">
               <a:lnSpc>
                 <a:spcPct val="160000"/>
               </a:lnSpc>
@@ -10820,7 +11042,7 @@
               <a:buChar char="●"/>
             </a:pPr>
             <a:r>
-              <a:rPr lang="en" sz="1400">
+              <a:rPr lang="en" sz="1400" dirty="0">
                 <a:solidFill>
                   <a:srgbClr val="000000"/>
                 </a:solidFill>
@@ -10834,7 +11056,7 @@
               </a:rPr>
               <a:t>What is PKCE? </a:t>
             </a:r>
-            <a:endParaRPr sz="1400">
+            <a:endParaRPr sz="1400" dirty="0">
               <a:solidFill>
                 <a:srgbClr val="000000"/>
               </a:solidFill>
@@ -10848,7 +11070,7 @@
             </a:endParaRPr>
           </a:p>
           <a:p>
-            <a:pPr indent="-317500" lvl="0" marL="457200" rtl="0" algn="l">
+            <a:pPr marL="457200" lvl="0" indent="-317500" algn="l" rtl="0">
               <a:lnSpc>
                 <a:spcPct val="160000"/>
               </a:lnSpc>
@@ -10866,7 +11088,7 @@
               <a:buChar char="●"/>
             </a:pPr>
             <a:r>
-              <a:rPr lang="en" sz="1400">
+              <a:rPr lang="en" sz="1400" dirty="0">
                 <a:solidFill>
                   <a:srgbClr val="000000"/>
                 </a:solidFill>
@@ -10878,9 +11100,24 @@
                 <a:cs typeface="Georgia"/>
                 <a:sym typeface="Georgia"/>
               </a:rPr>
-              <a:t>How PKCE solves the vulnerabilities of PKCE?</a:t>
+              <a:t>How PKCE solves the vulnerabilities </a:t>
             </a:r>
-            <a:endParaRPr sz="1400">
+            <a:r>
+              <a:rPr lang="en" sz="1400">
+                <a:solidFill>
+                  <a:srgbClr val="000000"/>
+                </a:solidFill>
+                <a:highlight>
+                  <a:srgbClr val="FFFFFF"/>
+                </a:highlight>
+                <a:latin typeface="Georgia"/>
+                <a:ea typeface="Georgia"/>
+                <a:cs typeface="Georgia"/>
+                <a:sym typeface="Georgia"/>
+              </a:rPr>
+              <a:t>of Implicit?</a:t>
+            </a:r>
+            <a:endParaRPr sz="1400" dirty="0">
               <a:solidFill>
                 <a:srgbClr val="000000"/>
               </a:solidFill>
@@ -10894,7 +11131,7 @@
             </a:endParaRPr>
           </a:p>
           <a:p>
-            <a:pPr indent="-317500" lvl="0" marL="457200" rtl="0" algn="l">
+            <a:pPr marL="457200" lvl="0" indent="-317500" algn="l" rtl="0">
               <a:lnSpc>
                 <a:spcPct val="160000"/>
               </a:lnSpc>
@@ -10912,7 +11149,7 @@
               <a:buChar char="●"/>
             </a:pPr>
             <a:r>
-              <a:rPr lang="en" sz="1400">
+              <a:rPr lang="en" sz="1400" dirty="0">
                 <a:solidFill>
                   <a:srgbClr val="000000"/>
                 </a:solidFill>
@@ -10926,7 +11163,7 @@
               </a:rPr>
               <a:t>What do you want to bet on, PKCE or Implicit Flow?</a:t>
             </a:r>
-            <a:endParaRPr sz="1400">
+            <a:endParaRPr sz="1400" dirty="0">
               <a:solidFill>
                 <a:srgbClr val="000000"/>
               </a:solidFill>
@@ -10940,7 +11177,7 @@
             </a:endParaRPr>
           </a:p>
           <a:p>
-            <a:pPr indent="0" lvl="0" marL="457200" rtl="0" algn="l">
+            <a:pPr marL="457200" lvl="0" indent="0" algn="l" rtl="0">
               <a:lnSpc>
                 <a:spcPct val="160000"/>
               </a:lnSpc>
@@ -10952,10 +11189,7 @@
               </a:spcAft>
               <a:buNone/>
             </a:pPr>
-            <a:r>
-              <a:t/>
-            </a:r>
-            <a:endParaRPr sz="1400">
+            <a:endParaRPr sz="1400" dirty="0">
               <a:solidFill>
                 <a:srgbClr val="000000"/>
               </a:solidFill>
@@ -10979,11 +11213,11 @@
 </file>
 
 <file path=ppt/slides/slide4.xml><?xml version="1.0" encoding="utf-8"?>
-<p:sld xmlns:a="http://schemas.openxmlformats.org/drawingml/2006/main" xmlns:r="http://schemas.openxmlformats.org/officeDocument/2006/relationships" xmlns:mc="http://schemas.openxmlformats.org/markup-compatibility/2006" xmlns:mv="urn:schemas-microsoft-com:mac:vml" xmlns:p="http://schemas.openxmlformats.org/presentationml/2006/main" xmlns:c="http://schemas.openxmlformats.org/drawingml/2006/chart" xmlns:dgm="http://schemas.openxmlformats.org/drawingml/2006/diagram" xmlns:o="urn:schemas-microsoft-com:office:office" xmlns:v="urn:schemas-microsoft-com:vml" xmlns:pvml="urn:schemas-microsoft-com:office:powerpoint" xmlns:com="http://schemas.openxmlformats.org/drawingml/2006/compatibility" xmlns:p14="http://schemas.microsoft.com/office/powerpoint/2010/main" xmlns:p15="http://schemas.microsoft.com/office/powerpoint/2012/main" xmlns:ahyp="http://schemas.microsoft.com/office/drawing/2018/hyperlinkcolor">
+<p:sld xmlns:a="http://schemas.openxmlformats.org/drawingml/2006/main" xmlns:r="http://schemas.openxmlformats.org/officeDocument/2006/relationships" xmlns:p="http://schemas.openxmlformats.org/presentationml/2006/main">
   <p:cSld>
     <p:spTree>
       <p:nvGrpSpPr>
-        <p:cNvPr id="79" name="Shape 79"/>
+        <p:cNvPr id="1" name="Shape 79"/>
         <p:cNvGrpSpPr/>
         <p:nvPr/>
       </p:nvGrpSpPr>
@@ -10998,7 +11232,9 @@
       <p:sp>
         <p:nvSpPr>
           <p:cNvPr id="80" name="Google Shape;80;p16"/>
-          <p:cNvSpPr txBox="1"/>
+          <p:cNvSpPr txBox="1">
+            <a:spLocks noGrp="1"/>
+          </p:cNvSpPr>
           <p:nvPr>
             <p:ph type="title"/>
           </p:nvPr>
@@ -11013,12 +11249,12 @@
           </a:prstGeom>
         </p:spPr>
         <p:txBody>
-          <a:bodyPr anchorCtr="0" anchor="b" bIns="91425" lIns="91425" spcFirstLastPara="1" rIns="91425" wrap="square" tIns="91425">
+          <a:bodyPr spcFirstLastPara="1" wrap="square" lIns="91425" tIns="91425" rIns="91425" bIns="91425" anchor="b" anchorCtr="0">
             <a:noAutofit/>
           </a:bodyPr>
           <a:lstStyle/>
           <a:p>
-            <a:pPr indent="0" lvl="0" marL="0" rtl="0" algn="l">
+            <a:pPr marL="0" lvl="0" indent="0" algn="l" rtl="0">
               <a:spcBef>
                 <a:spcPts val="0"/>
               </a:spcBef>
@@ -11038,9 +11274,11 @@
       <p:sp>
         <p:nvSpPr>
           <p:cNvPr id="81" name="Google Shape;81;p16"/>
-          <p:cNvSpPr txBox="1"/>
+          <p:cNvSpPr txBox="1">
+            <a:spLocks noGrp="1"/>
+          </p:cNvSpPr>
           <p:nvPr>
-            <p:ph idx="1" type="body"/>
+            <p:ph type="body" idx="1"/>
           </p:nvPr>
         </p:nvSpPr>
         <p:spPr>
@@ -11053,12 +11291,12 @@
           </a:prstGeom>
         </p:spPr>
         <p:txBody>
-          <a:bodyPr anchorCtr="0" anchor="t" bIns="91425" lIns="91425" spcFirstLastPara="1" rIns="91425" wrap="square" tIns="91425">
+          <a:bodyPr spcFirstLastPara="1" wrap="square" lIns="91425" tIns="91425" rIns="91425" bIns="91425" anchor="t" anchorCtr="0">
             <a:noAutofit/>
           </a:bodyPr>
           <a:lstStyle/>
           <a:p>
-            <a:pPr indent="-298450" lvl="0" marL="457200" rtl="0" algn="l">
+            <a:pPr marL="457200" lvl="0" indent="-298450" algn="l" rtl="0">
               <a:spcBef>
                 <a:spcPts val="0"/>
               </a:spcBef>
@@ -11101,7 +11339,7 @@
             </a:endParaRPr>
           </a:p>
           <a:p>
-            <a:pPr indent="-298450" lvl="0" marL="457200" rtl="0" algn="l">
+            <a:pPr marL="457200" lvl="0" indent="-298450" algn="l" rtl="0">
               <a:spcBef>
                 <a:spcPts val="0"/>
               </a:spcBef>
@@ -11144,18 +11382,15 @@
             </a:endParaRPr>
           </a:p>
           <a:p>
-            <a:pPr indent="0" lvl="0" marL="0" rtl="0" algn="l">
-              <a:spcBef>
-                <a:spcPts val="0"/>
-              </a:spcBef>
-              <a:spcAft>
-                <a:spcPts val="0"/>
-              </a:spcAft>
-              <a:buNone/>
-            </a:pPr>
-            <a:r>
-              <a:t/>
-            </a:r>
+            <a:pPr marL="0" lvl="0" indent="0" algn="l" rtl="0">
+              <a:spcBef>
+                <a:spcPts val="0"/>
+              </a:spcBef>
+              <a:spcAft>
+                <a:spcPts val="0"/>
+              </a:spcAft>
+              <a:buNone/>
+            </a:pPr>
             <a:endParaRPr sz="1600">
               <a:solidFill>
                 <a:srgbClr val="292929"/>
@@ -11170,7 +11405,7 @@
             </a:endParaRPr>
           </a:p>
           <a:p>
-            <a:pPr indent="0" lvl="0" marL="0" rtl="0" algn="l">
+            <a:pPr marL="0" lvl="0" indent="0" algn="l" rtl="0">
               <a:spcBef>
                 <a:spcPts val="0"/>
               </a:spcBef>
@@ -11179,10 +11414,7 @@
               </a:spcAft>
               <a:buNone/>
             </a:pPr>
-            <a:r>
-              <a:t/>
-            </a:r>
-            <a:endParaRPr b="1" sz="1600">
+            <a:endParaRPr sz="1600" b="1">
               <a:solidFill>
                 <a:srgbClr val="292929"/>
               </a:solidFill>
@@ -11200,9 +11432,11 @@
       <p:sp>
         <p:nvSpPr>
           <p:cNvPr id="82" name="Google Shape;82;p16"/>
-          <p:cNvSpPr txBox="1"/>
+          <p:cNvSpPr txBox="1">
+            <a:spLocks noGrp="1"/>
+          </p:cNvSpPr>
           <p:nvPr>
-            <p:ph idx="2" type="body"/>
+            <p:ph type="body" idx="2"/>
           </p:nvPr>
         </p:nvSpPr>
         <p:spPr>
@@ -11215,12 +11449,12 @@
           </a:prstGeom>
         </p:spPr>
         <p:txBody>
-          <a:bodyPr anchorCtr="0" anchor="t" bIns="91425" lIns="91425" spcFirstLastPara="1" rIns="91425" wrap="square" tIns="91425">
+          <a:bodyPr spcFirstLastPara="1" wrap="square" lIns="91425" tIns="91425" rIns="91425" bIns="91425" anchor="t" anchorCtr="0">
             <a:noAutofit/>
           </a:bodyPr>
           <a:lstStyle/>
           <a:p>
-            <a:pPr indent="0" lvl="0" marL="0" rtl="0" algn="l">
+            <a:pPr marL="0" lvl="0" indent="0" algn="l" rtl="0">
               <a:spcBef>
                 <a:spcPts val="0"/>
               </a:spcBef>
@@ -11229,16 +11463,13 @@
               </a:spcAft>
               <a:buNone/>
             </a:pPr>
-            <a:r>
-              <a:t/>
-            </a:r>
             <a:endParaRPr/>
           </a:p>
         </p:txBody>
       </p:sp>
       <p:pic>
         <p:nvPicPr>
-          <p:cNvPr descr="Google &#10;user@gmail.com &#10;Example App would like to: &#10;View your basic profile info &#10;View your email address &#10;By clicking Allow, you allow this app and Google to use your information in &#10;accordance with their respective terms of service and privacy policies. You &#10;can change this and other Account Permissions at any time. &#10;Deny &#10;Allow " id="83" name="Google Shape;83;p16"/>
+          <p:cNvPr id="83" name="Google Shape;83;p16" descr="Google &#10;user@gmail.com &#10;Example App would like to: &#10;View your basic profile info &#10;View your email address &#10;By clicking Allow, you allow this app and Google to use your information in &#10;accordance with their respective terms of service and privacy policies. You &#10;can change this and other Account Permissions at any time. &#10;Deny &#10;Allow "/>
           <p:cNvPicPr preferRelativeResize="0"/>
           <p:nvPr/>
         </p:nvPicPr>
@@ -11273,11 +11504,11 @@
 </file>
 
 <file path=ppt/slides/slide5.xml><?xml version="1.0" encoding="utf-8"?>
-<p:sld xmlns:a="http://schemas.openxmlformats.org/drawingml/2006/main" xmlns:r="http://schemas.openxmlformats.org/officeDocument/2006/relationships" xmlns:mc="http://schemas.openxmlformats.org/markup-compatibility/2006" xmlns:mv="urn:schemas-microsoft-com:mac:vml" xmlns:p="http://schemas.openxmlformats.org/presentationml/2006/main" xmlns:c="http://schemas.openxmlformats.org/drawingml/2006/chart" xmlns:dgm="http://schemas.openxmlformats.org/drawingml/2006/diagram" xmlns:o="urn:schemas-microsoft-com:office:office" xmlns:v="urn:schemas-microsoft-com:vml" xmlns:pvml="urn:schemas-microsoft-com:office:powerpoint" xmlns:com="http://schemas.openxmlformats.org/drawingml/2006/compatibility" xmlns:p14="http://schemas.microsoft.com/office/powerpoint/2010/main" xmlns:p15="http://schemas.microsoft.com/office/powerpoint/2012/main" xmlns:ahyp="http://schemas.microsoft.com/office/drawing/2018/hyperlinkcolor">
+<p:sld xmlns:a="http://schemas.openxmlformats.org/drawingml/2006/main" xmlns:r="http://schemas.openxmlformats.org/officeDocument/2006/relationships" xmlns:p="http://schemas.openxmlformats.org/presentationml/2006/main">
   <p:cSld>
     <p:spTree>
       <p:nvGrpSpPr>
-        <p:cNvPr id="87" name="Shape 87"/>
+        <p:cNvPr id="1" name="Shape 87"/>
         <p:cNvGrpSpPr/>
         <p:nvPr/>
       </p:nvGrpSpPr>
@@ -11292,7 +11523,9 @@
       <p:sp>
         <p:nvSpPr>
           <p:cNvPr id="88" name="Google Shape;88;p17"/>
-          <p:cNvSpPr txBox="1"/>
+          <p:cNvSpPr txBox="1">
+            <a:spLocks noGrp="1"/>
+          </p:cNvSpPr>
           <p:nvPr>
             <p:ph type="title"/>
           </p:nvPr>
@@ -11307,12 +11540,12 @@
           </a:prstGeom>
         </p:spPr>
         <p:txBody>
-          <a:bodyPr anchorCtr="0" anchor="b" bIns="91425" lIns="91425" spcFirstLastPara="1" rIns="91425" wrap="square" tIns="91425">
+          <a:bodyPr spcFirstLastPara="1" wrap="square" lIns="91425" tIns="91425" rIns="91425" bIns="91425" anchor="b" anchorCtr="0">
             <a:noAutofit/>
           </a:bodyPr>
           <a:lstStyle/>
           <a:p>
-            <a:pPr indent="0" lvl="0" marL="0" rtl="0" algn="l">
+            <a:pPr marL="0" lvl="0" indent="0" algn="l" rtl="0">
               <a:spcBef>
                 <a:spcPts val="0"/>
               </a:spcBef>
@@ -11332,9 +11565,11 @@
       <p:sp>
         <p:nvSpPr>
           <p:cNvPr id="89" name="Google Shape;89;p17"/>
-          <p:cNvSpPr txBox="1"/>
+          <p:cNvSpPr txBox="1">
+            <a:spLocks noGrp="1"/>
+          </p:cNvSpPr>
           <p:nvPr>
-            <p:ph idx="1" type="body"/>
+            <p:ph type="body" idx="1"/>
           </p:nvPr>
         </p:nvSpPr>
         <p:spPr>
@@ -11347,12 +11582,12 @@
           </a:prstGeom>
         </p:spPr>
         <p:txBody>
-          <a:bodyPr anchorCtr="0" anchor="t" bIns="91425" lIns="91425" spcFirstLastPara="1" rIns="91425" wrap="square" tIns="91425">
+          <a:bodyPr spcFirstLastPara="1" wrap="square" lIns="91425" tIns="91425" rIns="91425" bIns="91425" anchor="t" anchorCtr="0">
             <a:noAutofit/>
           </a:bodyPr>
           <a:lstStyle/>
           <a:p>
-            <a:pPr indent="0" lvl="0" marL="0" rtl="0" algn="l">
+            <a:pPr marL="0" lvl="0" indent="0" algn="l" rtl="0">
               <a:spcBef>
                 <a:spcPts val="1200"/>
               </a:spcBef>
@@ -11362,7 +11597,7 @@
               <a:buNone/>
             </a:pPr>
             <a:r>
-              <a:rPr b="1" lang="en" u="sng"/>
+              <a:rPr lang="en" b="1" u="sng"/>
               <a:t>HTTP Request</a:t>
             </a:r>
             <a:r>
@@ -11383,7 +11618,7 @@
             </a:endParaRPr>
           </a:p>
           <a:p>
-            <a:pPr indent="0" lvl="0" marL="0" rtl="0" algn="l">
+            <a:pPr marL="0" lvl="0" indent="0" algn="l" rtl="0">
               <a:spcBef>
                 <a:spcPts val="1200"/>
               </a:spcBef>
@@ -11393,13 +11628,13 @@
               <a:buNone/>
             </a:pPr>
             <a:r>
-              <a:rPr b="1" lang="en" u="sng"/>
+              <a:rPr lang="en" b="1" u="sng"/>
               <a:t>Request Header</a:t>
             </a:r>
             <a:endParaRPr b="1" u="sng"/>
           </a:p>
           <a:p>
-            <a:pPr indent="0" lvl="0" marL="0" rtl="0" algn="l">
+            <a:pPr marL="0" lvl="0" indent="0" algn="l" rtl="0">
               <a:spcBef>
                 <a:spcPts val="1200"/>
               </a:spcBef>
@@ -11434,7 +11669,7 @@
             </a:endParaRPr>
           </a:p>
           <a:p>
-            <a:pPr indent="0" lvl="0" marL="0" rtl="0" algn="l">
+            <a:pPr marL="0" lvl="0" indent="0" algn="l" rtl="0">
               <a:spcBef>
                 <a:spcPts val="1200"/>
               </a:spcBef>
@@ -11443,9 +11678,6 @@
               </a:spcAft>
               <a:buNone/>
             </a:pPr>
-            <a:r>
-              <a:t/>
-            </a:r>
             <a:endParaRPr sz="1100">
               <a:solidFill>
                 <a:srgbClr val="37474F"/>
@@ -11460,7 +11692,7 @@
             </a:endParaRPr>
           </a:p>
           <a:p>
-            <a:pPr indent="0" lvl="0" marL="38100" marR="38100" rtl="0" algn="l">
+            <a:pPr marL="38100" marR="38100" lvl="0" indent="0" algn="l" rtl="0">
               <a:lnSpc>
                 <a:spcPct val="100000"/>
               </a:lnSpc>
@@ -11472,9 +11704,6 @@
               </a:spcAft>
               <a:buNone/>
             </a:pPr>
-            <a:r>
-              <a:t/>
-            </a:r>
             <a:endParaRPr sz="1100">
               <a:solidFill>
                 <a:srgbClr val="37474F"/>
@@ -11489,7 +11718,7 @@
             </a:endParaRPr>
           </a:p>
           <a:p>
-            <a:pPr indent="0" lvl="0" marL="0" rtl="0" algn="l">
+            <a:pPr marL="0" lvl="0" indent="0" algn="l" rtl="0">
               <a:spcBef>
                 <a:spcPts val="0"/>
               </a:spcBef>
@@ -11498,9 +11727,6 @@
               </a:spcAft>
               <a:buNone/>
             </a:pPr>
-            <a:r>
-              <a:t/>
-            </a:r>
             <a:endParaRPr sz="900">
               <a:solidFill>
                 <a:srgbClr val="505050"/>
@@ -11519,9 +11745,11 @@
       <p:sp>
         <p:nvSpPr>
           <p:cNvPr id="90" name="Google Shape;90;p17"/>
-          <p:cNvSpPr txBox="1"/>
+          <p:cNvSpPr txBox="1">
+            <a:spLocks noGrp="1"/>
+          </p:cNvSpPr>
           <p:nvPr>
-            <p:ph idx="2" type="body"/>
+            <p:ph type="body" idx="2"/>
           </p:nvPr>
         </p:nvSpPr>
         <p:spPr>
@@ -11534,12 +11762,12 @@
           </a:prstGeom>
         </p:spPr>
         <p:txBody>
-          <a:bodyPr anchorCtr="0" anchor="t" bIns="91425" lIns="91425" spcFirstLastPara="1" rIns="91425" wrap="square" tIns="91425">
+          <a:bodyPr spcFirstLastPara="1" wrap="square" lIns="91425" tIns="91425" rIns="91425" bIns="91425" anchor="t" anchorCtr="0">
             <a:noAutofit/>
           </a:bodyPr>
           <a:lstStyle/>
           <a:p>
-            <a:pPr indent="0" lvl="0" marL="0" rtl="0" algn="l">
+            <a:pPr marL="0" lvl="0" indent="0" algn="l" rtl="0">
               <a:spcBef>
                 <a:spcPts val="0"/>
               </a:spcBef>
@@ -11549,7 +11777,7 @@
               <a:buNone/>
             </a:pPr>
             <a:r>
-              <a:rPr b="1" lang="en" u="sng"/>
+              <a:rPr lang="en" b="1" u="sng"/>
               <a:t>Response</a:t>
             </a:r>
             <a:r>
@@ -11559,7 +11787,7 @@
             <a:endParaRPr/>
           </a:p>
           <a:p>
-            <a:pPr indent="0" lvl="0" marL="0" rtl="0" algn="l">
+            <a:pPr marL="0" lvl="0" indent="0" algn="l" rtl="0">
               <a:spcBef>
                 <a:spcPts val="1600"/>
               </a:spcBef>
@@ -11575,7 +11803,7 @@
             <a:endParaRPr/>
           </a:p>
           <a:p>
-            <a:pPr indent="0" lvl="0" marL="0" rtl="0" algn="l">
+            <a:pPr marL="0" lvl="0" indent="0" algn="l" rtl="0">
               <a:spcBef>
                 <a:spcPts val="1600"/>
               </a:spcBef>
@@ -11591,7 +11819,7 @@
             <a:endParaRPr/>
           </a:p>
           <a:p>
-            <a:pPr indent="0" lvl="0" marL="0" rtl="0" algn="l">
+            <a:pPr marL="0" lvl="0" indent="0" algn="l" rtl="0">
               <a:spcBef>
                 <a:spcPts val="1600"/>
               </a:spcBef>
@@ -11607,7 +11835,7 @@
             <a:endParaRPr/>
           </a:p>
           <a:p>
-            <a:pPr indent="0" lvl="0" marL="0" rtl="0" algn="l">
+            <a:pPr marL="0" lvl="0" indent="0" algn="l" rtl="0">
               <a:spcBef>
                 <a:spcPts val="1600"/>
               </a:spcBef>
@@ -11623,7 +11851,7 @@
             <a:endParaRPr/>
           </a:p>
           <a:p>
-            <a:pPr indent="0" lvl="0" marL="0" rtl="0" algn="l">
+            <a:pPr marL="0" lvl="0" indent="0" algn="l" rtl="0">
               <a:spcBef>
                 <a:spcPts val="1600"/>
               </a:spcBef>
@@ -11639,7 +11867,7 @@
             <a:endParaRPr/>
           </a:p>
           <a:p>
-            <a:pPr indent="0" lvl="0" marL="0" rtl="0" algn="l">
+            <a:pPr marL="0" lvl="0" indent="0" algn="l" rtl="0">
               <a:spcBef>
                 <a:spcPts val="1600"/>
               </a:spcBef>
@@ -11665,11 +11893,11 @@
 </file>
 
 <file path=ppt/slides/slide6.xml><?xml version="1.0" encoding="utf-8"?>
-<p:sld xmlns:a="http://schemas.openxmlformats.org/drawingml/2006/main" xmlns:r="http://schemas.openxmlformats.org/officeDocument/2006/relationships" xmlns:mc="http://schemas.openxmlformats.org/markup-compatibility/2006" xmlns:mv="urn:schemas-microsoft-com:mac:vml" xmlns:p="http://schemas.openxmlformats.org/presentationml/2006/main" xmlns:c="http://schemas.openxmlformats.org/drawingml/2006/chart" xmlns:dgm="http://schemas.openxmlformats.org/drawingml/2006/diagram" xmlns:o="urn:schemas-microsoft-com:office:office" xmlns:v="urn:schemas-microsoft-com:vml" xmlns:pvml="urn:schemas-microsoft-com:office:powerpoint" xmlns:com="http://schemas.openxmlformats.org/drawingml/2006/compatibility" xmlns:p14="http://schemas.microsoft.com/office/powerpoint/2010/main" xmlns:p15="http://schemas.microsoft.com/office/powerpoint/2012/main" xmlns:ahyp="http://schemas.microsoft.com/office/drawing/2018/hyperlinkcolor">
+<p:sld xmlns:a="http://schemas.openxmlformats.org/drawingml/2006/main" xmlns:r="http://schemas.openxmlformats.org/officeDocument/2006/relationships" xmlns:p="http://schemas.openxmlformats.org/presentationml/2006/main">
   <p:cSld>
     <p:spTree>
       <p:nvGrpSpPr>
-        <p:cNvPr id="94" name="Shape 94"/>
+        <p:cNvPr id="1" name="Shape 94"/>
         <p:cNvGrpSpPr/>
         <p:nvPr/>
       </p:nvGrpSpPr>
@@ -11684,7 +11912,9 @@
       <p:sp>
         <p:nvSpPr>
           <p:cNvPr id="95" name="Google Shape;95;p18"/>
-          <p:cNvSpPr txBox="1"/>
+          <p:cNvSpPr txBox="1">
+            <a:spLocks noGrp="1"/>
+          </p:cNvSpPr>
           <p:nvPr>
             <p:ph type="title"/>
           </p:nvPr>
@@ -11699,23 +11929,20 @@
           </a:prstGeom>
         </p:spPr>
         <p:txBody>
-          <a:bodyPr anchorCtr="0" anchor="b" bIns="91425" lIns="91425" spcFirstLastPara="1" rIns="91425" wrap="square" tIns="91425">
+          <a:bodyPr spcFirstLastPara="1" wrap="square" lIns="91425" tIns="91425" rIns="91425" bIns="91425" anchor="b" anchorCtr="0">
             <a:noAutofit/>
           </a:bodyPr>
           <a:lstStyle/>
           <a:p>
-            <a:pPr indent="0" lvl="0" marL="0" rtl="0" algn="l">
-              <a:spcBef>
-                <a:spcPts val="0"/>
-              </a:spcBef>
-              <a:spcAft>
-                <a:spcPts val="0"/>
-              </a:spcAft>
-              <a:buNone/>
-            </a:pPr>
-            <a:r>
-              <a:t/>
-            </a:r>
+            <a:pPr marL="0" lvl="0" indent="0" algn="l" rtl="0">
+              <a:spcBef>
+                <a:spcPts val="0"/>
+              </a:spcBef>
+              <a:spcAft>
+                <a:spcPts val="0"/>
+              </a:spcAft>
+              <a:buNone/>
+            </a:pPr>
             <a:endParaRPr/>
           </a:p>
         </p:txBody>
@@ -11723,9 +11950,11 @@
       <p:sp>
         <p:nvSpPr>
           <p:cNvPr id="96" name="Google Shape;96;p18"/>
-          <p:cNvSpPr txBox="1"/>
+          <p:cNvSpPr txBox="1">
+            <a:spLocks noGrp="1"/>
+          </p:cNvSpPr>
           <p:nvPr>
-            <p:ph idx="1" type="body"/>
+            <p:ph type="body" idx="1"/>
           </p:nvPr>
         </p:nvSpPr>
         <p:spPr>
@@ -11738,23 +11967,20 @@
           </a:prstGeom>
         </p:spPr>
         <p:txBody>
-          <a:bodyPr anchorCtr="0" anchor="t" bIns="91425" lIns="91425" spcFirstLastPara="1" rIns="91425" wrap="square" tIns="91425">
+          <a:bodyPr spcFirstLastPara="1" wrap="square" lIns="91425" tIns="91425" rIns="91425" bIns="91425" anchor="t" anchorCtr="0">
             <a:noAutofit/>
           </a:bodyPr>
           <a:lstStyle/>
           <a:p>
-            <a:pPr indent="0" lvl="0" marL="457200" rtl="0" algn="l">
-              <a:spcBef>
-                <a:spcPts val="0"/>
-              </a:spcBef>
-              <a:spcAft>
-                <a:spcPts val="0"/>
-              </a:spcAft>
-              <a:buNone/>
-            </a:pPr>
-            <a:r>
-              <a:t/>
-            </a:r>
+            <a:pPr marL="457200" lvl="0" indent="0" algn="l" rtl="0">
+              <a:spcBef>
+                <a:spcPts val="0"/>
+              </a:spcBef>
+              <a:spcAft>
+                <a:spcPts val="0"/>
+              </a:spcAft>
+              <a:buNone/>
+            </a:pPr>
             <a:endParaRPr sz="1500">
               <a:solidFill>
                 <a:srgbClr val="292929"/>
@@ -11769,7 +11995,7 @@
             </a:endParaRPr>
           </a:p>
           <a:p>
-            <a:pPr indent="-323850" lvl="0" marL="457200" rtl="0" algn="l">
+            <a:pPr marL="457200" lvl="0" indent="-323850" algn="l" rtl="0">
               <a:spcBef>
                 <a:spcPts val="0"/>
               </a:spcBef>
@@ -11812,7 +12038,7 @@
             </a:endParaRPr>
           </a:p>
           <a:p>
-            <a:pPr indent="-323850" lvl="0" marL="457200" rtl="0" algn="l">
+            <a:pPr marL="457200" lvl="0" indent="-323850" algn="l" rtl="0">
               <a:spcBef>
                 <a:spcPts val="0"/>
               </a:spcBef>
@@ -11855,7 +12081,7 @@
             </a:endParaRPr>
           </a:p>
           <a:p>
-            <a:pPr indent="-323850" lvl="0" marL="457200" rtl="0" algn="l">
+            <a:pPr marL="457200" lvl="0" indent="-323850" algn="l" rtl="0">
               <a:spcBef>
                 <a:spcPts val="0"/>
               </a:spcBef>
@@ -11898,7 +12124,7 @@
             </a:endParaRPr>
           </a:p>
           <a:p>
-            <a:pPr indent="-330200" lvl="1" marL="914400" rtl="0" algn="l">
+            <a:pPr marL="914400" lvl="1" indent="-330200" algn="l" rtl="0">
               <a:spcBef>
                 <a:spcPts val="0"/>
               </a:spcBef>
@@ -11971,7 +12197,7 @@
             </a:endParaRPr>
           </a:p>
           <a:p>
-            <a:pPr indent="-330200" lvl="1" marL="914400" rtl="0" algn="l">
+            <a:pPr marL="914400" lvl="1" indent="-330200" algn="l" rtl="0">
               <a:spcBef>
                 <a:spcPts val="0"/>
               </a:spcBef>
@@ -12014,7 +12240,7 @@
             </a:endParaRPr>
           </a:p>
           <a:p>
-            <a:pPr indent="-330200" lvl="1" marL="914400" rtl="0" algn="l">
+            <a:pPr marL="914400" lvl="1" indent="-330200" algn="l" rtl="0">
               <a:spcBef>
                 <a:spcPts val="0"/>
               </a:spcBef>
@@ -12057,7 +12283,7 @@
             </a:endParaRPr>
           </a:p>
           <a:p>
-            <a:pPr indent="-330200" lvl="1" marL="914400" rtl="0" algn="l">
+            <a:pPr marL="914400" lvl="1" indent="-330200" algn="l" rtl="0">
               <a:spcBef>
                 <a:spcPts val="0"/>
               </a:spcBef>
@@ -12100,7 +12326,7 @@
             </a:endParaRPr>
           </a:p>
           <a:p>
-            <a:pPr indent="0" lvl="0" marL="0" rtl="0" algn="l">
+            <a:pPr marL="0" lvl="0" indent="0" algn="l" rtl="0">
               <a:spcBef>
                 <a:spcPts val="0"/>
               </a:spcBef>
@@ -12109,9 +12335,6 @@
               </a:spcAft>
               <a:buNone/>
             </a:pPr>
-            <a:r>
-              <a:t/>
-            </a:r>
             <a:endParaRPr/>
           </a:p>
         </p:txBody>
@@ -12125,11 +12348,11 @@
 </file>
 
 <file path=ppt/slides/slide7.xml><?xml version="1.0" encoding="utf-8"?>
-<p:sld xmlns:a="http://schemas.openxmlformats.org/drawingml/2006/main" xmlns:r="http://schemas.openxmlformats.org/officeDocument/2006/relationships" xmlns:mc="http://schemas.openxmlformats.org/markup-compatibility/2006" xmlns:mv="urn:schemas-microsoft-com:mac:vml" xmlns:p="http://schemas.openxmlformats.org/presentationml/2006/main" xmlns:c="http://schemas.openxmlformats.org/drawingml/2006/chart" xmlns:dgm="http://schemas.openxmlformats.org/drawingml/2006/diagram" xmlns:o="urn:schemas-microsoft-com:office:office" xmlns:v="urn:schemas-microsoft-com:vml" xmlns:pvml="urn:schemas-microsoft-com:office:powerpoint" xmlns:com="http://schemas.openxmlformats.org/drawingml/2006/compatibility" xmlns:p14="http://schemas.microsoft.com/office/powerpoint/2010/main" xmlns:p15="http://schemas.microsoft.com/office/powerpoint/2012/main" xmlns:ahyp="http://schemas.microsoft.com/office/drawing/2018/hyperlinkcolor">
+<p:sld xmlns:a="http://schemas.openxmlformats.org/drawingml/2006/main" xmlns:r="http://schemas.openxmlformats.org/officeDocument/2006/relationships" xmlns:p="http://schemas.openxmlformats.org/presentationml/2006/main">
   <p:cSld>
     <p:spTree>
       <p:nvGrpSpPr>
-        <p:cNvPr id="100" name="Shape 100"/>
+        <p:cNvPr id="1" name="Shape 100"/>
         <p:cNvGrpSpPr/>
         <p:nvPr/>
       </p:nvGrpSpPr>
@@ -12144,7 +12367,9 @@
       <p:sp>
         <p:nvSpPr>
           <p:cNvPr id="101" name="Google Shape;101;p19"/>
-          <p:cNvSpPr txBox="1"/>
+          <p:cNvSpPr txBox="1">
+            <a:spLocks noGrp="1"/>
+          </p:cNvSpPr>
           <p:nvPr>
             <p:ph type="title"/>
           </p:nvPr>
@@ -12159,12 +12384,12 @@
           </a:prstGeom>
         </p:spPr>
         <p:txBody>
-          <a:bodyPr anchorCtr="0" anchor="b" bIns="91425" lIns="91425" spcFirstLastPara="1" rIns="91425" wrap="square" tIns="91425">
+          <a:bodyPr spcFirstLastPara="1" wrap="square" lIns="91425" tIns="91425" rIns="91425" bIns="91425" anchor="b" anchorCtr="0">
             <a:noAutofit/>
           </a:bodyPr>
           <a:lstStyle/>
           <a:p>
-            <a:pPr indent="0" lvl="0" marL="0" rtl="0" algn="l">
+            <a:pPr marL="0" lvl="0" indent="0" algn="l" rtl="0">
               <a:spcBef>
                 <a:spcPts val="0"/>
               </a:spcBef>
@@ -12194,9 +12419,11 @@
       <p:sp>
         <p:nvSpPr>
           <p:cNvPr id="102" name="Google Shape;102;p19"/>
-          <p:cNvSpPr txBox="1"/>
+          <p:cNvSpPr txBox="1">
+            <a:spLocks noGrp="1"/>
+          </p:cNvSpPr>
           <p:nvPr>
-            <p:ph idx="1" type="body"/>
+            <p:ph type="body" idx="1"/>
           </p:nvPr>
         </p:nvSpPr>
         <p:spPr>
@@ -12209,12 +12436,12 @@
           </a:prstGeom>
         </p:spPr>
         <p:txBody>
-          <a:bodyPr anchorCtr="0" anchor="t" bIns="91425" lIns="91425" spcFirstLastPara="1" rIns="91425" wrap="square" tIns="91425">
+          <a:bodyPr spcFirstLastPara="1" wrap="square" lIns="91425" tIns="91425" rIns="91425" bIns="91425" anchor="t" anchorCtr="0">
             <a:noAutofit/>
           </a:bodyPr>
           <a:lstStyle/>
           <a:p>
-            <a:pPr indent="0" lvl="0" marL="0" rtl="0" algn="l">
+            <a:pPr marL="0" lvl="0" indent="0" algn="l" rtl="0">
               <a:spcBef>
                 <a:spcPts val="0"/>
               </a:spcBef>
@@ -12224,7 +12451,7 @@
               <a:buNone/>
             </a:pPr>
             <a:r>
-              <a:rPr b="1" lang="en" sz="1600" u="sng">
+              <a:rPr lang="en" sz="1600" b="1" u="sng">
                 <a:solidFill>
                   <a:srgbClr val="292929"/>
                 </a:solidFill>
@@ -12238,7 +12465,7 @@
               </a:rPr>
               <a:t>OAuth Roles</a:t>
             </a:r>
-            <a:endParaRPr b="1" sz="1600" u="sng">
+            <a:endParaRPr sz="1600" b="1" u="sng">
               <a:solidFill>
                 <a:srgbClr val="292929"/>
               </a:solidFill>
@@ -12252,7 +12479,7 @@
             </a:endParaRPr>
           </a:p>
           <a:p>
-            <a:pPr indent="-330200" lvl="0" marL="457200" rtl="0" algn="l">
+            <a:pPr marL="457200" lvl="0" indent="-330200" algn="l" rtl="0">
               <a:spcBef>
                 <a:spcPts val="1600"/>
               </a:spcBef>
@@ -12267,7 +12494,7 @@
               <a:buAutoNum type="arabicPeriod"/>
             </a:pPr>
             <a:r>
-              <a:rPr b="1" lang="en" sz="1600">
+              <a:rPr lang="en" sz="1600" b="1">
                 <a:solidFill>
                   <a:srgbClr val="292929"/>
                 </a:solidFill>
@@ -12310,7 +12537,7 @@
             </a:endParaRPr>
           </a:p>
           <a:p>
-            <a:pPr indent="-330200" lvl="1" marL="1371600" rtl="0" algn="l">
+            <a:pPr marL="1371600" lvl="1" indent="-330200" algn="l" rtl="0">
               <a:spcBef>
                 <a:spcPts val="0"/>
               </a:spcBef>
@@ -12380,7 +12607,7 @@
             </a:endParaRPr>
           </a:p>
           <a:p>
-            <a:pPr indent="-330200" lvl="1" marL="1371600" rtl="0" algn="l">
+            <a:pPr marL="1371600" lvl="1" indent="-330200" algn="l" rtl="0">
               <a:spcBef>
                 <a:spcPts val="0"/>
               </a:spcBef>
@@ -12420,7 +12647,7 @@
             </a:endParaRPr>
           </a:p>
           <a:p>
-            <a:pPr indent="-330200" lvl="0" marL="457200" rtl="0" algn="l">
+            <a:pPr marL="457200" lvl="0" indent="-330200" algn="l" rtl="0">
               <a:spcBef>
                 <a:spcPts val="0"/>
               </a:spcBef>
@@ -12432,7 +12659,7 @@
               <a:buAutoNum type="arabicPeriod"/>
             </a:pPr>
             <a:r>
-              <a:rPr b="1" lang="en" sz="1600">
+              <a:rPr lang="en" sz="1600" b="1">
                 <a:solidFill>
                   <a:srgbClr val="292929"/>
                 </a:solidFill>
@@ -12475,7 +12702,7 @@
             </a:endParaRPr>
           </a:p>
           <a:p>
-            <a:pPr indent="-330200" lvl="0" marL="457200" rtl="0" algn="l">
+            <a:pPr marL="457200" lvl="0" indent="-330200" algn="l" rtl="0">
               <a:spcBef>
                 <a:spcPts val="0"/>
               </a:spcBef>
@@ -12487,7 +12714,7 @@
               <a:buAutoNum type="arabicPeriod"/>
             </a:pPr>
             <a:r>
-              <a:rPr b="1" lang="en" sz="1600">
+              <a:rPr lang="en" sz="1600" b="1">
                 <a:solidFill>
                   <a:srgbClr val="292929"/>
                 </a:solidFill>
@@ -12530,7 +12757,7 @@
             </a:endParaRPr>
           </a:p>
           <a:p>
-            <a:pPr indent="-330200" lvl="1" marL="1371600" rtl="0" algn="l">
+            <a:pPr marL="1371600" lvl="1" indent="-330200" algn="l" rtl="0">
               <a:spcBef>
                 <a:spcPts val="0"/>
               </a:spcBef>
@@ -12573,7 +12800,7 @@
             </a:endParaRPr>
           </a:p>
           <a:p>
-            <a:pPr indent="-330200" lvl="1" marL="1371600" rtl="0" algn="l">
+            <a:pPr marL="1371600" lvl="1" indent="-330200" algn="l" rtl="0">
               <a:spcBef>
                 <a:spcPts val="0"/>
               </a:spcBef>
@@ -12616,7 +12843,7 @@
             </a:endParaRPr>
           </a:p>
           <a:p>
-            <a:pPr indent="-330200" lvl="0" marL="457200" rtl="0" algn="l">
+            <a:pPr marL="457200" lvl="0" indent="-330200" algn="l" rtl="0">
               <a:spcBef>
                 <a:spcPts val="0"/>
               </a:spcBef>
@@ -12628,7 +12855,7 @@
               <a:buAutoNum type="arabicPeriod"/>
             </a:pPr>
             <a:r>
-              <a:rPr b="1" lang="en" sz="1600">
+              <a:rPr lang="en" sz="1600" b="1">
                 <a:solidFill>
                   <a:srgbClr val="292929"/>
                 </a:solidFill>
@@ -12671,7 +12898,7 @@
             </a:endParaRPr>
           </a:p>
           <a:p>
-            <a:pPr indent="0" lvl="0" marL="0" rtl="0" algn="l">
+            <a:pPr marL="0" lvl="0" indent="0" algn="l" rtl="0">
               <a:spcBef>
                 <a:spcPts val="1600"/>
               </a:spcBef>
@@ -12680,13 +12907,10 @@
               </a:spcAft>
               <a:buNone/>
             </a:pPr>
-            <a:r>
-              <a:t/>
-            </a:r>
             <a:endParaRPr/>
           </a:p>
           <a:p>
-            <a:pPr indent="0" lvl="0" marL="0" rtl="0" algn="l">
+            <a:pPr marL="0" lvl="0" indent="0" algn="l" rtl="0">
               <a:spcBef>
                 <a:spcPts val="1600"/>
               </a:spcBef>
@@ -12712,11 +12936,11 @@
 </file>
 
 <file path=ppt/slides/slide8.xml><?xml version="1.0" encoding="utf-8"?>
-<p:sld xmlns:a="http://schemas.openxmlformats.org/drawingml/2006/main" xmlns:r="http://schemas.openxmlformats.org/officeDocument/2006/relationships" xmlns:mc="http://schemas.openxmlformats.org/markup-compatibility/2006" xmlns:mv="urn:schemas-microsoft-com:mac:vml" xmlns:p="http://schemas.openxmlformats.org/presentationml/2006/main" xmlns:c="http://schemas.openxmlformats.org/drawingml/2006/chart" xmlns:dgm="http://schemas.openxmlformats.org/drawingml/2006/diagram" xmlns:o="urn:schemas-microsoft-com:office:office" xmlns:v="urn:schemas-microsoft-com:vml" xmlns:pvml="urn:schemas-microsoft-com:office:powerpoint" xmlns:com="http://schemas.openxmlformats.org/drawingml/2006/compatibility" xmlns:p14="http://schemas.microsoft.com/office/powerpoint/2010/main" xmlns:p15="http://schemas.microsoft.com/office/powerpoint/2012/main" xmlns:ahyp="http://schemas.microsoft.com/office/drawing/2018/hyperlinkcolor">
+<p:sld xmlns:a="http://schemas.openxmlformats.org/drawingml/2006/main" xmlns:r="http://schemas.openxmlformats.org/officeDocument/2006/relationships" xmlns:p="http://schemas.openxmlformats.org/presentationml/2006/main">
   <p:cSld>
     <p:spTree>
       <p:nvGrpSpPr>
-        <p:cNvPr id="106" name="Shape 106"/>
+        <p:cNvPr id="1" name="Shape 106"/>
         <p:cNvGrpSpPr/>
         <p:nvPr/>
       </p:nvGrpSpPr>
@@ -12731,7 +12955,9 @@
       <p:sp>
         <p:nvSpPr>
           <p:cNvPr id="107" name="Google Shape;107;p20"/>
-          <p:cNvSpPr txBox="1"/>
+          <p:cNvSpPr txBox="1">
+            <a:spLocks noGrp="1"/>
+          </p:cNvSpPr>
           <p:nvPr>
             <p:ph type="title"/>
           </p:nvPr>
@@ -12746,12 +12972,12 @@
           </a:prstGeom>
         </p:spPr>
         <p:txBody>
-          <a:bodyPr anchorCtr="0" anchor="b" bIns="91425" lIns="91425" spcFirstLastPara="1" rIns="91425" wrap="square" tIns="91425">
+          <a:bodyPr spcFirstLastPara="1" wrap="square" lIns="91425" tIns="91425" rIns="91425" bIns="91425" anchor="b" anchorCtr="0">
             <a:noAutofit/>
           </a:bodyPr>
           <a:lstStyle/>
           <a:p>
-            <a:pPr indent="0" lvl="0" marL="0" rtl="0" algn="l">
+            <a:pPr marL="0" lvl="0" indent="0" algn="l" rtl="0">
               <a:spcBef>
                 <a:spcPts val="0"/>
               </a:spcBef>
@@ -12771,9 +12997,11 @@
       <p:sp>
         <p:nvSpPr>
           <p:cNvPr id="108" name="Google Shape;108;p20"/>
-          <p:cNvSpPr txBox="1"/>
+          <p:cNvSpPr txBox="1">
+            <a:spLocks noGrp="1"/>
+          </p:cNvSpPr>
           <p:nvPr>
-            <p:ph idx="1" type="body"/>
+            <p:ph type="body" idx="1"/>
           </p:nvPr>
         </p:nvSpPr>
         <p:spPr>
@@ -12786,12 +13014,12 @@
           </a:prstGeom>
         </p:spPr>
         <p:txBody>
-          <a:bodyPr anchorCtr="0" anchor="t" bIns="91425" lIns="91425" spcFirstLastPara="1" rIns="91425" wrap="square" tIns="91425">
+          <a:bodyPr spcFirstLastPara="1" wrap="square" lIns="91425" tIns="91425" rIns="91425" bIns="91425" anchor="t" anchorCtr="0">
             <a:noAutofit/>
           </a:bodyPr>
           <a:lstStyle/>
           <a:p>
-            <a:pPr indent="0" lvl="0" marL="0" rtl="0" algn="l">
+            <a:pPr marL="0" lvl="0" indent="0" algn="l" rtl="0">
               <a:spcBef>
                 <a:spcPts val="0"/>
               </a:spcBef>
@@ -12800,9 +13028,6 @@
               </a:spcAft>
               <a:buNone/>
             </a:pPr>
-            <a:r>
-              <a:t/>
-            </a:r>
             <a:endParaRPr/>
           </a:p>
         </p:txBody>
@@ -12810,9 +13035,11 @@
       <p:sp>
         <p:nvSpPr>
           <p:cNvPr id="109" name="Google Shape;109;p20"/>
-          <p:cNvSpPr txBox="1"/>
+          <p:cNvSpPr txBox="1">
+            <a:spLocks noGrp="1"/>
+          </p:cNvSpPr>
           <p:nvPr>
-            <p:ph idx="2" type="body"/>
+            <p:ph type="body" idx="2"/>
           </p:nvPr>
         </p:nvSpPr>
         <p:spPr>
@@ -12825,12 +13052,12 @@
           </a:prstGeom>
         </p:spPr>
         <p:txBody>
-          <a:bodyPr anchorCtr="0" anchor="t" bIns="91425" lIns="91425" spcFirstLastPara="1" rIns="91425" wrap="square" tIns="91425">
+          <a:bodyPr spcFirstLastPara="1" wrap="square" lIns="91425" tIns="91425" rIns="91425" bIns="91425" anchor="t" anchorCtr="0">
             <a:noAutofit/>
           </a:bodyPr>
           <a:lstStyle/>
           <a:p>
-            <a:pPr indent="-330200" lvl="0" marL="457200" rtl="0" algn="l">
+            <a:pPr marL="457200" lvl="0" indent="-330200" algn="l" rtl="0">
               <a:spcBef>
                 <a:spcPts val="0"/>
               </a:spcBef>
@@ -12870,7 +13097,7 @@
             </a:endParaRPr>
           </a:p>
           <a:p>
-            <a:pPr indent="-330200" lvl="0" marL="457200" rtl="0" algn="l">
+            <a:pPr marL="457200" lvl="0" indent="-330200" algn="l" rtl="0">
               <a:spcBef>
                 <a:spcPts val="0"/>
               </a:spcBef>
@@ -12910,7 +13137,7 @@
             </a:endParaRPr>
           </a:p>
           <a:p>
-            <a:pPr indent="-330200" lvl="0" marL="457200" rtl="0" algn="l">
+            <a:pPr marL="457200" lvl="0" indent="-330200" algn="l" rtl="0">
               <a:spcBef>
                 <a:spcPts val="0"/>
               </a:spcBef>
@@ -12950,7 +13177,7 @@
             </a:endParaRPr>
           </a:p>
           <a:p>
-            <a:pPr indent="0" lvl="0" marL="457200" rtl="0" algn="l">
+            <a:pPr marL="457200" lvl="0" indent="0" algn="l" rtl="0">
               <a:spcBef>
                 <a:spcPts val="1600"/>
               </a:spcBef>
@@ -12959,9 +13186,6 @@
               </a:spcAft>
               <a:buNone/>
             </a:pPr>
-            <a:r>
-              <a:t/>
-            </a:r>
             <a:endParaRPr sz="1600">
               <a:solidFill>
                 <a:srgbClr val="292929"/>
@@ -13014,11 +13238,11 @@
 </file>
 
 <file path=ppt/slides/slide9.xml><?xml version="1.0" encoding="utf-8"?>
-<p:sld xmlns:a="http://schemas.openxmlformats.org/drawingml/2006/main" xmlns:r="http://schemas.openxmlformats.org/officeDocument/2006/relationships" xmlns:mc="http://schemas.openxmlformats.org/markup-compatibility/2006" xmlns:mv="urn:schemas-microsoft-com:mac:vml" xmlns:p="http://schemas.openxmlformats.org/presentationml/2006/main" xmlns:c="http://schemas.openxmlformats.org/drawingml/2006/chart" xmlns:dgm="http://schemas.openxmlformats.org/drawingml/2006/diagram" xmlns:o="urn:schemas-microsoft-com:office:office" xmlns:v="urn:schemas-microsoft-com:vml" xmlns:pvml="urn:schemas-microsoft-com:office:powerpoint" xmlns:com="http://schemas.openxmlformats.org/drawingml/2006/compatibility" xmlns:p14="http://schemas.microsoft.com/office/powerpoint/2010/main" xmlns:p15="http://schemas.microsoft.com/office/powerpoint/2012/main" xmlns:ahyp="http://schemas.microsoft.com/office/drawing/2018/hyperlinkcolor">
+<p:sld xmlns:a="http://schemas.openxmlformats.org/drawingml/2006/main" xmlns:r="http://schemas.openxmlformats.org/officeDocument/2006/relationships" xmlns:p="http://schemas.openxmlformats.org/presentationml/2006/main">
   <p:cSld>
     <p:spTree>
       <p:nvGrpSpPr>
-        <p:cNvPr id="114" name="Shape 114"/>
+        <p:cNvPr id="1" name="Shape 114"/>
         <p:cNvGrpSpPr/>
         <p:nvPr/>
       </p:nvGrpSpPr>
@@ -13033,7 +13257,9 @@
       <p:sp>
         <p:nvSpPr>
           <p:cNvPr id="115" name="Google Shape;115;p21"/>
-          <p:cNvSpPr txBox="1"/>
+          <p:cNvSpPr txBox="1">
+            <a:spLocks noGrp="1"/>
+          </p:cNvSpPr>
           <p:nvPr>
             <p:ph type="title"/>
           </p:nvPr>
@@ -13048,12 +13274,12 @@
           </a:prstGeom>
         </p:spPr>
         <p:txBody>
-          <a:bodyPr anchorCtr="0" anchor="b" bIns="91425" lIns="91425" spcFirstLastPara="1" rIns="91425" wrap="square" tIns="91425">
+          <a:bodyPr spcFirstLastPara="1" wrap="square" lIns="91425" tIns="91425" rIns="91425" bIns="91425" anchor="b" anchorCtr="0">
             <a:noAutofit/>
           </a:bodyPr>
           <a:lstStyle/>
           <a:p>
-            <a:pPr indent="0" lvl="0" marL="0" rtl="0" algn="l">
+            <a:pPr marL="0" lvl="0" indent="0" algn="l" rtl="0">
               <a:spcBef>
                 <a:spcPts val="0"/>
               </a:spcBef>
@@ -13073,9 +13299,11 @@
       <p:sp>
         <p:nvSpPr>
           <p:cNvPr id="116" name="Google Shape;116;p21"/>
-          <p:cNvSpPr txBox="1"/>
+          <p:cNvSpPr txBox="1">
+            <a:spLocks noGrp="1"/>
+          </p:cNvSpPr>
           <p:nvPr>
-            <p:ph idx="1" type="body"/>
+            <p:ph type="body" idx="1"/>
           </p:nvPr>
         </p:nvSpPr>
         <p:spPr>
@@ -13088,12 +13316,12 @@
           </a:prstGeom>
         </p:spPr>
         <p:txBody>
-          <a:bodyPr anchorCtr="0" anchor="t" bIns="91425" lIns="91425" spcFirstLastPara="1" rIns="91425" wrap="square" tIns="91425">
+          <a:bodyPr spcFirstLastPara="1" wrap="square" lIns="91425" tIns="91425" rIns="91425" bIns="91425" anchor="t" anchorCtr="0">
             <a:noAutofit/>
           </a:bodyPr>
           <a:lstStyle/>
           <a:p>
-            <a:pPr indent="0" lvl="0" marL="0" rtl="0" algn="l">
+            <a:pPr marL="0" lvl="0" indent="0" algn="l" rtl="0">
               <a:spcBef>
                 <a:spcPts val="0"/>
               </a:spcBef>
@@ -13102,9 +13330,6 @@
               </a:spcAft>
               <a:buNone/>
             </a:pPr>
-            <a:r>
-              <a:t/>
-            </a:r>
             <a:endParaRPr/>
           </a:p>
         </p:txBody>
@@ -13112,9 +13337,11 @@
       <p:sp>
         <p:nvSpPr>
           <p:cNvPr id="117" name="Google Shape;117;p21"/>
-          <p:cNvSpPr txBox="1"/>
+          <p:cNvSpPr txBox="1">
+            <a:spLocks noGrp="1"/>
+          </p:cNvSpPr>
           <p:nvPr>
-            <p:ph idx="2" type="body"/>
+            <p:ph type="body" idx="2"/>
           </p:nvPr>
         </p:nvSpPr>
         <p:spPr>
@@ -13127,12 +13354,12 @@
           </a:prstGeom>
         </p:spPr>
         <p:txBody>
-          <a:bodyPr anchorCtr="0" anchor="t" bIns="91425" lIns="91425" spcFirstLastPara="1" rIns="91425" wrap="square" tIns="91425">
+          <a:bodyPr spcFirstLastPara="1" wrap="square" lIns="91425" tIns="91425" rIns="91425" bIns="91425" anchor="t" anchorCtr="0">
             <a:noAutofit/>
           </a:bodyPr>
           <a:lstStyle/>
           <a:p>
-            <a:pPr indent="0" lvl="0" marL="0" rtl="0" algn="l">
+            <a:pPr marL="0" lvl="0" indent="0" algn="l" rtl="0">
               <a:spcBef>
                 <a:spcPts val="0"/>
               </a:spcBef>
@@ -13170,7 +13397,7 @@
             </a:endParaRPr>
           </a:p>
           <a:p>
-            <a:pPr indent="0" lvl="0" marL="0" rtl="0" algn="l">
+            <a:pPr marL="0" lvl="0" indent="0" algn="l" rtl="0">
               <a:spcBef>
                 <a:spcPts val="1600"/>
               </a:spcBef>
@@ -13208,7 +13435,7 @@
             </a:endParaRPr>
           </a:p>
           <a:p>
-            <a:pPr indent="0" lvl="0" marL="0" rtl="0" algn="l">
+            <a:pPr marL="0" lvl="0" indent="0" algn="l" rtl="0">
               <a:spcBef>
                 <a:spcPts val="1600"/>
               </a:spcBef>
@@ -13246,7 +13473,7 @@
             </a:endParaRPr>
           </a:p>
           <a:p>
-            <a:pPr indent="0" lvl="0" marL="0" rtl="0" algn="l">
+            <a:pPr marL="0" lvl="0" indent="0" algn="l" rtl="0">
               <a:spcBef>
                 <a:spcPts val="1600"/>
               </a:spcBef>
@@ -13315,7 +13542,7 @@
 </file>
 
 <file path=ppt/theme/theme1.xml><?xml version="1.0" encoding="utf-8"?>
-<a:theme xmlns:a="http://schemas.openxmlformats.org/drawingml/2006/main" xmlns:r="http://schemas.openxmlformats.org/officeDocument/2006/relationships" name="Modern Writer">
+<a:theme xmlns:a="http://schemas.openxmlformats.org/drawingml/2006/main" name="Modern Writer">
   <a:themeElements>
     <a:clrScheme name="Modern Writer">
       <a:dk1>
@@ -13590,11 +13817,13 @@
       </a:bgFillStyleLst>
     </a:fmtScheme>
   </a:themeElements>
+  <a:objectDefaults/>
+  <a:extraClrSchemeLst/>
 </a:theme>
 </file>
 
 <file path=ppt/theme/theme2.xml><?xml version="1.0" encoding="utf-8"?>
-<a:theme xmlns:a="http://schemas.openxmlformats.org/drawingml/2006/main" xmlns:r="http://schemas.openxmlformats.org/officeDocument/2006/relationships">
+<a:theme xmlns:a="http://schemas.openxmlformats.org/drawingml/2006/main">
   <a:themeElements>
     <a:clrScheme name="Default">
       <a:dk1>
@@ -13869,5 +14098,7 @@
       </a:bgFillStyleLst>
     </a:fmtScheme>
   </a:themeElements>
+  <a:objectDefaults/>
+  <a:extraClrSchemeLst/>
 </a:theme>
 </file>